--- a/docs/Final Presentation.pptx
+++ b/docs/Final Presentation.pptx
@@ -4,41 +4,39 @@
   <p:sldMasterIdLst>
     <p:sldMasterId id="2147483648" r:id="rId2"/>
     <p:sldMasterId id="2147483661" r:id="rId3"/>
-    <p:sldMasterId id="2147483674" r:id="rId4"/>
-    <p:sldMasterId id="2147483687" r:id="rId5"/>
   </p:sldMasterIdLst>
   <p:sldIdLst>
-    <p:sldId id="256" r:id="rId6"/>
-    <p:sldId id="257" r:id="rId7"/>
-    <p:sldId id="258" r:id="rId8"/>
-    <p:sldId id="259" r:id="rId9"/>
-    <p:sldId id="260" r:id="rId10"/>
-    <p:sldId id="261" r:id="rId11"/>
-    <p:sldId id="262" r:id="rId12"/>
-    <p:sldId id="263" r:id="rId13"/>
-    <p:sldId id="264" r:id="rId14"/>
-    <p:sldId id="265" r:id="rId15"/>
-    <p:sldId id="266" r:id="rId16"/>
-    <p:sldId id="267" r:id="rId17"/>
-    <p:sldId id="268" r:id="rId18"/>
-    <p:sldId id="269" r:id="rId19"/>
-    <p:sldId id="270" r:id="rId20"/>
-    <p:sldId id="271" r:id="rId21"/>
-    <p:sldId id="272" r:id="rId22"/>
-    <p:sldId id="273" r:id="rId23"/>
-    <p:sldId id="274" r:id="rId24"/>
-    <p:sldId id="275" r:id="rId25"/>
-    <p:sldId id="276" r:id="rId26"/>
-    <p:sldId id="277" r:id="rId27"/>
-    <p:sldId id="278" r:id="rId28"/>
-    <p:sldId id="279" r:id="rId29"/>
-    <p:sldId id="280" r:id="rId30"/>
-    <p:sldId id="281" r:id="rId31"/>
-    <p:sldId id="282" r:id="rId32"/>
-    <p:sldId id="283" r:id="rId33"/>
-    <p:sldId id="284" r:id="rId34"/>
-    <p:sldId id="285" r:id="rId35"/>
-    <p:sldId id="286" r:id="rId36"/>
+    <p:sldId id="256" r:id="rId4"/>
+    <p:sldId id="257" r:id="rId5"/>
+    <p:sldId id="258" r:id="rId6"/>
+    <p:sldId id="259" r:id="rId7"/>
+    <p:sldId id="260" r:id="rId8"/>
+    <p:sldId id="261" r:id="rId9"/>
+    <p:sldId id="262" r:id="rId10"/>
+    <p:sldId id="263" r:id="rId11"/>
+    <p:sldId id="264" r:id="rId12"/>
+    <p:sldId id="265" r:id="rId13"/>
+    <p:sldId id="266" r:id="rId14"/>
+    <p:sldId id="267" r:id="rId15"/>
+    <p:sldId id="268" r:id="rId16"/>
+    <p:sldId id="269" r:id="rId17"/>
+    <p:sldId id="270" r:id="rId18"/>
+    <p:sldId id="271" r:id="rId19"/>
+    <p:sldId id="272" r:id="rId20"/>
+    <p:sldId id="273" r:id="rId21"/>
+    <p:sldId id="274" r:id="rId22"/>
+    <p:sldId id="275" r:id="rId23"/>
+    <p:sldId id="276" r:id="rId24"/>
+    <p:sldId id="277" r:id="rId25"/>
+    <p:sldId id="278" r:id="rId26"/>
+    <p:sldId id="279" r:id="rId27"/>
+    <p:sldId id="280" r:id="rId28"/>
+    <p:sldId id="281" r:id="rId29"/>
+    <p:sldId id="282" r:id="rId30"/>
+    <p:sldId id="283" r:id="rId31"/>
+    <p:sldId id="284" r:id="rId32"/>
+    <p:sldId id="285" r:id="rId33"/>
+    <p:sldId id="286" r:id="rId34"/>
   </p:sldIdLst>
   <p:sldSz cx="10080625" cy="7559675"/>
   <p:notesSz cx="7772400" cy="10058400"/>
@@ -406,7 +404,7 @@
       </p:grpSpPr>
       <p:sp>
         <p:nvSpPr>
-          <p:cNvPr id="28" name="PlaceHolder 1"/>
+          <p:cNvPr id="24" name="PlaceHolder 1"/>
           <p:cNvSpPr>
             <a:spLocks noGrp="1"/>
           </p:cNvSpPr>
@@ -416,8 +414,8 @@
         </p:nvSpPr>
         <p:spPr>
           <a:xfrm>
-            <a:off x="432000" y="647640"/>
-            <a:ext cx="7056360" cy="648360"/>
+            <a:off x="504000" y="301320"/>
+            <a:ext cx="9072000" cy="1262160"/>
           </a:xfrm>
           <a:prstGeom prst="rect">
             <a:avLst/>
@@ -426,13 +424,14 @@
         <p:txBody>
           <a:bodyPr anchor="ctr" bIns="0" lIns="0" rIns="0" tIns="0" wrap="none"/>
           <a:p>
-            <a:endParaRPr/>
-          </a:p>
-        </p:txBody>
-      </p:sp>
-      <p:sp>
-        <p:nvSpPr>
-          <p:cNvPr id="29" name="PlaceHolder 2"/>
+            <a:pPr algn="ctr"/>
+            <a:endParaRPr/>
+          </a:p>
+        </p:txBody>
+      </p:sp>
+      <p:sp>
+        <p:nvSpPr>
+          <p:cNvPr id="25" name="PlaceHolder 2"/>
           <p:cNvSpPr>
             <a:spLocks noGrp="1"/>
           </p:cNvSpPr>
@@ -442,8 +441,8 @@
         </p:nvSpPr>
         <p:spPr>
           <a:xfrm>
-            <a:off x="504000" y="2094840"/>
-            <a:ext cx="8870760" cy="2090880"/>
+            <a:off x="504000" y="1768680"/>
+            <a:ext cx="9072000" cy="2090880"/>
           </a:xfrm>
           <a:prstGeom prst="rect">
             <a:avLst/>
@@ -458,7 +457,7 @@
       </p:sp>
       <p:sp>
         <p:nvSpPr>
-          <p:cNvPr id="30" name="PlaceHolder 3"/>
+          <p:cNvPr id="26" name="PlaceHolder 3"/>
           <p:cNvSpPr>
             <a:spLocks noGrp="1"/>
           </p:cNvSpPr>
@@ -468,8 +467,8 @@
         </p:nvSpPr>
         <p:spPr>
           <a:xfrm>
-            <a:off x="504000" y="4384440"/>
-            <a:ext cx="8870760" cy="2090880"/>
+            <a:off x="504000" y="4058280"/>
+            <a:ext cx="9072000" cy="2090880"/>
           </a:xfrm>
           <a:prstGeom prst="rect">
             <a:avLst/>
@@ -506,7 +505,7 @@
       </p:grpSpPr>
       <p:sp>
         <p:nvSpPr>
-          <p:cNvPr id="31" name="PlaceHolder 1"/>
+          <p:cNvPr id="27" name="PlaceHolder 1"/>
           <p:cNvSpPr>
             <a:spLocks noGrp="1"/>
           </p:cNvSpPr>
@@ -516,8 +515,8 @@
         </p:nvSpPr>
         <p:spPr>
           <a:xfrm>
-            <a:off x="432000" y="647640"/>
-            <a:ext cx="7056360" cy="648360"/>
+            <a:off x="504000" y="301320"/>
+            <a:ext cx="9072000" cy="1262160"/>
           </a:xfrm>
           <a:prstGeom prst="rect">
             <a:avLst/>
@@ -526,13 +525,14 @@
         <p:txBody>
           <a:bodyPr anchor="ctr" bIns="0" lIns="0" rIns="0" tIns="0" wrap="none"/>
           <a:p>
-            <a:endParaRPr/>
-          </a:p>
-        </p:txBody>
-      </p:sp>
-      <p:sp>
-        <p:nvSpPr>
-          <p:cNvPr id="32" name="PlaceHolder 2"/>
+            <a:pPr algn="ctr"/>
+            <a:endParaRPr/>
+          </a:p>
+        </p:txBody>
+      </p:sp>
+      <p:sp>
+        <p:nvSpPr>
+          <p:cNvPr id="28" name="PlaceHolder 2"/>
           <p:cNvSpPr>
             <a:spLocks noGrp="1"/>
           </p:cNvSpPr>
@@ -542,8 +542,8 @@
         </p:nvSpPr>
         <p:spPr>
           <a:xfrm>
-            <a:off x="504000" y="2094840"/>
-            <a:ext cx="4328640" cy="2090880"/>
+            <a:off x="504000" y="1768680"/>
+            <a:ext cx="4426920" cy="2090880"/>
           </a:xfrm>
           <a:prstGeom prst="rect">
             <a:avLst/>
@@ -558,7 +558,7 @@
       </p:sp>
       <p:sp>
         <p:nvSpPr>
-          <p:cNvPr id="33" name="PlaceHolder 3"/>
+          <p:cNvPr id="29" name="PlaceHolder 3"/>
           <p:cNvSpPr>
             <a:spLocks noGrp="1"/>
           </p:cNvSpPr>
@@ -568,8 +568,8 @@
         </p:nvSpPr>
         <p:spPr>
           <a:xfrm>
-            <a:off x="5049360" y="2094840"/>
-            <a:ext cx="4328640" cy="2090880"/>
+            <a:off x="5152320" y="1768680"/>
+            <a:ext cx="4426920" cy="2090880"/>
           </a:xfrm>
           <a:prstGeom prst="rect">
             <a:avLst/>
@@ -584,7 +584,7 @@
       </p:sp>
       <p:sp>
         <p:nvSpPr>
-          <p:cNvPr id="34" name="PlaceHolder 4"/>
+          <p:cNvPr id="30" name="PlaceHolder 4"/>
           <p:cNvSpPr>
             <a:spLocks noGrp="1"/>
           </p:cNvSpPr>
@@ -594,8 +594,8 @@
         </p:nvSpPr>
         <p:spPr>
           <a:xfrm>
-            <a:off x="5049360" y="4384440"/>
-            <a:ext cx="4328640" cy="2090880"/>
+            <a:off x="5152320" y="4058280"/>
+            <a:ext cx="4426920" cy="2090880"/>
           </a:xfrm>
           <a:prstGeom prst="rect">
             <a:avLst/>
@@ -610,7 +610,7 @@
       </p:sp>
       <p:sp>
         <p:nvSpPr>
-          <p:cNvPr id="35" name="PlaceHolder 5"/>
+          <p:cNvPr id="31" name="PlaceHolder 5"/>
           <p:cNvSpPr>
             <a:spLocks noGrp="1"/>
           </p:cNvSpPr>
@@ -620,8 +620,8 @@
         </p:nvSpPr>
         <p:spPr>
           <a:xfrm>
-            <a:off x="504000" y="4384440"/>
-            <a:ext cx="4328640" cy="2090880"/>
+            <a:off x="504000" y="4058280"/>
+            <a:ext cx="4426920" cy="2090880"/>
           </a:xfrm>
           <a:prstGeom prst="rect">
             <a:avLst/>
@@ -658,7 +658,7 @@
       </p:grpSpPr>
       <p:sp>
         <p:nvSpPr>
-          <p:cNvPr id="36" name="PlaceHolder 1"/>
+          <p:cNvPr id="32" name="PlaceHolder 1"/>
           <p:cNvSpPr>
             <a:spLocks noGrp="1"/>
           </p:cNvSpPr>
@@ -668,8 +668,8 @@
         </p:nvSpPr>
         <p:spPr>
           <a:xfrm>
-            <a:off x="432000" y="647640"/>
-            <a:ext cx="7056360" cy="648360"/>
+            <a:off x="504000" y="301320"/>
+            <a:ext cx="9072000" cy="1262160"/>
           </a:xfrm>
           <a:prstGeom prst="rect">
             <a:avLst/>
@@ -678,13 +678,14 @@
         <p:txBody>
           <a:bodyPr anchor="ctr" bIns="0" lIns="0" rIns="0" tIns="0" wrap="none"/>
           <a:p>
-            <a:endParaRPr/>
-          </a:p>
-        </p:txBody>
-      </p:sp>
-      <p:sp>
-        <p:nvSpPr>
-          <p:cNvPr id="37" name="PlaceHolder 2"/>
+            <a:pPr algn="ctr"/>
+            <a:endParaRPr/>
+          </a:p>
+        </p:txBody>
+      </p:sp>
+      <p:sp>
+        <p:nvSpPr>
+          <p:cNvPr id="33" name="PlaceHolder 2"/>
           <p:cNvSpPr>
             <a:spLocks noGrp="1"/>
           </p:cNvSpPr>
@@ -694,8 +695,8 @@
         </p:nvSpPr>
         <p:spPr>
           <a:xfrm>
-            <a:off x="504000" y="2094840"/>
-            <a:ext cx="4328640" cy="2090880"/>
+            <a:off x="504000" y="1768680"/>
+            <a:ext cx="4426920" cy="2090880"/>
           </a:xfrm>
           <a:prstGeom prst="rect">
             <a:avLst/>
@@ -710,7 +711,7 @@
       </p:sp>
       <p:sp>
         <p:nvSpPr>
-          <p:cNvPr id="38" name="PlaceHolder 3"/>
+          <p:cNvPr id="34" name="PlaceHolder 3"/>
           <p:cNvSpPr>
             <a:spLocks noGrp="1"/>
           </p:cNvSpPr>
@@ -720,8 +721,8 @@
         </p:nvSpPr>
         <p:spPr>
           <a:xfrm>
-            <a:off x="5049360" y="2094840"/>
-            <a:ext cx="4328640" cy="2090880"/>
+            <a:off x="5152320" y="1768680"/>
+            <a:ext cx="4426920" cy="2090880"/>
           </a:xfrm>
           <a:prstGeom prst="rect">
             <a:avLst/>
@@ -736,7 +737,7 @@
       </p:sp>
       <p:pic>
         <p:nvPicPr>
-          <p:cNvPr descr="" id="39" name=""/>
+          <p:cNvPr descr="" id="35" name=""/>
           <p:cNvPicPr/>
           <p:nvPr/>
         </p:nvPicPr>
@@ -748,7 +749,7 @@
         </p:blipFill>
         <p:spPr>
           <a:xfrm>
-            <a:off x="5903280" y="4384440"/>
+            <a:off x="6055200" y="4058280"/>
             <a:ext cx="2620440" cy="2090880"/>
           </a:xfrm>
           <a:prstGeom prst="rect">
@@ -758,7 +759,7 @@
       </p:pic>
       <p:pic>
         <p:nvPicPr>
-          <p:cNvPr descr="" id="40" name=""/>
+          <p:cNvPr descr="" id="36" name=""/>
           <p:cNvPicPr/>
           <p:nvPr/>
         </p:nvPicPr>
@@ -770,7 +771,7 @@
         </p:blipFill>
         <p:spPr>
           <a:xfrm>
-            <a:off x="1357920" y="4384440"/>
+            <a:off x="1406880" y="4058280"/>
             <a:ext cx="2620440" cy="2090880"/>
           </a:xfrm>
           <a:prstGeom prst="rect">
@@ -824,7 +825,7 @@
       </p:grpSpPr>
       <p:sp>
         <p:nvSpPr>
-          <p:cNvPr id="48" name="PlaceHolder 1"/>
+          <p:cNvPr id="40" name="PlaceHolder 1"/>
           <p:cNvSpPr>
             <a:spLocks noGrp="1"/>
           </p:cNvSpPr>
@@ -834,8 +835,8 @@
         </p:nvSpPr>
         <p:spPr>
           <a:xfrm>
-            <a:off x="432000" y="647640"/>
-            <a:ext cx="7056360" cy="648360"/>
+            <a:off x="504000" y="301320"/>
+            <a:ext cx="9072000" cy="1262160"/>
           </a:xfrm>
           <a:prstGeom prst="rect">
             <a:avLst/>
@@ -844,13 +845,14 @@
         <p:txBody>
           <a:bodyPr anchor="ctr" bIns="0" lIns="0" rIns="0" tIns="0" wrap="none"/>
           <a:p>
-            <a:endParaRPr/>
-          </a:p>
-        </p:txBody>
-      </p:sp>
-      <p:sp>
-        <p:nvSpPr>
-          <p:cNvPr id="49" name="PlaceHolder 2"/>
+            <a:pPr algn="ctr"/>
+            <a:endParaRPr/>
+          </a:p>
+        </p:txBody>
+      </p:sp>
+      <p:sp>
+        <p:nvSpPr>
+          <p:cNvPr id="41" name="PlaceHolder 2"/>
           <p:cNvSpPr>
             <a:spLocks noGrp="1"/>
           </p:cNvSpPr>
@@ -860,8 +862,8 @@
         </p:nvSpPr>
         <p:spPr>
           <a:xfrm>
-            <a:off x="504000" y="2094840"/>
-            <a:ext cx="8870760" cy="4384800"/>
+            <a:off x="504000" y="1768680"/>
+            <a:ext cx="9072000" cy="4384440"/>
           </a:xfrm>
           <a:prstGeom prst="rect">
             <a:avLst/>
@@ -899,7 +901,7 @@
       </p:grpSpPr>
       <p:sp>
         <p:nvSpPr>
-          <p:cNvPr id="50" name="PlaceHolder 1"/>
+          <p:cNvPr id="42" name="PlaceHolder 1"/>
           <p:cNvSpPr>
             <a:spLocks noGrp="1"/>
           </p:cNvSpPr>
@@ -909,8 +911,8 @@
         </p:nvSpPr>
         <p:spPr>
           <a:xfrm>
-            <a:off x="432000" y="647640"/>
-            <a:ext cx="7056360" cy="648360"/>
+            <a:off x="504000" y="301320"/>
+            <a:ext cx="9072000" cy="1262160"/>
           </a:xfrm>
           <a:prstGeom prst="rect">
             <a:avLst/>
@@ -919,13 +921,14 @@
         <p:txBody>
           <a:bodyPr anchor="ctr" bIns="0" lIns="0" rIns="0" tIns="0" wrap="none"/>
           <a:p>
-            <a:endParaRPr/>
-          </a:p>
-        </p:txBody>
-      </p:sp>
-      <p:sp>
-        <p:nvSpPr>
-          <p:cNvPr id="51" name="PlaceHolder 2"/>
+            <a:pPr algn="ctr"/>
+            <a:endParaRPr/>
+          </a:p>
+        </p:txBody>
+      </p:sp>
+      <p:sp>
+        <p:nvSpPr>
+          <p:cNvPr id="43" name="PlaceHolder 2"/>
           <p:cNvSpPr>
             <a:spLocks noGrp="1"/>
           </p:cNvSpPr>
@@ -935,8 +938,8 @@
         </p:nvSpPr>
         <p:spPr>
           <a:xfrm>
-            <a:off x="504000" y="2094840"/>
-            <a:ext cx="8870760" cy="4384440"/>
+            <a:off x="504000" y="1768680"/>
+            <a:ext cx="9072000" cy="4384080"/>
           </a:xfrm>
           <a:prstGeom prst="rect">
             <a:avLst/>
@@ -973,7 +976,7 @@
       </p:grpSpPr>
       <p:sp>
         <p:nvSpPr>
-          <p:cNvPr id="52" name="PlaceHolder 1"/>
+          <p:cNvPr id="44" name="PlaceHolder 1"/>
           <p:cNvSpPr>
             <a:spLocks noGrp="1"/>
           </p:cNvSpPr>
@@ -983,8 +986,8 @@
         </p:nvSpPr>
         <p:spPr>
           <a:xfrm>
-            <a:off x="432000" y="647640"/>
-            <a:ext cx="7056360" cy="648360"/>
+            <a:off x="504000" y="301320"/>
+            <a:ext cx="9072000" cy="1262160"/>
           </a:xfrm>
           <a:prstGeom prst="rect">
             <a:avLst/>
@@ -993,13 +996,14 @@
         <p:txBody>
           <a:bodyPr anchor="ctr" bIns="0" lIns="0" rIns="0" tIns="0" wrap="none"/>
           <a:p>
-            <a:endParaRPr/>
-          </a:p>
-        </p:txBody>
-      </p:sp>
-      <p:sp>
-        <p:nvSpPr>
-          <p:cNvPr id="53" name="PlaceHolder 2"/>
+            <a:pPr algn="ctr"/>
+            <a:endParaRPr/>
+          </a:p>
+        </p:txBody>
+      </p:sp>
+      <p:sp>
+        <p:nvSpPr>
+          <p:cNvPr id="45" name="PlaceHolder 2"/>
           <p:cNvSpPr>
             <a:spLocks noGrp="1"/>
           </p:cNvSpPr>
@@ -1009,8 +1013,8 @@
         </p:nvSpPr>
         <p:spPr>
           <a:xfrm>
-            <a:off x="504000" y="2094840"/>
-            <a:ext cx="4328640" cy="4384440"/>
+            <a:off x="504000" y="1768680"/>
+            <a:ext cx="4426920" cy="4384080"/>
           </a:xfrm>
           <a:prstGeom prst="rect">
             <a:avLst/>
@@ -1025,7 +1029,7 @@
       </p:sp>
       <p:sp>
         <p:nvSpPr>
-          <p:cNvPr id="54" name="PlaceHolder 3"/>
+          <p:cNvPr id="46" name="PlaceHolder 3"/>
           <p:cNvSpPr>
             <a:spLocks noGrp="1"/>
           </p:cNvSpPr>
@@ -1035,8 +1039,8 @@
         </p:nvSpPr>
         <p:spPr>
           <a:xfrm>
-            <a:off x="5049360" y="2094840"/>
-            <a:ext cx="4328640" cy="4384440"/>
+            <a:off x="5152320" y="1768680"/>
+            <a:ext cx="4426920" cy="4384080"/>
           </a:xfrm>
           <a:prstGeom prst="rect">
             <a:avLst/>
@@ -1073,7 +1077,7 @@
       </p:grpSpPr>
       <p:sp>
         <p:nvSpPr>
-          <p:cNvPr id="55" name="PlaceHolder 1"/>
+          <p:cNvPr id="47" name="PlaceHolder 1"/>
           <p:cNvSpPr>
             <a:spLocks noGrp="1"/>
           </p:cNvSpPr>
@@ -1083,8 +1087,8 @@
         </p:nvSpPr>
         <p:spPr>
           <a:xfrm>
-            <a:off x="432000" y="647640"/>
-            <a:ext cx="7056360" cy="648360"/>
+            <a:off x="504000" y="301320"/>
+            <a:ext cx="9072000" cy="1262160"/>
           </a:xfrm>
           <a:prstGeom prst="rect">
             <a:avLst/>
@@ -1093,6 +1097,7 @@
         <p:txBody>
           <a:bodyPr anchor="ctr" bIns="0" lIns="0" rIns="0" tIns="0" wrap="none"/>
           <a:p>
+            <a:pPr algn="ctr"/>
             <a:endParaRPr/>
           </a:p>
         </p:txBody>
@@ -1121,7 +1126,7 @@
       </p:grpSpPr>
       <p:sp>
         <p:nvSpPr>
-          <p:cNvPr id="56" name="PlaceHolder 1"/>
+          <p:cNvPr id="48" name="PlaceHolder 1"/>
           <p:cNvSpPr>
             <a:spLocks noGrp="1"/>
           </p:cNvSpPr>
@@ -1131,8 +1136,8 @@
         </p:nvSpPr>
         <p:spPr>
           <a:xfrm>
-            <a:off x="432000" y="647640"/>
-            <a:ext cx="7056360" cy="5831640"/>
+            <a:off x="504000" y="301320"/>
+            <a:ext cx="9072000" cy="5851440"/>
           </a:xfrm>
           <a:prstGeom prst="rect">
             <a:avLst/>
@@ -1170,7 +1175,7 @@
       </p:grpSpPr>
       <p:sp>
         <p:nvSpPr>
-          <p:cNvPr id="57" name="PlaceHolder 1"/>
+          <p:cNvPr id="49" name="PlaceHolder 1"/>
           <p:cNvSpPr>
             <a:spLocks noGrp="1"/>
           </p:cNvSpPr>
@@ -1180,8 +1185,8 @@
         </p:nvSpPr>
         <p:spPr>
           <a:xfrm>
-            <a:off x="432000" y="647640"/>
-            <a:ext cx="7056360" cy="648360"/>
+            <a:off x="504000" y="301320"/>
+            <a:ext cx="9072000" cy="1262160"/>
           </a:xfrm>
           <a:prstGeom prst="rect">
             <a:avLst/>
@@ -1190,13 +1195,14 @@
         <p:txBody>
           <a:bodyPr anchor="ctr" bIns="0" lIns="0" rIns="0" tIns="0" wrap="none"/>
           <a:p>
-            <a:endParaRPr/>
-          </a:p>
-        </p:txBody>
-      </p:sp>
-      <p:sp>
-        <p:nvSpPr>
-          <p:cNvPr id="58" name="PlaceHolder 2"/>
+            <a:pPr algn="ctr"/>
+            <a:endParaRPr/>
+          </a:p>
+        </p:txBody>
+      </p:sp>
+      <p:sp>
+        <p:nvSpPr>
+          <p:cNvPr id="50" name="PlaceHolder 2"/>
           <p:cNvSpPr>
             <a:spLocks noGrp="1"/>
           </p:cNvSpPr>
@@ -1206,8 +1212,8 @@
         </p:nvSpPr>
         <p:spPr>
           <a:xfrm>
-            <a:off x="504000" y="2094840"/>
-            <a:ext cx="4328640" cy="2090880"/>
+            <a:off x="504000" y="1768680"/>
+            <a:ext cx="4426920" cy="2090880"/>
           </a:xfrm>
           <a:prstGeom prst="rect">
             <a:avLst/>
@@ -1222,7 +1228,7 @@
       </p:sp>
       <p:sp>
         <p:nvSpPr>
-          <p:cNvPr id="59" name="PlaceHolder 3"/>
+          <p:cNvPr id="51" name="PlaceHolder 3"/>
           <p:cNvSpPr>
             <a:spLocks noGrp="1"/>
           </p:cNvSpPr>
@@ -1232,8 +1238,8 @@
         </p:nvSpPr>
         <p:spPr>
           <a:xfrm>
-            <a:off x="504000" y="4384440"/>
-            <a:ext cx="4328640" cy="2090880"/>
+            <a:off x="504000" y="4058280"/>
+            <a:ext cx="4426920" cy="2090880"/>
           </a:xfrm>
           <a:prstGeom prst="rect">
             <a:avLst/>
@@ -1248,7 +1254,7 @@
       </p:sp>
       <p:sp>
         <p:nvSpPr>
-          <p:cNvPr id="60" name="PlaceHolder 4"/>
+          <p:cNvPr id="52" name="PlaceHolder 4"/>
           <p:cNvSpPr>
             <a:spLocks noGrp="1"/>
           </p:cNvSpPr>
@@ -1258,8 +1264,8 @@
         </p:nvSpPr>
         <p:spPr>
           <a:xfrm>
-            <a:off x="5049360" y="2094840"/>
-            <a:ext cx="4328640" cy="4384440"/>
+            <a:off x="5152320" y="1768680"/>
+            <a:ext cx="4426920" cy="4384080"/>
           </a:xfrm>
           <a:prstGeom prst="rect">
             <a:avLst/>
@@ -1296,7 +1302,7 @@
       </p:grpSpPr>
       <p:sp>
         <p:nvSpPr>
-          <p:cNvPr id="7" name="PlaceHolder 1"/>
+          <p:cNvPr id="3" name="PlaceHolder 1"/>
           <p:cNvSpPr>
             <a:spLocks noGrp="1"/>
           </p:cNvSpPr>
@@ -1306,8 +1312,8 @@
         </p:nvSpPr>
         <p:spPr>
           <a:xfrm>
-            <a:off x="432000" y="647640"/>
-            <a:ext cx="7056360" cy="648360"/>
+            <a:off x="504000" y="301320"/>
+            <a:ext cx="9072000" cy="1262160"/>
           </a:xfrm>
           <a:prstGeom prst="rect">
             <a:avLst/>
@@ -1316,13 +1322,14 @@
         <p:txBody>
           <a:bodyPr anchor="ctr" bIns="0" lIns="0" rIns="0" tIns="0" wrap="none"/>
           <a:p>
-            <a:endParaRPr/>
-          </a:p>
-        </p:txBody>
-      </p:sp>
-      <p:sp>
-        <p:nvSpPr>
-          <p:cNvPr id="8" name="PlaceHolder 2"/>
+            <a:pPr algn="ctr"/>
+            <a:endParaRPr/>
+          </a:p>
+        </p:txBody>
+      </p:sp>
+      <p:sp>
+        <p:nvSpPr>
+          <p:cNvPr id="4" name="PlaceHolder 2"/>
           <p:cNvSpPr>
             <a:spLocks noGrp="1"/>
           </p:cNvSpPr>
@@ -1332,8 +1339,8 @@
         </p:nvSpPr>
         <p:spPr>
           <a:xfrm>
-            <a:off x="504000" y="2094840"/>
-            <a:ext cx="8870760" cy="4384800"/>
+            <a:off x="504000" y="1768680"/>
+            <a:ext cx="9072000" cy="4384440"/>
           </a:xfrm>
           <a:prstGeom prst="rect">
             <a:avLst/>
@@ -1371,7 +1378,7 @@
       </p:grpSpPr>
       <p:sp>
         <p:nvSpPr>
-          <p:cNvPr id="61" name="PlaceHolder 1"/>
+          <p:cNvPr id="53" name="PlaceHolder 1"/>
           <p:cNvSpPr>
             <a:spLocks noGrp="1"/>
           </p:cNvSpPr>
@@ -1381,8 +1388,8 @@
         </p:nvSpPr>
         <p:spPr>
           <a:xfrm>
-            <a:off x="432000" y="647640"/>
-            <a:ext cx="7056360" cy="648360"/>
+            <a:off x="504000" y="301320"/>
+            <a:ext cx="9072000" cy="1262160"/>
           </a:xfrm>
           <a:prstGeom prst="rect">
             <a:avLst/>
@@ -1391,13 +1398,14 @@
         <p:txBody>
           <a:bodyPr anchor="ctr" bIns="0" lIns="0" rIns="0" tIns="0" wrap="none"/>
           <a:p>
-            <a:endParaRPr/>
-          </a:p>
-        </p:txBody>
-      </p:sp>
-      <p:sp>
-        <p:nvSpPr>
-          <p:cNvPr id="62" name="PlaceHolder 2"/>
+            <a:pPr algn="ctr"/>
+            <a:endParaRPr/>
+          </a:p>
+        </p:txBody>
+      </p:sp>
+      <p:sp>
+        <p:nvSpPr>
+          <p:cNvPr id="54" name="PlaceHolder 2"/>
           <p:cNvSpPr>
             <a:spLocks noGrp="1"/>
           </p:cNvSpPr>
@@ -1407,8 +1415,8 @@
         </p:nvSpPr>
         <p:spPr>
           <a:xfrm>
-            <a:off x="504000" y="2094840"/>
-            <a:ext cx="4328640" cy="4384440"/>
+            <a:off x="504000" y="1768680"/>
+            <a:ext cx="4426920" cy="4384080"/>
           </a:xfrm>
           <a:prstGeom prst="rect">
             <a:avLst/>
@@ -1423,7 +1431,7 @@
       </p:sp>
       <p:sp>
         <p:nvSpPr>
-          <p:cNvPr id="63" name="PlaceHolder 3"/>
+          <p:cNvPr id="55" name="PlaceHolder 3"/>
           <p:cNvSpPr>
             <a:spLocks noGrp="1"/>
           </p:cNvSpPr>
@@ -1433,8 +1441,8 @@
         </p:nvSpPr>
         <p:spPr>
           <a:xfrm>
-            <a:off x="5049360" y="2094840"/>
-            <a:ext cx="4328640" cy="2090880"/>
+            <a:off x="5152320" y="1768680"/>
+            <a:ext cx="4426920" cy="2090880"/>
           </a:xfrm>
           <a:prstGeom prst="rect">
             <a:avLst/>
@@ -1449,7 +1457,7 @@
       </p:sp>
       <p:sp>
         <p:nvSpPr>
-          <p:cNvPr id="64" name="PlaceHolder 4"/>
+          <p:cNvPr id="56" name="PlaceHolder 4"/>
           <p:cNvSpPr>
             <a:spLocks noGrp="1"/>
           </p:cNvSpPr>
@@ -1459,8 +1467,8 @@
         </p:nvSpPr>
         <p:spPr>
           <a:xfrm>
-            <a:off x="5049360" y="4384440"/>
-            <a:ext cx="4328640" cy="2090880"/>
+            <a:off x="5152320" y="4058280"/>
+            <a:ext cx="4426920" cy="2090880"/>
           </a:xfrm>
           <a:prstGeom prst="rect">
             <a:avLst/>
@@ -1497,7 +1505,7 @@
       </p:grpSpPr>
       <p:sp>
         <p:nvSpPr>
-          <p:cNvPr id="65" name="PlaceHolder 1"/>
+          <p:cNvPr id="57" name="PlaceHolder 1"/>
           <p:cNvSpPr>
             <a:spLocks noGrp="1"/>
           </p:cNvSpPr>
@@ -1507,8 +1515,8 @@
         </p:nvSpPr>
         <p:spPr>
           <a:xfrm>
-            <a:off x="432000" y="647640"/>
-            <a:ext cx="7056360" cy="648360"/>
+            <a:off x="504000" y="301320"/>
+            <a:ext cx="9072000" cy="1262160"/>
           </a:xfrm>
           <a:prstGeom prst="rect">
             <a:avLst/>
@@ -1517,13 +1525,14 @@
         <p:txBody>
           <a:bodyPr anchor="ctr" bIns="0" lIns="0" rIns="0" tIns="0" wrap="none"/>
           <a:p>
-            <a:endParaRPr/>
-          </a:p>
-        </p:txBody>
-      </p:sp>
-      <p:sp>
-        <p:nvSpPr>
-          <p:cNvPr id="66" name="PlaceHolder 2"/>
+            <a:pPr algn="ctr"/>
+            <a:endParaRPr/>
+          </a:p>
+        </p:txBody>
+      </p:sp>
+      <p:sp>
+        <p:nvSpPr>
+          <p:cNvPr id="58" name="PlaceHolder 2"/>
           <p:cNvSpPr>
             <a:spLocks noGrp="1"/>
           </p:cNvSpPr>
@@ -1533,8 +1542,8 @@
         </p:nvSpPr>
         <p:spPr>
           <a:xfrm>
-            <a:off x="504000" y="2094840"/>
-            <a:ext cx="4328640" cy="2090880"/>
+            <a:off x="504000" y="1768680"/>
+            <a:ext cx="4426920" cy="2090880"/>
           </a:xfrm>
           <a:prstGeom prst="rect">
             <a:avLst/>
@@ -1549,7 +1558,7 @@
       </p:sp>
       <p:sp>
         <p:nvSpPr>
-          <p:cNvPr id="67" name="PlaceHolder 3"/>
+          <p:cNvPr id="59" name="PlaceHolder 3"/>
           <p:cNvSpPr>
             <a:spLocks noGrp="1"/>
           </p:cNvSpPr>
@@ -1559,8 +1568,8 @@
         </p:nvSpPr>
         <p:spPr>
           <a:xfrm>
-            <a:off x="5049360" y="2094840"/>
-            <a:ext cx="4328640" cy="2090880"/>
+            <a:off x="5152320" y="1768680"/>
+            <a:ext cx="4426920" cy="2090880"/>
           </a:xfrm>
           <a:prstGeom prst="rect">
             <a:avLst/>
@@ -1575,7 +1584,7 @@
       </p:sp>
       <p:sp>
         <p:nvSpPr>
-          <p:cNvPr id="68" name="PlaceHolder 4"/>
+          <p:cNvPr id="60" name="PlaceHolder 4"/>
           <p:cNvSpPr>
             <a:spLocks noGrp="1"/>
           </p:cNvSpPr>
@@ -1585,8 +1594,8 @@
         </p:nvSpPr>
         <p:spPr>
           <a:xfrm>
-            <a:off x="504000" y="4384440"/>
-            <a:ext cx="8870400" cy="2090880"/>
+            <a:off x="504000" y="4058280"/>
+            <a:ext cx="9071640" cy="2090880"/>
           </a:xfrm>
           <a:prstGeom prst="rect">
             <a:avLst/>
@@ -1623,7 +1632,7 @@
       </p:grpSpPr>
       <p:sp>
         <p:nvSpPr>
-          <p:cNvPr id="69" name="PlaceHolder 1"/>
+          <p:cNvPr id="61" name="PlaceHolder 1"/>
           <p:cNvSpPr>
             <a:spLocks noGrp="1"/>
           </p:cNvSpPr>
@@ -1633,8 +1642,8 @@
         </p:nvSpPr>
         <p:spPr>
           <a:xfrm>
-            <a:off x="432000" y="647640"/>
-            <a:ext cx="7056360" cy="648360"/>
+            <a:off x="504000" y="301320"/>
+            <a:ext cx="9072000" cy="1262160"/>
           </a:xfrm>
           <a:prstGeom prst="rect">
             <a:avLst/>
@@ -1643,13 +1652,14 @@
         <p:txBody>
           <a:bodyPr anchor="ctr" bIns="0" lIns="0" rIns="0" tIns="0" wrap="none"/>
           <a:p>
-            <a:endParaRPr/>
-          </a:p>
-        </p:txBody>
-      </p:sp>
-      <p:sp>
-        <p:nvSpPr>
-          <p:cNvPr id="70" name="PlaceHolder 2"/>
+            <a:pPr algn="ctr"/>
+            <a:endParaRPr/>
+          </a:p>
+        </p:txBody>
+      </p:sp>
+      <p:sp>
+        <p:nvSpPr>
+          <p:cNvPr id="62" name="PlaceHolder 2"/>
           <p:cNvSpPr>
             <a:spLocks noGrp="1"/>
           </p:cNvSpPr>
@@ -1659,8 +1669,8 @@
         </p:nvSpPr>
         <p:spPr>
           <a:xfrm>
-            <a:off x="504000" y="2094840"/>
-            <a:ext cx="8870760" cy="2090880"/>
+            <a:off x="504000" y="1768680"/>
+            <a:ext cx="9072000" cy="2090880"/>
           </a:xfrm>
           <a:prstGeom prst="rect">
             <a:avLst/>
@@ -1675,7 +1685,7 @@
       </p:sp>
       <p:sp>
         <p:nvSpPr>
-          <p:cNvPr id="71" name="PlaceHolder 3"/>
+          <p:cNvPr id="63" name="PlaceHolder 3"/>
           <p:cNvSpPr>
             <a:spLocks noGrp="1"/>
           </p:cNvSpPr>
@@ -1685,8 +1695,8 @@
         </p:nvSpPr>
         <p:spPr>
           <a:xfrm>
-            <a:off x="504000" y="4384440"/>
-            <a:ext cx="8870760" cy="2090880"/>
+            <a:off x="504000" y="4058280"/>
+            <a:ext cx="9072000" cy="2090880"/>
           </a:xfrm>
           <a:prstGeom prst="rect">
             <a:avLst/>
@@ -1723,7 +1733,7 @@
       </p:grpSpPr>
       <p:sp>
         <p:nvSpPr>
-          <p:cNvPr id="72" name="PlaceHolder 1"/>
+          <p:cNvPr id="64" name="PlaceHolder 1"/>
           <p:cNvSpPr>
             <a:spLocks noGrp="1"/>
           </p:cNvSpPr>
@@ -1733,8 +1743,8 @@
         </p:nvSpPr>
         <p:spPr>
           <a:xfrm>
-            <a:off x="432000" y="647640"/>
-            <a:ext cx="7056360" cy="648360"/>
+            <a:off x="504000" y="301320"/>
+            <a:ext cx="9072000" cy="1262160"/>
           </a:xfrm>
           <a:prstGeom prst="rect">
             <a:avLst/>
@@ -1743,13 +1753,14 @@
         <p:txBody>
           <a:bodyPr anchor="ctr" bIns="0" lIns="0" rIns="0" tIns="0" wrap="none"/>
           <a:p>
-            <a:endParaRPr/>
-          </a:p>
-        </p:txBody>
-      </p:sp>
-      <p:sp>
-        <p:nvSpPr>
-          <p:cNvPr id="73" name="PlaceHolder 2"/>
+            <a:pPr algn="ctr"/>
+            <a:endParaRPr/>
+          </a:p>
+        </p:txBody>
+      </p:sp>
+      <p:sp>
+        <p:nvSpPr>
+          <p:cNvPr id="65" name="PlaceHolder 2"/>
           <p:cNvSpPr>
             <a:spLocks noGrp="1"/>
           </p:cNvSpPr>
@@ -1759,8 +1770,8 @@
         </p:nvSpPr>
         <p:spPr>
           <a:xfrm>
-            <a:off x="504000" y="2094840"/>
-            <a:ext cx="4328640" cy="2090880"/>
+            <a:off x="504000" y="1768680"/>
+            <a:ext cx="4426920" cy="2090880"/>
           </a:xfrm>
           <a:prstGeom prst="rect">
             <a:avLst/>
@@ -1775,7 +1786,7 @@
       </p:sp>
       <p:sp>
         <p:nvSpPr>
-          <p:cNvPr id="74" name="PlaceHolder 3"/>
+          <p:cNvPr id="66" name="PlaceHolder 3"/>
           <p:cNvSpPr>
             <a:spLocks noGrp="1"/>
           </p:cNvSpPr>
@@ -1785,8 +1796,8 @@
         </p:nvSpPr>
         <p:spPr>
           <a:xfrm>
-            <a:off x="5049360" y="2094840"/>
-            <a:ext cx="4328640" cy="2090880"/>
+            <a:off x="5152320" y="1768680"/>
+            <a:ext cx="4426920" cy="2090880"/>
           </a:xfrm>
           <a:prstGeom prst="rect">
             <a:avLst/>
@@ -1801,7 +1812,7 @@
       </p:sp>
       <p:sp>
         <p:nvSpPr>
-          <p:cNvPr id="75" name="PlaceHolder 4"/>
+          <p:cNvPr id="67" name="PlaceHolder 4"/>
           <p:cNvSpPr>
             <a:spLocks noGrp="1"/>
           </p:cNvSpPr>
@@ -1811,8 +1822,8 @@
         </p:nvSpPr>
         <p:spPr>
           <a:xfrm>
-            <a:off x="5049360" y="4384440"/>
-            <a:ext cx="4328640" cy="2090880"/>
+            <a:off x="5152320" y="4058280"/>
+            <a:ext cx="4426920" cy="2090880"/>
           </a:xfrm>
           <a:prstGeom prst="rect">
             <a:avLst/>
@@ -1827,7 +1838,7 @@
       </p:sp>
       <p:sp>
         <p:nvSpPr>
-          <p:cNvPr id="76" name="PlaceHolder 5"/>
+          <p:cNvPr id="68" name="PlaceHolder 5"/>
           <p:cNvSpPr>
             <a:spLocks noGrp="1"/>
           </p:cNvSpPr>
@@ -1837,8 +1848,8 @@
         </p:nvSpPr>
         <p:spPr>
           <a:xfrm>
-            <a:off x="504000" y="4384440"/>
-            <a:ext cx="4328640" cy="2090880"/>
+            <a:off x="504000" y="4058280"/>
+            <a:ext cx="4426920" cy="2090880"/>
           </a:xfrm>
           <a:prstGeom prst="rect">
             <a:avLst/>
@@ -1875,7 +1886,7 @@
       </p:grpSpPr>
       <p:sp>
         <p:nvSpPr>
-          <p:cNvPr id="77" name="PlaceHolder 1"/>
+          <p:cNvPr id="69" name="PlaceHolder 1"/>
           <p:cNvSpPr>
             <a:spLocks noGrp="1"/>
           </p:cNvSpPr>
@@ -1885,8 +1896,8 @@
         </p:nvSpPr>
         <p:spPr>
           <a:xfrm>
-            <a:off x="432000" y="647640"/>
-            <a:ext cx="7056360" cy="648360"/>
+            <a:off x="504000" y="301320"/>
+            <a:ext cx="9072000" cy="1262160"/>
           </a:xfrm>
           <a:prstGeom prst="rect">
             <a:avLst/>
@@ -1895,13 +1906,14 @@
         <p:txBody>
           <a:bodyPr anchor="ctr" bIns="0" lIns="0" rIns="0" tIns="0" wrap="none"/>
           <a:p>
-            <a:endParaRPr/>
-          </a:p>
-        </p:txBody>
-      </p:sp>
-      <p:sp>
-        <p:nvSpPr>
-          <p:cNvPr id="78" name="PlaceHolder 2"/>
+            <a:pPr algn="ctr"/>
+            <a:endParaRPr/>
+          </a:p>
+        </p:txBody>
+      </p:sp>
+      <p:sp>
+        <p:nvSpPr>
+          <p:cNvPr id="70" name="PlaceHolder 2"/>
           <p:cNvSpPr>
             <a:spLocks noGrp="1"/>
           </p:cNvSpPr>
@@ -1911,8 +1923,8 @@
         </p:nvSpPr>
         <p:spPr>
           <a:xfrm>
-            <a:off x="504000" y="2094840"/>
-            <a:ext cx="4328640" cy="2090880"/>
+            <a:off x="504000" y="1768680"/>
+            <a:ext cx="4426920" cy="2090880"/>
           </a:xfrm>
           <a:prstGeom prst="rect">
             <a:avLst/>
@@ -1927,7 +1939,7 @@
       </p:sp>
       <p:sp>
         <p:nvSpPr>
-          <p:cNvPr id="79" name="PlaceHolder 3"/>
+          <p:cNvPr id="71" name="PlaceHolder 3"/>
           <p:cNvSpPr>
             <a:spLocks noGrp="1"/>
           </p:cNvSpPr>
@@ -1937,8 +1949,8 @@
         </p:nvSpPr>
         <p:spPr>
           <a:xfrm>
-            <a:off x="5049360" y="2094840"/>
-            <a:ext cx="4328640" cy="2090880"/>
+            <a:off x="5152320" y="1768680"/>
+            <a:ext cx="4426920" cy="2090880"/>
           </a:xfrm>
           <a:prstGeom prst="rect">
             <a:avLst/>
@@ -1953,7 +1965,7 @@
       </p:sp>
       <p:pic>
         <p:nvPicPr>
-          <p:cNvPr descr="" id="80" name=""/>
+          <p:cNvPr descr="" id="72" name=""/>
           <p:cNvPicPr/>
           <p:nvPr/>
         </p:nvPicPr>
@@ -1965,7 +1977,7 @@
         </p:blipFill>
         <p:spPr>
           <a:xfrm>
-            <a:off x="5903280" y="4384440"/>
+            <a:off x="6055200" y="4058280"/>
             <a:ext cx="2620440" cy="2090880"/>
           </a:xfrm>
           <a:prstGeom prst="rect">
@@ -1975,7 +1987,7 @@
       </p:pic>
       <p:pic>
         <p:nvPicPr>
-          <p:cNvPr descr="" id="81" name=""/>
+          <p:cNvPr descr="" id="73" name=""/>
           <p:cNvPicPr/>
           <p:nvPr/>
         </p:nvPicPr>
@@ -1987,7 +1999,7 @@
         </p:blipFill>
         <p:spPr>
           <a:xfrm>
-            <a:off x="1357920" y="4384440"/>
+            <a:off x="1406880" y="4058280"/>
             <a:ext cx="2620440" cy="2090880"/>
           </a:xfrm>
           <a:prstGeom prst="rect">
@@ -1995,325 +2007,6 @@
           </a:prstGeom>
         </p:spPr>
       </p:pic>
-    </p:spTree>
-  </p:cSld>
-</p:sldLayout>
-</file>
-
-<file path=ppt/slideLayouts/slideLayout25.xml><?xml version="1.0" encoding="utf-8"?>
-<p:sldLayout xmlns:a="http://schemas.openxmlformats.org/drawingml/2006/main" xmlns:p="http://schemas.openxmlformats.org/presentationml/2006/main" xmlns:r="http://schemas.openxmlformats.org/officeDocument/2006/relationships" preserve="1" type="blank">
-  <p:cSld name="Blank Slide">
-    <p:spTree>
-      <p:nvGrpSpPr>
-        <p:cNvPr id="1" name=""/>
-        <p:cNvGrpSpPr/>
-        <p:nvPr/>
-      </p:nvGrpSpPr>
-      <p:grpSpPr>
-        <a:xfrm>
-          <a:off x="0" y="0"/>
-          <a:ext cx="0" cy="0"/>
-          <a:chOff x="0" y="0"/>
-          <a:chExt cx="0" cy="0"/>
-        </a:xfrm>
-      </p:grpSpPr>
-    </p:spTree>
-  </p:cSld>
-</p:sldLayout>
-</file>
-
-<file path=ppt/slideLayouts/slideLayout26.xml><?xml version="1.0" encoding="utf-8"?>
-<p:sldLayout xmlns:a="http://schemas.openxmlformats.org/drawingml/2006/main" xmlns:p="http://schemas.openxmlformats.org/presentationml/2006/main" xmlns:r="http://schemas.openxmlformats.org/officeDocument/2006/relationships" preserve="1" type="tx">
-  <p:cSld name="Title Slide">
-    <p:spTree>
-      <p:nvGrpSpPr>
-        <p:cNvPr id="1" name=""/>
-        <p:cNvGrpSpPr/>
-        <p:nvPr/>
-      </p:nvGrpSpPr>
-      <p:grpSpPr>
-        <a:xfrm>
-          <a:off x="0" y="0"/>
-          <a:ext cx="0" cy="0"/>
-          <a:chOff x="0" y="0"/>
-          <a:chExt cx="0" cy="0"/>
-        </a:xfrm>
-      </p:grpSpPr>
-      <p:sp>
-        <p:nvSpPr>
-          <p:cNvPr id="87" name="PlaceHolder 1"/>
-          <p:cNvSpPr>
-            <a:spLocks noGrp="1"/>
-          </p:cNvSpPr>
-          <p:nvPr>
-            <p:ph type="title"/>
-          </p:nvPr>
-        </p:nvSpPr>
-        <p:spPr>
-          <a:xfrm>
-            <a:off x="432000" y="647640"/>
-            <a:ext cx="7056360" cy="648360"/>
-          </a:xfrm>
-          <a:prstGeom prst="rect">
-            <a:avLst/>
-          </a:prstGeom>
-        </p:spPr>
-        <p:txBody>
-          <a:bodyPr anchor="ctr" bIns="0" lIns="0" rIns="0" tIns="0" wrap="none"/>
-          <a:p>
-            <a:endParaRPr/>
-          </a:p>
-        </p:txBody>
-      </p:sp>
-      <p:sp>
-        <p:nvSpPr>
-          <p:cNvPr id="88" name="PlaceHolder 2"/>
-          <p:cNvSpPr>
-            <a:spLocks noGrp="1"/>
-          </p:cNvSpPr>
-          <p:nvPr>
-            <p:ph type="subTitle"/>
-          </p:nvPr>
-        </p:nvSpPr>
-        <p:spPr>
-          <a:xfrm>
-            <a:off x="504000" y="2094840"/>
-            <a:ext cx="8870760" cy="4384800"/>
-          </a:xfrm>
-          <a:prstGeom prst="rect">
-            <a:avLst/>
-          </a:prstGeom>
-        </p:spPr>
-        <p:txBody>
-          <a:bodyPr anchor="ctr" bIns="0" lIns="0" rIns="0" tIns="0" wrap="none"/>
-          <a:p>
-            <a:pPr algn="ctr"/>
-            <a:endParaRPr/>
-          </a:p>
-        </p:txBody>
-      </p:sp>
-    </p:spTree>
-  </p:cSld>
-</p:sldLayout>
-</file>
-
-<file path=ppt/slideLayouts/slideLayout27.xml><?xml version="1.0" encoding="utf-8"?>
-<p:sldLayout xmlns:a="http://schemas.openxmlformats.org/drawingml/2006/main" xmlns:p="http://schemas.openxmlformats.org/presentationml/2006/main" xmlns:r="http://schemas.openxmlformats.org/officeDocument/2006/relationships" preserve="1" type="obj">
-  <p:cSld name="Title, Content">
-    <p:spTree>
-      <p:nvGrpSpPr>
-        <p:cNvPr id="1" name=""/>
-        <p:cNvGrpSpPr/>
-        <p:nvPr/>
-      </p:nvGrpSpPr>
-      <p:grpSpPr>
-        <a:xfrm>
-          <a:off x="0" y="0"/>
-          <a:ext cx="0" cy="0"/>
-          <a:chOff x="0" y="0"/>
-          <a:chExt cx="0" cy="0"/>
-        </a:xfrm>
-      </p:grpSpPr>
-      <p:sp>
-        <p:nvSpPr>
-          <p:cNvPr id="89" name="PlaceHolder 1"/>
-          <p:cNvSpPr>
-            <a:spLocks noGrp="1"/>
-          </p:cNvSpPr>
-          <p:nvPr>
-            <p:ph type="title"/>
-          </p:nvPr>
-        </p:nvSpPr>
-        <p:spPr>
-          <a:xfrm>
-            <a:off x="432000" y="647640"/>
-            <a:ext cx="7056360" cy="648360"/>
-          </a:xfrm>
-          <a:prstGeom prst="rect">
-            <a:avLst/>
-          </a:prstGeom>
-        </p:spPr>
-        <p:txBody>
-          <a:bodyPr anchor="ctr" bIns="0" lIns="0" rIns="0" tIns="0" wrap="none"/>
-          <a:p>
-            <a:endParaRPr/>
-          </a:p>
-        </p:txBody>
-      </p:sp>
-      <p:sp>
-        <p:nvSpPr>
-          <p:cNvPr id="90" name="PlaceHolder 2"/>
-          <p:cNvSpPr>
-            <a:spLocks noGrp="1"/>
-          </p:cNvSpPr>
-          <p:nvPr>
-            <p:ph type="body"/>
-          </p:nvPr>
-        </p:nvSpPr>
-        <p:spPr>
-          <a:xfrm>
-            <a:off x="504000" y="2094840"/>
-            <a:ext cx="8870760" cy="4384440"/>
-          </a:xfrm>
-          <a:prstGeom prst="rect">
-            <a:avLst/>
-          </a:prstGeom>
-        </p:spPr>
-        <p:txBody>
-          <a:bodyPr bIns="0" lIns="0" rIns="0" tIns="0" wrap="none"/>
-          <a:p>
-            <a:endParaRPr/>
-          </a:p>
-        </p:txBody>
-      </p:sp>
-    </p:spTree>
-  </p:cSld>
-</p:sldLayout>
-</file>
-
-<file path=ppt/slideLayouts/slideLayout28.xml><?xml version="1.0" encoding="utf-8"?>
-<p:sldLayout xmlns:a="http://schemas.openxmlformats.org/drawingml/2006/main" xmlns:p="http://schemas.openxmlformats.org/presentationml/2006/main" xmlns:r="http://schemas.openxmlformats.org/officeDocument/2006/relationships" preserve="1" type="twoObj">
-  <p:cSld name="Title, 2 Content">
-    <p:spTree>
-      <p:nvGrpSpPr>
-        <p:cNvPr id="1" name=""/>
-        <p:cNvGrpSpPr/>
-        <p:nvPr/>
-      </p:nvGrpSpPr>
-      <p:grpSpPr>
-        <a:xfrm>
-          <a:off x="0" y="0"/>
-          <a:ext cx="0" cy="0"/>
-          <a:chOff x="0" y="0"/>
-          <a:chExt cx="0" cy="0"/>
-        </a:xfrm>
-      </p:grpSpPr>
-      <p:sp>
-        <p:nvSpPr>
-          <p:cNvPr id="91" name="PlaceHolder 1"/>
-          <p:cNvSpPr>
-            <a:spLocks noGrp="1"/>
-          </p:cNvSpPr>
-          <p:nvPr>
-            <p:ph type="title"/>
-          </p:nvPr>
-        </p:nvSpPr>
-        <p:spPr>
-          <a:xfrm>
-            <a:off x="432000" y="647640"/>
-            <a:ext cx="7056360" cy="648360"/>
-          </a:xfrm>
-          <a:prstGeom prst="rect">
-            <a:avLst/>
-          </a:prstGeom>
-        </p:spPr>
-        <p:txBody>
-          <a:bodyPr anchor="ctr" bIns="0" lIns="0" rIns="0" tIns="0" wrap="none"/>
-          <a:p>
-            <a:endParaRPr/>
-          </a:p>
-        </p:txBody>
-      </p:sp>
-      <p:sp>
-        <p:nvSpPr>
-          <p:cNvPr id="92" name="PlaceHolder 2"/>
-          <p:cNvSpPr>
-            <a:spLocks noGrp="1"/>
-          </p:cNvSpPr>
-          <p:nvPr>
-            <p:ph type="body"/>
-          </p:nvPr>
-        </p:nvSpPr>
-        <p:spPr>
-          <a:xfrm>
-            <a:off x="504000" y="2094840"/>
-            <a:ext cx="4328640" cy="4384440"/>
-          </a:xfrm>
-          <a:prstGeom prst="rect">
-            <a:avLst/>
-          </a:prstGeom>
-        </p:spPr>
-        <p:txBody>
-          <a:bodyPr bIns="0" lIns="0" rIns="0" tIns="0" wrap="none"/>
-          <a:p>
-            <a:endParaRPr/>
-          </a:p>
-        </p:txBody>
-      </p:sp>
-      <p:sp>
-        <p:nvSpPr>
-          <p:cNvPr id="93" name="PlaceHolder 3"/>
-          <p:cNvSpPr>
-            <a:spLocks noGrp="1"/>
-          </p:cNvSpPr>
-          <p:nvPr>
-            <p:ph type="body"/>
-          </p:nvPr>
-        </p:nvSpPr>
-        <p:spPr>
-          <a:xfrm>
-            <a:off x="5049360" y="2094840"/>
-            <a:ext cx="4328640" cy="4384440"/>
-          </a:xfrm>
-          <a:prstGeom prst="rect">
-            <a:avLst/>
-          </a:prstGeom>
-        </p:spPr>
-        <p:txBody>
-          <a:bodyPr bIns="0" lIns="0" rIns="0" tIns="0" wrap="none"/>
-          <a:p>
-            <a:endParaRPr/>
-          </a:p>
-        </p:txBody>
-      </p:sp>
-    </p:spTree>
-  </p:cSld>
-</p:sldLayout>
-</file>
-
-<file path=ppt/slideLayouts/slideLayout29.xml><?xml version="1.0" encoding="utf-8"?>
-<p:sldLayout xmlns:a="http://schemas.openxmlformats.org/drawingml/2006/main" xmlns:p="http://schemas.openxmlformats.org/presentationml/2006/main" xmlns:r="http://schemas.openxmlformats.org/officeDocument/2006/relationships" preserve="1" type="titleOnly">
-  <p:cSld name="Title Only">
-    <p:spTree>
-      <p:nvGrpSpPr>
-        <p:cNvPr id="1" name=""/>
-        <p:cNvGrpSpPr/>
-        <p:nvPr/>
-      </p:nvGrpSpPr>
-      <p:grpSpPr>
-        <a:xfrm>
-          <a:off x="0" y="0"/>
-          <a:ext cx="0" cy="0"/>
-          <a:chOff x="0" y="0"/>
-          <a:chExt cx="0" cy="0"/>
-        </a:xfrm>
-      </p:grpSpPr>
-      <p:sp>
-        <p:nvSpPr>
-          <p:cNvPr id="94" name="PlaceHolder 1"/>
-          <p:cNvSpPr>
-            <a:spLocks noGrp="1"/>
-          </p:cNvSpPr>
-          <p:nvPr>
-            <p:ph type="title"/>
-          </p:nvPr>
-        </p:nvSpPr>
-        <p:spPr>
-          <a:xfrm>
-            <a:off x="432000" y="647640"/>
-            <a:ext cx="7056360" cy="648360"/>
-          </a:xfrm>
-          <a:prstGeom prst="rect">
-            <a:avLst/>
-          </a:prstGeom>
-        </p:spPr>
-        <p:txBody>
-          <a:bodyPr anchor="ctr" bIns="0" lIns="0" rIns="0" tIns="0" wrap="none"/>
-          <a:p>
-            <a:endParaRPr/>
-          </a:p>
-        </p:txBody>
-      </p:sp>
     </p:spTree>
   </p:cSld>
 </p:sldLayout>
@@ -2338,7 +2031,7 @@
       </p:grpSpPr>
       <p:sp>
         <p:nvSpPr>
-          <p:cNvPr id="9" name="PlaceHolder 1"/>
+          <p:cNvPr id="5" name="PlaceHolder 1"/>
           <p:cNvSpPr>
             <a:spLocks noGrp="1"/>
           </p:cNvSpPr>
@@ -2348,8 +2041,8 @@
         </p:nvSpPr>
         <p:spPr>
           <a:xfrm>
-            <a:off x="432000" y="647640"/>
-            <a:ext cx="7056360" cy="648360"/>
+            <a:off x="504000" y="301320"/>
+            <a:ext cx="9072000" cy="1262160"/>
           </a:xfrm>
           <a:prstGeom prst="rect">
             <a:avLst/>
@@ -2358,13 +2051,14 @@
         <p:txBody>
           <a:bodyPr anchor="ctr" bIns="0" lIns="0" rIns="0" tIns="0" wrap="none"/>
           <a:p>
-            <a:endParaRPr/>
-          </a:p>
-        </p:txBody>
-      </p:sp>
-      <p:sp>
-        <p:nvSpPr>
-          <p:cNvPr id="10" name="PlaceHolder 2"/>
+            <a:pPr algn="ctr"/>
+            <a:endParaRPr/>
+          </a:p>
+        </p:txBody>
+      </p:sp>
+      <p:sp>
+        <p:nvSpPr>
+          <p:cNvPr id="6" name="PlaceHolder 2"/>
           <p:cNvSpPr>
             <a:spLocks noGrp="1"/>
           </p:cNvSpPr>
@@ -2374,1002 +2068,8 @@
         </p:nvSpPr>
         <p:spPr>
           <a:xfrm>
-            <a:off x="504000" y="2094840"/>
-            <a:ext cx="8870760" cy="4384440"/>
-          </a:xfrm>
-          <a:prstGeom prst="rect">
-            <a:avLst/>
-          </a:prstGeom>
-        </p:spPr>
-        <p:txBody>
-          <a:bodyPr bIns="0" lIns="0" rIns="0" tIns="0" wrap="none"/>
-          <a:p>
-            <a:endParaRPr/>
-          </a:p>
-        </p:txBody>
-      </p:sp>
-    </p:spTree>
-  </p:cSld>
-</p:sldLayout>
-</file>
-
-<file path=ppt/slideLayouts/slideLayout30.xml><?xml version="1.0" encoding="utf-8"?>
-<p:sldLayout xmlns:a="http://schemas.openxmlformats.org/drawingml/2006/main" xmlns:p="http://schemas.openxmlformats.org/presentationml/2006/main" xmlns:r="http://schemas.openxmlformats.org/officeDocument/2006/relationships" preserve="1" type="objOnly">
-  <p:cSld name="Centered Text">
-    <p:spTree>
-      <p:nvGrpSpPr>
-        <p:cNvPr id="1" name=""/>
-        <p:cNvGrpSpPr/>
-        <p:nvPr/>
-      </p:nvGrpSpPr>
-      <p:grpSpPr>
-        <a:xfrm>
-          <a:off x="0" y="0"/>
-          <a:ext cx="0" cy="0"/>
-          <a:chOff x="0" y="0"/>
-          <a:chExt cx="0" cy="0"/>
-        </a:xfrm>
-      </p:grpSpPr>
-      <p:sp>
-        <p:nvSpPr>
-          <p:cNvPr id="95" name="PlaceHolder 1"/>
-          <p:cNvSpPr>
-            <a:spLocks noGrp="1"/>
-          </p:cNvSpPr>
-          <p:nvPr>
-            <p:ph type="subTitle"/>
-          </p:nvPr>
-        </p:nvSpPr>
-        <p:spPr>
-          <a:xfrm>
-            <a:off x="432000" y="647640"/>
-            <a:ext cx="7056360" cy="5831640"/>
-          </a:xfrm>
-          <a:prstGeom prst="rect">
-            <a:avLst/>
-          </a:prstGeom>
-        </p:spPr>
-        <p:txBody>
-          <a:bodyPr anchor="ctr" bIns="0" lIns="0" rIns="0" tIns="0" wrap="none"/>
-          <a:p>
-            <a:pPr algn="ctr"/>
-            <a:endParaRPr/>
-          </a:p>
-        </p:txBody>
-      </p:sp>
-    </p:spTree>
-  </p:cSld>
-</p:sldLayout>
-</file>
-
-<file path=ppt/slideLayouts/slideLayout31.xml><?xml version="1.0" encoding="utf-8"?>
-<p:sldLayout xmlns:a="http://schemas.openxmlformats.org/drawingml/2006/main" xmlns:p="http://schemas.openxmlformats.org/presentationml/2006/main" xmlns:r="http://schemas.openxmlformats.org/officeDocument/2006/relationships" preserve="1" type="twoObjAndObj">
-  <p:cSld name="Title, 2 Content and Content">
-    <p:spTree>
-      <p:nvGrpSpPr>
-        <p:cNvPr id="1" name=""/>
-        <p:cNvGrpSpPr/>
-        <p:nvPr/>
-      </p:nvGrpSpPr>
-      <p:grpSpPr>
-        <a:xfrm>
-          <a:off x="0" y="0"/>
-          <a:ext cx="0" cy="0"/>
-          <a:chOff x="0" y="0"/>
-          <a:chExt cx="0" cy="0"/>
-        </a:xfrm>
-      </p:grpSpPr>
-      <p:sp>
-        <p:nvSpPr>
-          <p:cNvPr id="96" name="PlaceHolder 1"/>
-          <p:cNvSpPr>
-            <a:spLocks noGrp="1"/>
-          </p:cNvSpPr>
-          <p:nvPr>
-            <p:ph type="title"/>
-          </p:nvPr>
-        </p:nvSpPr>
-        <p:spPr>
-          <a:xfrm>
-            <a:off x="432000" y="647640"/>
-            <a:ext cx="7056360" cy="648360"/>
-          </a:xfrm>
-          <a:prstGeom prst="rect">
-            <a:avLst/>
-          </a:prstGeom>
-        </p:spPr>
-        <p:txBody>
-          <a:bodyPr anchor="ctr" bIns="0" lIns="0" rIns="0" tIns="0" wrap="none"/>
-          <a:p>
-            <a:endParaRPr/>
-          </a:p>
-        </p:txBody>
-      </p:sp>
-      <p:sp>
-        <p:nvSpPr>
-          <p:cNvPr id="97" name="PlaceHolder 2"/>
-          <p:cNvSpPr>
-            <a:spLocks noGrp="1"/>
-          </p:cNvSpPr>
-          <p:nvPr>
-            <p:ph type="body"/>
-          </p:nvPr>
-        </p:nvSpPr>
-        <p:spPr>
-          <a:xfrm>
-            <a:off x="504000" y="2094840"/>
-            <a:ext cx="4328640" cy="2090880"/>
-          </a:xfrm>
-          <a:prstGeom prst="rect">
-            <a:avLst/>
-          </a:prstGeom>
-        </p:spPr>
-        <p:txBody>
-          <a:bodyPr bIns="0" lIns="0" rIns="0" tIns="0" wrap="none"/>
-          <a:p>
-            <a:endParaRPr/>
-          </a:p>
-        </p:txBody>
-      </p:sp>
-      <p:sp>
-        <p:nvSpPr>
-          <p:cNvPr id="98" name="PlaceHolder 3"/>
-          <p:cNvSpPr>
-            <a:spLocks noGrp="1"/>
-          </p:cNvSpPr>
-          <p:nvPr>
-            <p:ph type="body"/>
-          </p:nvPr>
-        </p:nvSpPr>
-        <p:spPr>
-          <a:xfrm>
-            <a:off x="504000" y="4384440"/>
-            <a:ext cx="4328640" cy="2090880"/>
-          </a:xfrm>
-          <a:prstGeom prst="rect">
-            <a:avLst/>
-          </a:prstGeom>
-        </p:spPr>
-        <p:txBody>
-          <a:bodyPr bIns="0" lIns="0" rIns="0" tIns="0" wrap="none"/>
-          <a:p>
-            <a:endParaRPr/>
-          </a:p>
-        </p:txBody>
-      </p:sp>
-      <p:sp>
-        <p:nvSpPr>
-          <p:cNvPr id="99" name="PlaceHolder 4"/>
-          <p:cNvSpPr>
-            <a:spLocks noGrp="1"/>
-          </p:cNvSpPr>
-          <p:nvPr>
-            <p:ph type="body"/>
-          </p:nvPr>
-        </p:nvSpPr>
-        <p:spPr>
-          <a:xfrm>
-            <a:off x="5049360" y="2094840"/>
-            <a:ext cx="4328640" cy="4384440"/>
-          </a:xfrm>
-          <a:prstGeom prst="rect">
-            <a:avLst/>
-          </a:prstGeom>
-        </p:spPr>
-        <p:txBody>
-          <a:bodyPr bIns="0" lIns="0" rIns="0" tIns="0" wrap="none"/>
-          <a:p>
-            <a:endParaRPr/>
-          </a:p>
-        </p:txBody>
-      </p:sp>
-    </p:spTree>
-  </p:cSld>
-</p:sldLayout>
-</file>
-
-<file path=ppt/slideLayouts/slideLayout32.xml><?xml version="1.0" encoding="utf-8"?>
-<p:sldLayout xmlns:a="http://schemas.openxmlformats.org/drawingml/2006/main" xmlns:p="http://schemas.openxmlformats.org/presentationml/2006/main" xmlns:r="http://schemas.openxmlformats.org/officeDocument/2006/relationships" preserve="1" type="objAndTwoObj">
-  <p:cSld name="Title Content and 2 Content">
-    <p:spTree>
-      <p:nvGrpSpPr>
-        <p:cNvPr id="1" name=""/>
-        <p:cNvGrpSpPr/>
-        <p:nvPr/>
-      </p:nvGrpSpPr>
-      <p:grpSpPr>
-        <a:xfrm>
-          <a:off x="0" y="0"/>
-          <a:ext cx="0" cy="0"/>
-          <a:chOff x="0" y="0"/>
-          <a:chExt cx="0" cy="0"/>
-        </a:xfrm>
-      </p:grpSpPr>
-      <p:sp>
-        <p:nvSpPr>
-          <p:cNvPr id="100" name="PlaceHolder 1"/>
-          <p:cNvSpPr>
-            <a:spLocks noGrp="1"/>
-          </p:cNvSpPr>
-          <p:nvPr>
-            <p:ph type="title"/>
-          </p:nvPr>
-        </p:nvSpPr>
-        <p:spPr>
-          <a:xfrm>
-            <a:off x="432000" y="647640"/>
-            <a:ext cx="7056360" cy="648360"/>
-          </a:xfrm>
-          <a:prstGeom prst="rect">
-            <a:avLst/>
-          </a:prstGeom>
-        </p:spPr>
-        <p:txBody>
-          <a:bodyPr anchor="ctr" bIns="0" lIns="0" rIns="0" tIns="0" wrap="none"/>
-          <a:p>
-            <a:endParaRPr/>
-          </a:p>
-        </p:txBody>
-      </p:sp>
-      <p:sp>
-        <p:nvSpPr>
-          <p:cNvPr id="101" name="PlaceHolder 2"/>
-          <p:cNvSpPr>
-            <a:spLocks noGrp="1"/>
-          </p:cNvSpPr>
-          <p:nvPr>
-            <p:ph type="body"/>
-          </p:nvPr>
-        </p:nvSpPr>
-        <p:spPr>
-          <a:xfrm>
-            <a:off x="504000" y="2094840"/>
-            <a:ext cx="4328640" cy="4384440"/>
-          </a:xfrm>
-          <a:prstGeom prst="rect">
-            <a:avLst/>
-          </a:prstGeom>
-        </p:spPr>
-        <p:txBody>
-          <a:bodyPr bIns="0" lIns="0" rIns="0" tIns="0" wrap="none"/>
-          <a:p>
-            <a:endParaRPr/>
-          </a:p>
-        </p:txBody>
-      </p:sp>
-      <p:sp>
-        <p:nvSpPr>
-          <p:cNvPr id="102" name="PlaceHolder 3"/>
-          <p:cNvSpPr>
-            <a:spLocks noGrp="1"/>
-          </p:cNvSpPr>
-          <p:nvPr>
-            <p:ph type="body"/>
-          </p:nvPr>
-        </p:nvSpPr>
-        <p:spPr>
-          <a:xfrm>
-            <a:off x="5049360" y="2094840"/>
-            <a:ext cx="4328640" cy="2090880"/>
-          </a:xfrm>
-          <a:prstGeom prst="rect">
-            <a:avLst/>
-          </a:prstGeom>
-        </p:spPr>
-        <p:txBody>
-          <a:bodyPr bIns="0" lIns="0" rIns="0" tIns="0" wrap="none"/>
-          <a:p>
-            <a:endParaRPr/>
-          </a:p>
-        </p:txBody>
-      </p:sp>
-      <p:sp>
-        <p:nvSpPr>
-          <p:cNvPr id="103" name="PlaceHolder 4"/>
-          <p:cNvSpPr>
-            <a:spLocks noGrp="1"/>
-          </p:cNvSpPr>
-          <p:nvPr>
-            <p:ph type="body"/>
-          </p:nvPr>
-        </p:nvSpPr>
-        <p:spPr>
-          <a:xfrm>
-            <a:off x="5049360" y="4384440"/>
-            <a:ext cx="4328640" cy="2090880"/>
-          </a:xfrm>
-          <a:prstGeom prst="rect">
-            <a:avLst/>
-          </a:prstGeom>
-        </p:spPr>
-        <p:txBody>
-          <a:bodyPr bIns="0" lIns="0" rIns="0" tIns="0" wrap="none"/>
-          <a:p>
-            <a:endParaRPr/>
-          </a:p>
-        </p:txBody>
-      </p:sp>
-    </p:spTree>
-  </p:cSld>
-</p:sldLayout>
-</file>
-
-<file path=ppt/slideLayouts/slideLayout33.xml><?xml version="1.0" encoding="utf-8"?>
-<p:sldLayout xmlns:a="http://schemas.openxmlformats.org/drawingml/2006/main" xmlns:p="http://schemas.openxmlformats.org/presentationml/2006/main" xmlns:r="http://schemas.openxmlformats.org/officeDocument/2006/relationships" preserve="1" type="twoObjOverTx">
-  <p:cSld name="Title, 2 Content over Content">
-    <p:spTree>
-      <p:nvGrpSpPr>
-        <p:cNvPr id="1" name=""/>
-        <p:cNvGrpSpPr/>
-        <p:nvPr/>
-      </p:nvGrpSpPr>
-      <p:grpSpPr>
-        <a:xfrm>
-          <a:off x="0" y="0"/>
-          <a:ext cx="0" cy="0"/>
-          <a:chOff x="0" y="0"/>
-          <a:chExt cx="0" cy="0"/>
-        </a:xfrm>
-      </p:grpSpPr>
-      <p:sp>
-        <p:nvSpPr>
-          <p:cNvPr id="104" name="PlaceHolder 1"/>
-          <p:cNvSpPr>
-            <a:spLocks noGrp="1"/>
-          </p:cNvSpPr>
-          <p:nvPr>
-            <p:ph type="title"/>
-          </p:nvPr>
-        </p:nvSpPr>
-        <p:spPr>
-          <a:xfrm>
-            <a:off x="432000" y="647640"/>
-            <a:ext cx="7056360" cy="648360"/>
-          </a:xfrm>
-          <a:prstGeom prst="rect">
-            <a:avLst/>
-          </a:prstGeom>
-        </p:spPr>
-        <p:txBody>
-          <a:bodyPr anchor="ctr" bIns="0" lIns="0" rIns="0" tIns="0" wrap="none"/>
-          <a:p>
-            <a:endParaRPr/>
-          </a:p>
-        </p:txBody>
-      </p:sp>
-      <p:sp>
-        <p:nvSpPr>
-          <p:cNvPr id="105" name="PlaceHolder 2"/>
-          <p:cNvSpPr>
-            <a:spLocks noGrp="1"/>
-          </p:cNvSpPr>
-          <p:nvPr>
-            <p:ph type="body"/>
-          </p:nvPr>
-        </p:nvSpPr>
-        <p:spPr>
-          <a:xfrm>
-            <a:off x="504000" y="2094840"/>
-            <a:ext cx="4328640" cy="2090880"/>
-          </a:xfrm>
-          <a:prstGeom prst="rect">
-            <a:avLst/>
-          </a:prstGeom>
-        </p:spPr>
-        <p:txBody>
-          <a:bodyPr bIns="0" lIns="0" rIns="0" tIns="0" wrap="none"/>
-          <a:p>
-            <a:endParaRPr/>
-          </a:p>
-        </p:txBody>
-      </p:sp>
-      <p:sp>
-        <p:nvSpPr>
-          <p:cNvPr id="106" name="PlaceHolder 3"/>
-          <p:cNvSpPr>
-            <a:spLocks noGrp="1"/>
-          </p:cNvSpPr>
-          <p:nvPr>
-            <p:ph type="body"/>
-          </p:nvPr>
-        </p:nvSpPr>
-        <p:spPr>
-          <a:xfrm>
-            <a:off x="5049360" y="2094840"/>
-            <a:ext cx="4328640" cy="2090880"/>
-          </a:xfrm>
-          <a:prstGeom prst="rect">
-            <a:avLst/>
-          </a:prstGeom>
-        </p:spPr>
-        <p:txBody>
-          <a:bodyPr bIns="0" lIns="0" rIns="0" tIns="0" wrap="none"/>
-          <a:p>
-            <a:endParaRPr/>
-          </a:p>
-        </p:txBody>
-      </p:sp>
-      <p:sp>
-        <p:nvSpPr>
-          <p:cNvPr id="107" name="PlaceHolder 4"/>
-          <p:cNvSpPr>
-            <a:spLocks noGrp="1"/>
-          </p:cNvSpPr>
-          <p:nvPr>
-            <p:ph type="body"/>
-          </p:nvPr>
-        </p:nvSpPr>
-        <p:spPr>
-          <a:xfrm>
-            <a:off x="504000" y="4384440"/>
-            <a:ext cx="8870400" cy="2090880"/>
-          </a:xfrm>
-          <a:prstGeom prst="rect">
-            <a:avLst/>
-          </a:prstGeom>
-        </p:spPr>
-        <p:txBody>
-          <a:bodyPr bIns="0" lIns="0" rIns="0" tIns="0" wrap="none"/>
-          <a:p>
-            <a:endParaRPr/>
-          </a:p>
-        </p:txBody>
-      </p:sp>
-    </p:spTree>
-  </p:cSld>
-</p:sldLayout>
-</file>
-
-<file path=ppt/slideLayouts/slideLayout34.xml><?xml version="1.0" encoding="utf-8"?>
-<p:sldLayout xmlns:a="http://schemas.openxmlformats.org/drawingml/2006/main" xmlns:p="http://schemas.openxmlformats.org/presentationml/2006/main" xmlns:r="http://schemas.openxmlformats.org/officeDocument/2006/relationships" preserve="1" type="objOverTx">
-  <p:cSld name="Title, Content over Content">
-    <p:spTree>
-      <p:nvGrpSpPr>
-        <p:cNvPr id="1" name=""/>
-        <p:cNvGrpSpPr/>
-        <p:nvPr/>
-      </p:nvGrpSpPr>
-      <p:grpSpPr>
-        <a:xfrm>
-          <a:off x="0" y="0"/>
-          <a:ext cx="0" cy="0"/>
-          <a:chOff x="0" y="0"/>
-          <a:chExt cx="0" cy="0"/>
-        </a:xfrm>
-      </p:grpSpPr>
-      <p:sp>
-        <p:nvSpPr>
-          <p:cNvPr id="108" name="PlaceHolder 1"/>
-          <p:cNvSpPr>
-            <a:spLocks noGrp="1"/>
-          </p:cNvSpPr>
-          <p:nvPr>
-            <p:ph type="title"/>
-          </p:nvPr>
-        </p:nvSpPr>
-        <p:spPr>
-          <a:xfrm>
-            <a:off x="432000" y="647640"/>
-            <a:ext cx="7056360" cy="648360"/>
-          </a:xfrm>
-          <a:prstGeom prst="rect">
-            <a:avLst/>
-          </a:prstGeom>
-        </p:spPr>
-        <p:txBody>
-          <a:bodyPr anchor="ctr" bIns="0" lIns="0" rIns="0" tIns="0" wrap="none"/>
-          <a:p>
-            <a:endParaRPr/>
-          </a:p>
-        </p:txBody>
-      </p:sp>
-      <p:sp>
-        <p:nvSpPr>
-          <p:cNvPr id="109" name="PlaceHolder 2"/>
-          <p:cNvSpPr>
-            <a:spLocks noGrp="1"/>
-          </p:cNvSpPr>
-          <p:nvPr>
-            <p:ph type="body"/>
-          </p:nvPr>
-        </p:nvSpPr>
-        <p:spPr>
-          <a:xfrm>
-            <a:off x="504000" y="2094840"/>
-            <a:ext cx="8870760" cy="2090880"/>
-          </a:xfrm>
-          <a:prstGeom prst="rect">
-            <a:avLst/>
-          </a:prstGeom>
-        </p:spPr>
-        <p:txBody>
-          <a:bodyPr bIns="0" lIns="0" rIns="0" tIns="0" wrap="none"/>
-          <a:p>
-            <a:endParaRPr/>
-          </a:p>
-        </p:txBody>
-      </p:sp>
-      <p:sp>
-        <p:nvSpPr>
-          <p:cNvPr id="110" name="PlaceHolder 3"/>
-          <p:cNvSpPr>
-            <a:spLocks noGrp="1"/>
-          </p:cNvSpPr>
-          <p:nvPr>
-            <p:ph type="body"/>
-          </p:nvPr>
-        </p:nvSpPr>
-        <p:spPr>
-          <a:xfrm>
-            <a:off x="504000" y="4384440"/>
-            <a:ext cx="8870760" cy="2090880"/>
-          </a:xfrm>
-          <a:prstGeom prst="rect">
-            <a:avLst/>
-          </a:prstGeom>
-        </p:spPr>
-        <p:txBody>
-          <a:bodyPr bIns="0" lIns="0" rIns="0" tIns="0" wrap="none"/>
-          <a:p>
-            <a:endParaRPr/>
-          </a:p>
-        </p:txBody>
-      </p:sp>
-    </p:spTree>
-  </p:cSld>
-</p:sldLayout>
-</file>
-
-<file path=ppt/slideLayouts/slideLayout35.xml><?xml version="1.0" encoding="utf-8"?>
-<p:sldLayout xmlns:a="http://schemas.openxmlformats.org/drawingml/2006/main" xmlns:p="http://schemas.openxmlformats.org/presentationml/2006/main" xmlns:r="http://schemas.openxmlformats.org/officeDocument/2006/relationships" preserve="1" type="fourObj">
-  <p:cSld name="Title, 4 Content">
-    <p:spTree>
-      <p:nvGrpSpPr>
-        <p:cNvPr id="1" name=""/>
-        <p:cNvGrpSpPr/>
-        <p:nvPr/>
-      </p:nvGrpSpPr>
-      <p:grpSpPr>
-        <a:xfrm>
-          <a:off x="0" y="0"/>
-          <a:ext cx="0" cy="0"/>
-          <a:chOff x="0" y="0"/>
-          <a:chExt cx="0" cy="0"/>
-        </a:xfrm>
-      </p:grpSpPr>
-      <p:sp>
-        <p:nvSpPr>
-          <p:cNvPr id="111" name="PlaceHolder 1"/>
-          <p:cNvSpPr>
-            <a:spLocks noGrp="1"/>
-          </p:cNvSpPr>
-          <p:nvPr>
-            <p:ph type="title"/>
-          </p:nvPr>
-        </p:nvSpPr>
-        <p:spPr>
-          <a:xfrm>
-            <a:off x="432000" y="647640"/>
-            <a:ext cx="7056360" cy="648360"/>
-          </a:xfrm>
-          <a:prstGeom prst="rect">
-            <a:avLst/>
-          </a:prstGeom>
-        </p:spPr>
-        <p:txBody>
-          <a:bodyPr anchor="ctr" bIns="0" lIns="0" rIns="0" tIns="0" wrap="none"/>
-          <a:p>
-            <a:endParaRPr/>
-          </a:p>
-        </p:txBody>
-      </p:sp>
-      <p:sp>
-        <p:nvSpPr>
-          <p:cNvPr id="112" name="PlaceHolder 2"/>
-          <p:cNvSpPr>
-            <a:spLocks noGrp="1"/>
-          </p:cNvSpPr>
-          <p:nvPr>
-            <p:ph type="body"/>
-          </p:nvPr>
-        </p:nvSpPr>
-        <p:spPr>
-          <a:xfrm>
-            <a:off x="504000" y="2094840"/>
-            <a:ext cx="4328640" cy="2090880"/>
-          </a:xfrm>
-          <a:prstGeom prst="rect">
-            <a:avLst/>
-          </a:prstGeom>
-        </p:spPr>
-        <p:txBody>
-          <a:bodyPr bIns="0" lIns="0" rIns="0" tIns="0" wrap="none"/>
-          <a:p>
-            <a:endParaRPr/>
-          </a:p>
-        </p:txBody>
-      </p:sp>
-      <p:sp>
-        <p:nvSpPr>
-          <p:cNvPr id="113" name="PlaceHolder 3"/>
-          <p:cNvSpPr>
-            <a:spLocks noGrp="1"/>
-          </p:cNvSpPr>
-          <p:nvPr>
-            <p:ph type="body"/>
-          </p:nvPr>
-        </p:nvSpPr>
-        <p:spPr>
-          <a:xfrm>
-            <a:off x="5049360" y="2094840"/>
-            <a:ext cx="4328640" cy="2090880"/>
-          </a:xfrm>
-          <a:prstGeom prst="rect">
-            <a:avLst/>
-          </a:prstGeom>
-        </p:spPr>
-        <p:txBody>
-          <a:bodyPr bIns="0" lIns="0" rIns="0" tIns="0" wrap="none"/>
-          <a:p>
-            <a:endParaRPr/>
-          </a:p>
-        </p:txBody>
-      </p:sp>
-      <p:sp>
-        <p:nvSpPr>
-          <p:cNvPr id="114" name="PlaceHolder 4"/>
-          <p:cNvSpPr>
-            <a:spLocks noGrp="1"/>
-          </p:cNvSpPr>
-          <p:nvPr>
-            <p:ph type="body"/>
-          </p:nvPr>
-        </p:nvSpPr>
-        <p:spPr>
-          <a:xfrm>
-            <a:off x="5049360" y="4384440"/>
-            <a:ext cx="4328640" cy="2090880"/>
-          </a:xfrm>
-          <a:prstGeom prst="rect">
-            <a:avLst/>
-          </a:prstGeom>
-        </p:spPr>
-        <p:txBody>
-          <a:bodyPr bIns="0" lIns="0" rIns="0" tIns="0" wrap="none"/>
-          <a:p>
-            <a:endParaRPr/>
-          </a:p>
-        </p:txBody>
-      </p:sp>
-      <p:sp>
-        <p:nvSpPr>
-          <p:cNvPr id="115" name="PlaceHolder 5"/>
-          <p:cNvSpPr>
-            <a:spLocks noGrp="1"/>
-          </p:cNvSpPr>
-          <p:nvPr>
-            <p:ph type="body"/>
-          </p:nvPr>
-        </p:nvSpPr>
-        <p:spPr>
-          <a:xfrm>
-            <a:off x="504000" y="4384440"/>
-            <a:ext cx="4328640" cy="2090880"/>
-          </a:xfrm>
-          <a:prstGeom prst="rect">
-            <a:avLst/>
-          </a:prstGeom>
-        </p:spPr>
-        <p:txBody>
-          <a:bodyPr bIns="0" lIns="0" rIns="0" tIns="0" wrap="none"/>
-          <a:p>
-            <a:endParaRPr/>
-          </a:p>
-        </p:txBody>
-      </p:sp>
-    </p:spTree>
-  </p:cSld>
-</p:sldLayout>
-</file>
-
-<file path=ppt/slideLayouts/slideLayout36.xml><?xml version="1.0" encoding="utf-8"?>
-<p:sldLayout xmlns:a="http://schemas.openxmlformats.org/drawingml/2006/main" xmlns:p="http://schemas.openxmlformats.org/presentationml/2006/main" xmlns:r="http://schemas.openxmlformats.org/officeDocument/2006/relationships" preserve="1" type="blank">
-  <p:cSld name="Title, 6 Content">
-    <p:spTree>
-      <p:nvGrpSpPr>
-        <p:cNvPr id="1" name=""/>
-        <p:cNvGrpSpPr/>
-        <p:nvPr/>
-      </p:nvGrpSpPr>
-      <p:grpSpPr>
-        <a:xfrm>
-          <a:off x="0" y="0"/>
-          <a:ext cx="0" cy="0"/>
-          <a:chOff x="0" y="0"/>
-          <a:chExt cx="0" cy="0"/>
-        </a:xfrm>
-      </p:grpSpPr>
-      <p:sp>
-        <p:nvSpPr>
-          <p:cNvPr id="116" name="PlaceHolder 1"/>
-          <p:cNvSpPr>
-            <a:spLocks noGrp="1"/>
-          </p:cNvSpPr>
-          <p:nvPr>
-            <p:ph type="title"/>
-          </p:nvPr>
-        </p:nvSpPr>
-        <p:spPr>
-          <a:xfrm>
-            <a:off x="432000" y="647640"/>
-            <a:ext cx="7056360" cy="648360"/>
-          </a:xfrm>
-          <a:prstGeom prst="rect">
-            <a:avLst/>
-          </a:prstGeom>
-        </p:spPr>
-        <p:txBody>
-          <a:bodyPr anchor="ctr" bIns="0" lIns="0" rIns="0" tIns="0" wrap="none"/>
-          <a:p>
-            <a:endParaRPr/>
-          </a:p>
-        </p:txBody>
-      </p:sp>
-      <p:sp>
-        <p:nvSpPr>
-          <p:cNvPr id="117" name="PlaceHolder 2"/>
-          <p:cNvSpPr>
-            <a:spLocks noGrp="1"/>
-          </p:cNvSpPr>
-          <p:nvPr>
-            <p:ph type="body"/>
-          </p:nvPr>
-        </p:nvSpPr>
-        <p:spPr>
-          <a:xfrm>
-            <a:off x="504000" y="2094840"/>
-            <a:ext cx="4328640" cy="2090880"/>
-          </a:xfrm>
-          <a:prstGeom prst="rect">
-            <a:avLst/>
-          </a:prstGeom>
-        </p:spPr>
-        <p:txBody>
-          <a:bodyPr bIns="0" lIns="0" rIns="0" tIns="0" wrap="none"/>
-          <a:p>
-            <a:endParaRPr/>
-          </a:p>
-        </p:txBody>
-      </p:sp>
-      <p:sp>
-        <p:nvSpPr>
-          <p:cNvPr id="118" name="PlaceHolder 3"/>
-          <p:cNvSpPr>
-            <a:spLocks noGrp="1"/>
-          </p:cNvSpPr>
-          <p:nvPr>
-            <p:ph type="body"/>
-          </p:nvPr>
-        </p:nvSpPr>
-        <p:spPr>
-          <a:xfrm>
-            <a:off x="5049360" y="2094840"/>
-            <a:ext cx="4328640" cy="2090880"/>
-          </a:xfrm>
-          <a:prstGeom prst="rect">
-            <a:avLst/>
-          </a:prstGeom>
-        </p:spPr>
-        <p:txBody>
-          <a:bodyPr bIns="0" lIns="0" rIns="0" tIns="0" wrap="none"/>
-          <a:p>
-            <a:endParaRPr/>
-          </a:p>
-        </p:txBody>
-      </p:sp>
-      <p:pic>
-        <p:nvPicPr>
-          <p:cNvPr descr="" id="119" name=""/>
-          <p:cNvPicPr/>
-          <p:nvPr/>
-        </p:nvPicPr>
-        <p:blipFill>
-          <a:blip r:embed="rId2"/>
-          <a:stretch>
-            <a:fillRect/>
-          </a:stretch>
-        </p:blipFill>
-        <p:spPr>
-          <a:xfrm>
-            <a:off x="5903280" y="4384440"/>
-            <a:ext cx="2620440" cy="2090880"/>
-          </a:xfrm>
-          <a:prstGeom prst="rect">
-            <a:avLst/>
-          </a:prstGeom>
-        </p:spPr>
-      </p:pic>
-      <p:pic>
-        <p:nvPicPr>
-          <p:cNvPr descr="" id="120" name=""/>
-          <p:cNvPicPr/>
-          <p:nvPr/>
-        </p:nvPicPr>
-        <p:blipFill>
-          <a:blip r:embed="rId3"/>
-          <a:stretch>
-            <a:fillRect/>
-          </a:stretch>
-        </p:blipFill>
-        <p:spPr>
-          <a:xfrm>
-            <a:off x="1357920" y="4384440"/>
-            <a:ext cx="2620440" cy="2090880"/>
-          </a:xfrm>
-          <a:prstGeom prst="rect">
-            <a:avLst/>
-          </a:prstGeom>
-        </p:spPr>
-      </p:pic>
-    </p:spTree>
-  </p:cSld>
-</p:sldLayout>
-</file>
-
-<file path=ppt/slideLayouts/slideLayout37.xml><?xml version="1.0" encoding="utf-8"?>
-<p:sldLayout xmlns:a="http://schemas.openxmlformats.org/drawingml/2006/main" xmlns:p="http://schemas.openxmlformats.org/presentationml/2006/main" xmlns:r="http://schemas.openxmlformats.org/officeDocument/2006/relationships" preserve="1" type="blank">
-  <p:cSld name="Blank Slide">
-    <p:spTree>
-      <p:nvGrpSpPr>
-        <p:cNvPr id="1" name=""/>
-        <p:cNvGrpSpPr/>
-        <p:nvPr/>
-      </p:nvGrpSpPr>
-      <p:grpSpPr>
-        <a:xfrm>
-          <a:off x="0" y="0"/>
-          <a:ext cx="0" cy="0"/>
-          <a:chOff x="0" y="0"/>
-          <a:chExt cx="0" cy="0"/>
-        </a:xfrm>
-      </p:grpSpPr>
-    </p:spTree>
-  </p:cSld>
-</p:sldLayout>
-</file>
-
-<file path=ppt/slideLayouts/slideLayout38.xml><?xml version="1.0" encoding="utf-8"?>
-<p:sldLayout xmlns:a="http://schemas.openxmlformats.org/drawingml/2006/main" xmlns:p="http://schemas.openxmlformats.org/presentationml/2006/main" xmlns:r="http://schemas.openxmlformats.org/officeDocument/2006/relationships" preserve="1" type="tx">
-  <p:cSld name="Title Slide">
-    <p:spTree>
-      <p:nvGrpSpPr>
-        <p:cNvPr id="1" name=""/>
-        <p:cNvGrpSpPr/>
-        <p:nvPr/>
-      </p:nvGrpSpPr>
-      <p:grpSpPr>
-        <a:xfrm>
-          <a:off x="0" y="0"/>
-          <a:ext cx="0" cy="0"/>
-          <a:chOff x="0" y="0"/>
-          <a:chExt cx="0" cy="0"/>
-        </a:xfrm>
-      </p:grpSpPr>
-      <p:sp>
-        <p:nvSpPr>
-          <p:cNvPr id="127" name="PlaceHolder 1"/>
-          <p:cNvSpPr>
-            <a:spLocks noGrp="1"/>
-          </p:cNvSpPr>
-          <p:nvPr>
-            <p:ph type="title"/>
-          </p:nvPr>
-        </p:nvSpPr>
-        <p:spPr>
-          <a:xfrm>
-            <a:off x="432000" y="647640"/>
-            <a:ext cx="7056360" cy="648360"/>
-          </a:xfrm>
-          <a:prstGeom prst="rect">
-            <a:avLst/>
-          </a:prstGeom>
-        </p:spPr>
-        <p:txBody>
-          <a:bodyPr anchor="ctr" bIns="0" lIns="0" rIns="0" tIns="0" wrap="none"/>
-          <a:p>
-            <a:endParaRPr/>
-          </a:p>
-        </p:txBody>
-      </p:sp>
-      <p:sp>
-        <p:nvSpPr>
-          <p:cNvPr id="128" name="PlaceHolder 2"/>
-          <p:cNvSpPr>
-            <a:spLocks noGrp="1"/>
-          </p:cNvSpPr>
-          <p:nvPr>
-            <p:ph type="subTitle"/>
-          </p:nvPr>
-        </p:nvSpPr>
-        <p:spPr>
-          <a:xfrm>
-            <a:off x="504000" y="2094840"/>
-            <a:ext cx="8870760" cy="4384800"/>
-          </a:xfrm>
-          <a:prstGeom prst="rect">
-            <a:avLst/>
-          </a:prstGeom>
-        </p:spPr>
-        <p:txBody>
-          <a:bodyPr anchor="ctr" bIns="0" lIns="0" rIns="0" tIns="0" wrap="none"/>
-          <a:p>
-            <a:pPr algn="ctr"/>
-            <a:endParaRPr/>
-          </a:p>
-        </p:txBody>
-      </p:sp>
-    </p:spTree>
-  </p:cSld>
-</p:sldLayout>
-</file>
-
-<file path=ppt/slideLayouts/slideLayout39.xml><?xml version="1.0" encoding="utf-8"?>
-<p:sldLayout xmlns:a="http://schemas.openxmlformats.org/drawingml/2006/main" xmlns:p="http://schemas.openxmlformats.org/presentationml/2006/main" xmlns:r="http://schemas.openxmlformats.org/officeDocument/2006/relationships" preserve="1" type="obj">
-  <p:cSld name="Title, Content">
-    <p:spTree>
-      <p:nvGrpSpPr>
-        <p:cNvPr id="1" name=""/>
-        <p:cNvGrpSpPr/>
-        <p:nvPr/>
-      </p:nvGrpSpPr>
-      <p:grpSpPr>
-        <a:xfrm>
-          <a:off x="0" y="0"/>
-          <a:ext cx="0" cy="0"/>
-          <a:chOff x="0" y="0"/>
-          <a:chExt cx="0" cy="0"/>
-        </a:xfrm>
-      </p:grpSpPr>
-      <p:sp>
-        <p:nvSpPr>
-          <p:cNvPr id="129" name="PlaceHolder 1"/>
-          <p:cNvSpPr>
-            <a:spLocks noGrp="1"/>
-          </p:cNvSpPr>
-          <p:nvPr>
-            <p:ph type="title"/>
-          </p:nvPr>
-        </p:nvSpPr>
-        <p:spPr>
-          <a:xfrm>
-            <a:off x="432000" y="647640"/>
-            <a:ext cx="7056360" cy="648360"/>
-          </a:xfrm>
-          <a:prstGeom prst="rect">
-            <a:avLst/>
-          </a:prstGeom>
-        </p:spPr>
-        <p:txBody>
-          <a:bodyPr anchor="ctr" bIns="0" lIns="0" rIns="0" tIns="0" wrap="none"/>
-          <a:p>
-            <a:endParaRPr/>
-          </a:p>
-        </p:txBody>
-      </p:sp>
-      <p:sp>
-        <p:nvSpPr>
-          <p:cNvPr id="130" name="PlaceHolder 2"/>
-          <p:cNvSpPr>
-            <a:spLocks noGrp="1"/>
-          </p:cNvSpPr>
-          <p:nvPr>
-            <p:ph type="body"/>
-          </p:nvPr>
-        </p:nvSpPr>
-        <p:spPr>
-          <a:xfrm>
-            <a:off x="504000" y="2094840"/>
-            <a:ext cx="8870760" cy="4384440"/>
+            <a:off x="504000" y="1768680"/>
+            <a:ext cx="9072000" cy="4384080"/>
           </a:xfrm>
           <a:prstGeom prst="rect">
             <a:avLst/>
@@ -3406,7 +2106,7 @@
       </p:grpSpPr>
       <p:sp>
         <p:nvSpPr>
-          <p:cNvPr id="11" name="PlaceHolder 1"/>
+          <p:cNvPr id="7" name="PlaceHolder 1"/>
           <p:cNvSpPr>
             <a:spLocks noGrp="1"/>
           </p:cNvSpPr>
@@ -3416,8 +2116,8 @@
         </p:nvSpPr>
         <p:spPr>
           <a:xfrm>
-            <a:off x="432000" y="647640"/>
-            <a:ext cx="7056360" cy="648360"/>
+            <a:off x="504000" y="301320"/>
+            <a:ext cx="9072000" cy="1262160"/>
           </a:xfrm>
           <a:prstGeom prst="rect">
             <a:avLst/>
@@ -3426,13 +2126,14 @@
         <p:txBody>
           <a:bodyPr anchor="ctr" bIns="0" lIns="0" rIns="0" tIns="0" wrap="none"/>
           <a:p>
-            <a:endParaRPr/>
-          </a:p>
-        </p:txBody>
-      </p:sp>
-      <p:sp>
-        <p:nvSpPr>
-          <p:cNvPr id="12" name="PlaceHolder 2"/>
+            <a:pPr algn="ctr"/>
+            <a:endParaRPr/>
+          </a:p>
+        </p:txBody>
+      </p:sp>
+      <p:sp>
+        <p:nvSpPr>
+          <p:cNvPr id="8" name="PlaceHolder 2"/>
           <p:cNvSpPr>
             <a:spLocks noGrp="1"/>
           </p:cNvSpPr>
@@ -3442,8 +2143,8 @@
         </p:nvSpPr>
         <p:spPr>
           <a:xfrm>
-            <a:off x="504000" y="2094840"/>
-            <a:ext cx="4328640" cy="4384440"/>
+            <a:off x="504000" y="1768680"/>
+            <a:ext cx="4426920" cy="4384080"/>
           </a:xfrm>
           <a:prstGeom prst="rect">
             <a:avLst/>
@@ -3458,7 +2159,7 @@
       </p:sp>
       <p:sp>
         <p:nvSpPr>
-          <p:cNvPr id="13" name="PlaceHolder 3"/>
+          <p:cNvPr id="9" name="PlaceHolder 3"/>
           <p:cNvSpPr>
             <a:spLocks noGrp="1"/>
           </p:cNvSpPr>
@@ -3468,8 +2169,8 @@
         </p:nvSpPr>
         <p:spPr>
           <a:xfrm>
-            <a:off x="5049360" y="2094840"/>
-            <a:ext cx="4328640" cy="4384440"/>
+            <a:off x="5152320" y="1768680"/>
+            <a:ext cx="4426920" cy="4384080"/>
           </a:xfrm>
           <a:prstGeom prst="rect">
             <a:avLst/>
@@ -3482,977 +2183,6 @@
           </a:p>
         </p:txBody>
       </p:sp>
-    </p:spTree>
-  </p:cSld>
-</p:sldLayout>
-</file>
-
-<file path=ppt/slideLayouts/slideLayout40.xml><?xml version="1.0" encoding="utf-8"?>
-<p:sldLayout xmlns:a="http://schemas.openxmlformats.org/drawingml/2006/main" xmlns:p="http://schemas.openxmlformats.org/presentationml/2006/main" xmlns:r="http://schemas.openxmlformats.org/officeDocument/2006/relationships" preserve="1" type="twoObj">
-  <p:cSld name="Title, 2 Content">
-    <p:spTree>
-      <p:nvGrpSpPr>
-        <p:cNvPr id="1" name=""/>
-        <p:cNvGrpSpPr/>
-        <p:nvPr/>
-      </p:nvGrpSpPr>
-      <p:grpSpPr>
-        <a:xfrm>
-          <a:off x="0" y="0"/>
-          <a:ext cx="0" cy="0"/>
-          <a:chOff x="0" y="0"/>
-          <a:chExt cx="0" cy="0"/>
-        </a:xfrm>
-      </p:grpSpPr>
-      <p:sp>
-        <p:nvSpPr>
-          <p:cNvPr id="131" name="PlaceHolder 1"/>
-          <p:cNvSpPr>
-            <a:spLocks noGrp="1"/>
-          </p:cNvSpPr>
-          <p:nvPr>
-            <p:ph type="title"/>
-          </p:nvPr>
-        </p:nvSpPr>
-        <p:spPr>
-          <a:xfrm>
-            <a:off x="432000" y="647640"/>
-            <a:ext cx="7056360" cy="648360"/>
-          </a:xfrm>
-          <a:prstGeom prst="rect">
-            <a:avLst/>
-          </a:prstGeom>
-        </p:spPr>
-        <p:txBody>
-          <a:bodyPr anchor="ctr" bIns="0" lIns="0" rIns="0" tIns="0" wrap="none"/>
-          <a:p>
-            <a:endParaRPr/>
-          </a:p>
-        </p:txBody>
-      </p:sp>
-      <p:sp>
-        <p:nvSpPr>
-          <p:cNvPr id="132" name="PlaceHolder 2"/>
-          <p:cNvSpPr>
-            <a:spLocks noGrp="1"/>
-          </p:cNvSpPr>
-          <p:nvPr>
-            <p:ph type="body"/>
-          </p:nvPr>
-        </p:nvSpPr>
-        <p:spPr>
-          <a:xfrm>
-            <a:off x="504000" y="2094840"/>
-            <a:ext cx="4328640" cy="4384440"/>
-          </a:xfrm>
-          <a:prstGeom prst="rect">
-            <a:avLst/>
-          </a:prstGeom>
-        </p:spPr>
-        <p:txBody>
-          <a:bodyPr bIns="0" lIns="0" rIns="0" tIns="0" wrap="none"/>
-          <a:p>
-            <a:endParaRPr/>
-          </a:p>
-        </p:txBody>
-      </p:sp>
-      <p:sp>
-        <p:nvSpPr>
-          <p:cNvPr id="133" name="PlaceHolder 3"/>
-          <p:cNvSpPr>
-            <a:spLocks noGrp="1"/>
-          </p:cNvSpPr>
-          <p:nvPr>
-            <p:ph type="body"/>
-          </p:nvPr>
-        </p:nvSpPr>
-        <p:spPr>
-          <a:xfrm>
-            <a:off x="5049360" y="2094840"/>
-            <a:ext cx="4328640" cy="4384440"/>
-          </a:xfrm>
-          <a:prstGeom prst="rect">
-            <a:avLst/>
-          </a:prstGeom>
-        </p:spPr>
-        <p:txBody>
-          <a:bodyPr bIns="0" lIns="0" rIns="0" tIns="0" wrap="none"/>
-          <a:p>
-            <a:endParaRPr/>
-          </a:p>
-        </p:txBody>
-      </p:sp>
-    </p:spTree>
-  </p:cSld>
-</p:sldLayout>
-</file>
-
-<file path=ppt/slideLayouts/slideLayout41.xml><?xml version="1.0" encoding="utf-8"?>
-<p:sldLayout xmlns:a="http://schemas.openxmlformats.org/drawingml/2006/main" xmlns:p="http://schemas.openxmlformats.org/presentationml/2006/main" xmlns:r="http://schemas.openxmlformats.org/officeDocument/2006/relationships" preserve="1" type="titleOnly">
-  <p:cSld name="Title Only">
-    <p:spTree>
-      <p:nvGrpSpPr>
-        <p:cNvPr id="1" name=""/>
-        <p:cNvGrpSpPr/>
-        <p:nvPr/>
-      </p:nvGrpSpPr>
-      <p:grpSpPr>
-        <a:xfrm>
-          <a:off x="0" y="0"/>
-          <a:ext cx="0" cy="0"/>
-          <a:chOff x="0" y="0"/>
-          <a:chExt cx="0" cy="0"/>
-        </a:xfrm>
-      </p:grpSpPr>
-      <p:sp>
-        <p:nvSpPr>
-          <p:cNvPr id="134" name="PlaceHolder 1"/>
-          <p:cNvSpPr>
-            <a:spLocks noGrp="1"/>
-          </p:cNvSpPr>
-          <p:nvPr>
-            <p:ph type="title"/>
-          </p:nvPr>
-        </p:nvSpPr>
-        <p:spPr>
-          <a:xfrm>
-            <a:off x="432000" y="647640"/>
-            <a:ext cx="7056360" cy="648360"/>
-          </a:xfrm>
-          <a:prstGeom prst="rect">
-            <a:avLst/>
-          </a:prstGeom>
-        </p:spPr>
-        <p:txBody>
-          <a:bodyPr anchor="ctr" bIns="0" lIns="0" rIns="0" tIns="0" wrap="none"/>
-          <a:p>
-            <a:endParaRPr/>
-          </a:p>
-        </p:txBody>
-      </p:sp>
-    </p:spTree>
-  </p:cSld>
-</p:sldLayout>
-</file>
-
-<file path=ppt/slideLayouts/slideLayout42.xml><?xml version="1.0" encoding="utf-8"?>
-<p:sldLayout xmlns:a="http://schemas.openxmlformats.org/drawingml/2006/main" xmlns:p="http://schemas.openxmlformats.org/presentationml/2006/main" xmlns:r="http://schemas.openxmlformats.org/officeDocument/2006/relationships" preserve="1" type="objOnly">
-  <p:cSld name="Centered Text">
-    <p:spTree>
-      <p:nvGrpSpPr>
-        <p:cNvPr id="1" name=""/>
-        <p:cNvGrpSpPr/>
-        <p:nvPr/>
-      </p:nvGrpSpPr>
-      <p:grpSpPr>
-        <a:xfrm>
-          <a:off x="0" y="0"/>
-          <a:ext cx="0" cy="0"/>
-          <a:chOff x="0" y="0"/>
-          <a:chExt cx="0" cy="0"/>
-        </a:xfrm>
-      </p:grpSpPr>
-      <p:sp>
-        <p:nvSpPr>
-          <p:cNvPr id="135" name="PlaceHolder 1"/>
-          <p:cNvSpPr>
-            <a:spLocks noGrp="1"/>
-          </p:cNvSpPr>
-          <p:nvPr>
-            <p:ph type="subTitle"/>
-          </p:nvPr>
-        </p:nvSpPr>
-        <p:spPr>
-          <a:xfrm>
-            <a:off x="432000" y="647640"/>
-            <a:ext cx="7056360" cy="5831640"/>
-          </a:xfrm>
-          <a:prstGeom prst="rect">
-            <a:avLst/>
-          </a:prstGeom>
-        </p:spPr>
-        <p:txBody>
-          <a:bodyPr anchor="ctr" bIns="0" lIns="0" rIns="0" tIns="0" wrap="none"/>
-          <a:p>
-            <a:pPr algn="ctr"/>
-            <a:endParaRPr/>
-          </a:p>
-        </p:txBody>
-      </p:sp>
-    </p:spTree>
-  </p:cSld>
-</p:sldLayout>
-</file>
-
-<file path=ppt/slideLayouts/slideLayout43.xml><?xml version="1.0" encoding="utf-8"?>
-<p:sldLayout xmlns:a="http://schemas.openxmlformats.org/drawingml/2006/main" xmlns:p="http://schemas.openxmlformats.org/presentationml/2006/main" xmlns:r="http://schemas.openxmlformats.org/officeDocument/2006/relationships" preserve="1" type="twoObjAndObj">
-  <p:cSld name="Title, 2 Content and Content">
-    <p:spTree>
-      <p:nvGrpSpPr>
-        <p:cNvPr id="1" name=""/>
-        <p:cNvGrpSpPr/>
-        <p:nvPr/>
-      </p:nvGrpSpPr>
-      <p:grpSpPr>
-        <a:xfrm>
-          <a:off x="0" y="0"/>
-          <a:ext cx="0" cy="0"/>
-          <a:chOff x="0" y="0"/>
-          <a:chExt cx="0" cy="0"/>
-        </a:xfrm>
-      </p:grpSpPr>
-      <p:sp>
-        <p:nvSpPr>
-          <p:cNvPr id="136" name="PlaceHolder 1"/>
-          <p:cNvSpPr>
-            <a:spLocks noGrp="1"/>
-          </p:cNvSpPr>
-          <p:nvPr>
-            <p:ph type="title"/>
-          </p:nvPr>
-        </p:nvSpPr>
-        <p:spPr>
-          <a:xfrm>
-            <a:off x="432000" y="647640"/>
-            <a:ext cx="7056360" cy="648360"/>
-          </a:xfrm>
-          <a:prstGeom prst="rect">
-            <a:avLst/>
-          </a:prstGeom>
-        </p:spPr>
-        <p:txBody>
-          <a:bodyPr anchor="ctr" bIns="0" lIns="0" rIns="0" tIns="0" wrap="none"/>
-          <a:p>
-            <a:endParaRPr/>
-          </a:p>
-        </p:txBody>
-      </p:sp>
-      <p:sp>
-        <p:nvSpPr>
-          <p:cNvPr id="137" name="PlaceHolder 2"/>
-          <p:cNvSpPr>
-            <a:spLocks noGrp="1"/>
-          </p:cNvSpPr>
-          <p:nvPr>
-            <p:ph type="body"/>
-          </p:nvPr>
-        </p:nvSpPr>
-        <p:spPr>
-          <a:xfrm>
-            <a:off x="504000" y="2094840"/>
-            <a:ext cx="4328640" cy="2090880"/>
-          </a:xfrm>
-          <a:prstGeom prst="rect">
-            <a:avLst/>
-          </a:prstGeom>
-        </p:spPr>
-        <p:txBody>
-          <a:bodyPr bIns="0" lIns="0" rIns="0" tIns="0" wrap="none"/>
-          <a:p>
-            <a:endParaRPr/>
-          </a:p>
-        </p:txBody>
-      </p:sp>
-      <p:sp>
-        <p:nvSpPr>
-          <p:cNvPr id="138" name="PlaceHolder 3"/>
-          <p:cNvSpPr>
-            <a:spLocks noGrp="1"/>
-          </p:cNvSpPr>
-          <p:nvPr>
-            <p:ph type="body"/>
-          </p:nvPr>
-        </p:nvSpPr>
-        <p:spPr>
-          <a:xfrm>
-            <a:off x="504000" y="4384440"/>
-            <a:ext cx="4328640" cy="2090880"/>
-          </a:xfrm>
-          <a:prstGeom prst="rect">
-            <a:avLst/>
-          </a:prstGeom>
-        </p:spPr>
-        <p:txBody>
-          <a:bodyPr bIns="0" lIns="0" rIns="0" tIns="0" wrap="none"/>
-          <a:p>
-            <a:endParaRPr/>
-          </a:p>
-        </p:txBody>
-      </p:sp>
-      <p:sp>
-        <p:nvSpPr>
-          <p:cNvPr id="139" name="PlaceHolder 4"/>
-          <p:cNvSpPr>
-            <a:spLocks noGrp="1"/>
-          </p:cNvSpPr>
-          <p:nvPr>
-            <p:ph type="body"/>
-          </p:nvPr>
-        </p:nvSpPr>
-        <p:spPr>
-          <a:xfrm>
-            <a:off x="5049360" y="2094840"/>
-            <a:ext cx="4328640" cy="4384440"/>
-          </a:xfrm>
-          <a:prstGeom prst="rect">
-            <a:avLst/>
-          </a:prstGeom>
-        </p:spPr>
-        <p:txBody>
-          <a:bodyPr bIns="0" lIns="0" rIns="0" tIns="0" wrap="none"/>
-          <a:p>
-            <a:endParaRPr/>
-          </a:p>
-        </p:txBody>
-      </p:sp>
-    </p:spTree>
-  </p:cSld>
-</p:sldLayout>
-</file>
-
-<file path=ppt/slideLayouts/slideLayout44.xml><?xml version="1.0" encoding="utf-8"?>
-<p:sldLayout xmlns:a="http://schemas.openxmlformats.org/drawingml/2006/main" xmlns:p="http://schemas.openxmlformats.org/presentationml/2006/main" xmlns:r="http://schemas.openxmlformats.org/officeDocument/2006/relationships" preserve="1" type="objAndTwoObj">
-  <p:cSld name="Title Content and 2 Content">
-    <p:spTree>
-      <p:nvGrpSpPr>
-        <p:cNvPr id="1" name=""/>
-        <p:cNvGrpSpPr/>
-        <p:nvPr/>
-      </p:nvGrpSpPr>
-      <p:grpSpPr>
-        <a:xfrm>
-          <a:off x="0" y="0"/>
-          <a:ext cx="0" cy="0"/>
-          <a:chOff x="0" y="0"/>
-          <a:chExt cx="0" cy="0"/>
-        </a:xfrm>
-      </p:grpSpPr>
-      <p:sp>
-        <p:nvSpPr>
-          <p:cNvPr id="140" name="PlaceHolder 1"/>
-          <p:cNvSpPr>
-            <a:spLocks noGrp="1"/>
-          </p:cNvSpPr>
-          <p:nvPr>
-            <p:ph type="title"/>
-          </p:nvPr>
-        </p:nvSpPr>
-        <p:spPr>
-          <a:xfrm>
-            <a:off x="432000" y="647640"/>
-            <a:ext cx="7056360" cy="648360"/>
-          </a:xfrm>
-          <a:prstGeom prst="rect">
-            <a:avLst/>
-          </a:prstGeom>
-        </p:spPr>
-        <p:txBody>
-          <a:bodyPr anchor="ctr" bIns="0" lIns="0" rIns="0" tIns="0" wrap="none"/>
-          <a:p>
-            <a:endParaRPr/>
-          </a:p>
-        </p:txBody>
-      </p:sp>
-      <p:sp>
-        <p:nvSpPr>
-          <p:cNvPr id="141" name="PlaceHolder 2"/>
-          <p:cNvSpPr>
-            <a:spLocks noGrp="1"/>
-          </p:cNvSpPr>
-          <p:nvPr>
-            <p:ph type="body"/>
-          </p:nvPr>
-        </p:nvSpPr>
-        <p:spPr>
-          <a:xfrm>
-            <a:off x="504000" y="2094840"/>
-            <a:ext cx="4328640" cy="4384440"/>
-          </a:xfrm>
-          <a:prstGeom prst="rect">
-            <a:avLst/>
-          </a:prstGeom>
-        </p:spPr>
-        <p:txBody>
-          <a:bodyPr bIns="0" lIns="0" rIns="0" tIns="0" wrap="none"/>
-          <a:p>
-            <a:endParaRPr/>
-          </a:p>
-        </p:txBody>
-      </p:sp>
-      <p:sp>
-        <p:nvSpPr>
-          <p:cNvPr id="142" name="PlaceHolder 3"/>
-          <p:cNvSpPr>
-            <a:spLocks noGrp="1"/>
-          </p:cNvSpPr>
-          <p:nvPr>
-            <p:ph type="body"/>
-          </p:nvPr>
-        </p:nvSpPr>
-        <p:spPr>
-          <a:xfrm>
-            <a:off x="5049360" y="2094840"/>
-            <a:ext cx="4328640" cy="2090880"/>
-          </a:xfrm>
-          <a:prstGeom prst="rect">
-            <a:avLst/>
-          </a:prstGeom>
-        </p:spPr>
-        <p:txBody>
-          <a:bodyPr bIns="0" lIns="0" rIns="0" tIns="0" wrap="none"/>
-          <a:p>
-            <a:endParaRPr/>
-          </a:p>
-        </p:txBody>
-      </p:sp>
-      <p:sp>
-        <p:nvSpPr>
-          <p:cNvPr id="143" name="PlaceHolder 4"/>
-          <p:cNvSpPr>
-            <a:spLocks noGrp="1"/>
-          </p:cNvSpPr>
-          <p:nvPr>
-            <p:ph type="body"/>
-          </p:nvPr>
-        </p:nvSpPr>
-        <p:spPr>
-          <a:xfrm>
-            <a:off x="5049360" y="4384440"/>
-            <a:ext cx="4328640" cy="2090880"/>
-          </a:xfrm>
-          <a:prstGeom prst="rect">
-            <a:avLst/>
-          </a:prstGeom>
-        </p:spPr>
-        <p:txBody>
-          <a:bodyPr bIns="0" lIns="0" rIns="0" tIns="0" wrap="none"/>
-          <a:p>
-            <a:endParaRPr/>
-          </a:p>
-        </p:txBody>
-      </p:sp>
-    </p:spTree>
-  </p:cSld>
-</p:sldLayout>
-</file>
-
-<file path=ppt/slideLayouts/slideLayout45.xml><?xml version="1.0" encoding="utf-8"?>
-<p:sldLayout xmlns:a="http://schemas.openxmlformats.org/drawingml/2006/main" xmlns:p="http://schemas.openxmlformats.org/presentationml/2006/main" xmlns:r="http://schemas.openxmlformats.org/officeDocument/2006/relationships" preserve="1" type="twoObjOverTx">
-  <p:cSld name="Title, 2 Content over Content">
-    <p:spTree>
-      <p:nvGrpSpPr>
-        <p:cNvPr id="1" name=""/>
-        <p:cNvGrpSpPr/>
-        <p:nvPr/>
-      </p:nvGrpSpPr>
-      <p:grpSpPr>
-        <a:xfrm>
-          <a:off x="0" y="0"/>
-          <a:ext cx="0" cy="0"/>
-          <a:chOff x="0" y="0"/>
-          <a:chExt cx="0" cy="0"/>
-        </a:xfrm>
-      </p:grpSpPr>
-      <p:sp>
-        <p:nvSpPr>
-          <p:cNvPr id="144" name="PlaceHolder 1"/>
-          <p:cNvSpPr>
-            <a:spLocks noGrp="1"/>
-          </p:cNvSpPr>
-          <p:nvPr>
-            <p:ph type="title"/>
-          </p:nvPr>
-        </p:nvSpPr>
-        <p:spPr>
-          <a:xfrm>
-            <a:off x="432000" y="647640"/>
-            <a:ext cx="7056360" cy="648360"/>
-          </a:xfrm>
-          <a:prstGeom prst="rect">
-            <a:avLst/>
-          </a:prstGeom>
-        </p:spPr>
-        <p:txBody>
-          <a:bodyPr anchor="ctr" bIns="0" lIns="0" rIns="0" tIns="0" wrap="none"/>
-          <a:p>
-            <a:endParaRPr/>
-          </a:p>
-        </p:txBody>
-      </p:sp>
-      <p:sp>
-        <p:nvSpPr>
-          <p:cNvPr id="145" name="PlaceHolder 2"/>
-          <p:cNvSpPr>
-            <a:spLocks noGrp="1"/>
-          </p:cNvSpPr>
-          <p:nvPr>
-            <p:ph type="body"/>
-          </p:nvPr>
-        </p:nvSpPr>
-        <p:spPr>
-          <a:xfrm>
-            <a:off x="504000" y="2094840"/>
-            <a:ext cx="4328640" cy="2090880"/>
-          </a:xfrm>
-          <a:prstGeom prst="rect">
-            <a:avLst/>
-          </a:prstGeom>
-        </p:spPr>
-        <p:txBody>
-          <a:bodyPr bIns="0" lIns="0" rIns="0" tIns="0" wrap="none"/>
-          <a:p>
-            <a:endParaRPr/>
-          </a:p>
-        </p:txBody>
-      </p:sp>
-      <p:sp>
-        <p:nvSpPr>
-          <p:cNvPr id="146" name="PlaceHolder 3"/>
-          <p:cNvSpPr>
-            <a:spLocks noGrp="1"/>
-          </p:cNvSpPr>
-          <p:nvPr>
-            <p:ph type="body"/>
-          </p:nvPr>
-        </p:nvSpPr>
-        <p:spPr>
-          <a:xfrm>
-            <a:off x="5049360" y="2094840"/>
-            <a:ext cx="4328640" cy="2090880"/>
-          </a:xfrm>
-          <a:prstGeom prst="rect">
-            <a:avLst/>
-          </a:prstGeom>
-        </p:spPr>
-        <p:txBody>
-          <a:bodyPr bIns="0" lIns="0" rIns="0" tIns="0" wrap="none"/>
-          <a:p>
-            <a:endParaRPr/>
-          </a:p>
-        </p:txBody>
-      </p:sp>
-      <p:sp>
-        <p:nvSpPr>
-          <p:cNvPr id="147" name="PlaceHolder 4"/>
-          <p:cNvSpPr>
-            <a:spLocks noGrp="1"/>
-          </p:cNvSpPr>
-          <p:nvPr>
-            <p:ph type="body"/>
-          </p:nvPr>
-        </p:nvSpPr>
-        <p:spPr>
-          <a:xfrm>
-            <a:off x="504000" y="4384440"/>
-            <a:ext cx="8870400" cy="2090880"/>
-          </a:xfrm>
-          <a:prstGeom prst="rect">
-            <a:avLst/>
-          </a:prstGeom>
-        </p:spPr>
-        <p:txBody>
-          <a:bodyPr bIns="0" lIns="0" rIns="0" tIns="0" wrap="none"/>
-          <a:p>
-            <a:endParaRPr/>
-          </a:p>
-        </p:txBody>
-      </p:sp>
-    </p:spTree>
-  </p:cSld>
-</p:sldLayout>
-</file>
-
-<file path=ppt/slideLayouts/slideLayout46.xml><?xml version="1.0" encoding="utf-8"?>
-<p:sldLayout xmlns:a="http://schemas.openxmlformats.org/drawingml/2006/main" xmlns:p="http://schemas.openxmlformats.org/presentationml/2006/main" xmlns:r="http://schemas.openxmlformats.org/officeDocument/2006/relationships" preserve="1" type="objOverTx">
-  <p:cSld name="Title, Content over Content">
-    <p:spTree>
-      <p:nvGrpSpPr>
-        <p:cNvPr id="1" name=""/>
-        <p:cNvGrpSpPr/>
-        <p:nvPr/>
-      </p:nvGrpSpPr>
-      <p:grpSpPr>
-        <a:xfrm>
-          <a:off x="0" y="0"/>
-          <a:ext cx="0" cy="0"/>
-          <a:chOff x="0" y="0"/>
-          <a:chExt cx="0" cy="0"/>
-        </a:xfrm>
-      </p:grpSpPr>
-      <p:sp>
-        <p:nvSpPr>
-          <p:cNvPr id="148" name="PlaceHolder 1"/>
-          <p:cNvSpPr>
-            <a:spLocks noGrp="1"/>
-          </p:cNvSpPr>
-          <p:nvPr>
-            <p:ph type="title"/>
-          </p:nvPr>
-        </p:nvSpPr>
-        <p:spPr>
-          <a:xfrm>
-            <a:off x="432000" y="647640"/>
-            <a:ext cx="7056360" cy="648360"/>
-          </a:xfrm>
-          <a:prstGeom prst="rect">
-            <a:avLst/>
-          </a:prstGeom>
-        </p:spPr>
-        <p:txBody>
-          <a:bodyPr anchor="ctr" bIns="0" lIns="0" rIns="0" tIns="0" wrap="none"/>
-          <a:p>
-            <a:endParaRPr/>
-          </a:p>
-        </p:txBody>
-      </p:sp>
-      <p:sp>
-        <p:nvSpPr>
-          <p:cNvPr id="149" name="PlaceHolder 2"/>
-          <p:cNvSpPr>
-            <a:spLocks noGrp="1"/>
-          </p:cNvSpPr>
-          <p:nvPr>
-            <p:ph type="body"/>
-          </p:nvPr>
-        </p:nvSpPr>
-        <p:spPr>
-          <a:xfrm>
-            <a:off x="504000" y="2094840"/>
-            <a:ext cx="8870760" cy="2090880"/>
-          </a:xfrm>
-          <a:prstGeom prst="rect">
-            <a:avLst/>
-          </a:prstGeom>
-        </p:spPr>
-        <p:txBody>
-          <a:bodyPr bIns="0" lIns="0" rIns="0" tIns="0" wrap="none"/>
-          <a:p>
-            <a:endParaRPr/>
-          </a:p>
-        </p:txBody>
-      </p:sp>
-      <p:sp>
-        <p:nvSpPr>
-          <p:cNvPr id="150" name="PlaceHolder 3"/>
-          <p:cNvSpPr>
-            <a:spLocks noGrp="1"/>
-          </p:cNvSpPr>
-          <p:nvPr>
-            <p:ph type="body"/>
-          </p:nvPr>
-        </p:nvSpPr>
-        <p:spPr>
-          <a:xfrm>
-            <a:off x="504000" y="4384440"/>
-            <a:ext cx="8870760" cy="2090880"/>
-          </a:xfrm>
-          <a:prstGeom prst="rect">
-            <a:avLst/>
-          </a:prstGeom>
-        </p:spPr>
-        <p:txBody>
-          <a:bodyPr bIns="0" lIns="0" rIns="0" tIns="0" wrap="none"/>
-          <a:p>
-            <a:endParaRPr/>
-          </a:p>
-        </p:txBody>
-      </p:sp>
-    </p:spTree>
-  </p:cSld>
-</p:sldLayout>
-</file>
-
-<file path=ppt/slideLayouts/slideLayout47.xml><?xml version="1.0" encoding="utf-8"?>
-<p:sldLayout xmlns:a="http://schemas.openxmlformats.org/drawingml/2006/main" xmlns:p="http://schemas.openxmlformats.org/presentationml/2006/main" xmlns:r="http://schemas.openxmlformats.org/officeDocument/2006/relationships" preserve="1" type="fourObj">
-  <p:cSld name="Title, 4 Content">
-    <p:spTree>
-      <p:nvGrpSpPr>
-        <p:cNvPr id="1" name=""/>
-        <p:cNvGrpSpPr/>
-        <p:nvPr/>
-      </p:nvGrpSpPr>
-      <p:grpSpPr>
-        <a:xfrm>
-          <a:off x="0" y="0"/>
-          <a:ext cx="0" cy="0"/>
-          <a:chOff x="0" y="0"/>
-          <a:chExt cx="0" cy="0"/>
-        </a:xfrm>
-      </p:grpSpPr>
-      <p:sp>
-        <p:nvSpPr>
-          <p:cNvPr id="151" name="PlaceHolder 1"/>
-          <p:cNvSpPr>
-            <a:spLocks noGrp="1"/>
-          </p:cNvSpPr>
-          <p:nvPr>
-            <p:ph type="title"/>
-          </p:nvPr>
-        </p:nvSpPr>
-        <p:spPr>
-          <a:xfrm>
-            <a:off x="432000" y="647640"/>
-            <a:ext cx="7056360" cy="648360"/>
-          </a:xfrm>
-          <a:prstGeom prst="rect">
-            <a:avLst/>
-          </a:prstGeom>
-        </p:spPr>
-        <p:txBody>
-          <a:bodyPr anchor="ctr" bIns="0" lIns="0" rIns="0" tIns="0" wrap="none"/>
-          <a:p>
-            <a:endParaRPr/>
-          </a:p>
-        </p:txBody>
-      </p:sp>
-      <p:sp>
-        <p:nvSpPr>
-          <p:cNvPr id="152" name="PlaceHolder 2"/>
-          <p:cNvSpPr>
-            <a:spLocks noGrp="1"/>
-          </p:cNvSpPr>
-          <p:nvPr>
-            <p:ph type="body"/>
-          </p:nvPr>
-        </p:nvSpPr>
-        <p:spPr>
-          <a:xfrm>
-            <a:off x="504000" y="2094840"/>
-            <a:ext cx="4328640" cy="2090880"/>
-          </a:xfrm>
-          <a:prstGeom prst="rect">
-            <a:avLst/>
-          </a:prstGeom>
-        </p:spPr>
-        <p:txBody>
-          <a:bodyPr bIns="0" lIns="0" rIns="0" tIns="0" wrap="none"/>
-          <a:p>
-            <a:endParaRPr/>
-          </a:p>
-        </p:txBody>
-      </p:sp>
-      <p:sp>
-        <p:nvSpPr>
-          <p:cNvPr id="153" name="PlaceHolder 3"/>
-          <p:cNvSpPr>
-            <a:spLocks noGrp="1"/>
-          </p:cNvSpPr>
-          <p:nvPr>
-            <p:ph type="body"/>
-          </p:nvPr>
-        </p:nvSpPr>
-        <p:spPr>
-          <a:xfrm>
-            <a:off x="5049360" y="2094840"/>
-            <a:ext cx="4328640" cy="2090880"/>
-          </a:xfrm>
-          <a:prstGeom prst="rect">
-            <a:avLst/>
-          </a:prstGeom>
-        </p:spPr>
-        <p:txBody>
-          <a:bodyPr bIns="0" lIns="0" rIns="0" tIns="0" wrap="none"/>
-          <a:p>
-            <a:endParaRPr/>
-          </a:p>
-        </p:txBody>
-      </p:sp>
-      <p:sp>
-        <p:nvSpPr>
-          <p:cNvPr id="154" name="PlaceHolder 4"/>
-          <p:cNvSpPr>
-            <a:spLocks noGrp="1"/>
-          </p:cNvSpPr>
-          <p:nvPr>
-            <p:ph type="body"/>
-          </p:nvPr>
-        </p:nvSpPr>
-        <p:spPr>
-          <a:xfrm>
-            <a:off x="5049360" y="4384440"/>
-            <a:ext cx="4328640" cy="2090880"/>
-          </a:xfrm>
-          <a:prstGeom prst="rect">
-            <a:avLst/>
-          </a:prstGeom>
-        </p:spPr>
-        <p:txBody>
-          <a:bodyPr bIns="0" lIns="0" rIns="0" tIns="0" wrap="none"/>
-          <a:p>
-            <a:endParaRPr/>
-          </a:p>
-        </p:txBody>
-      </p:sp>
-      <p:sp>
-        <p:nvSpPr>
-          <p:cNvPr id="155" name="PlaceHolder 5"/>
-          <p:cNvSpPr>
-            <a:spLocks noGrp="1"/>
-          </p:cNvSpPr>
-          <p:nvPr>
-            <p:ph type="body"/>
-          </p:nvPr>
-        </p:nvSpPr>
-        <p:spPr>
-          <a:xfrm>
-            <a:off x="504000" y="4384440"/>
-            <a:ext cx="4328640" cy="2090880"/>
-          </a:xfrm>
-          <a:prstGeom prst="rect">
-            <a:avLst/>
-          </a:prstGeom>
-        </p:spPr>
-        <p:txBody>
-          <a:bodyPr bIns="0" lIns="0" rIns="0" tIns="0" wrap="none"/>
-          <a:p>
-            <a:endParaRPr/>
-          </a:p>
-        </p:txBody>
-      </p:sp>
-    </p:spTree>
-  </p:cSld>
-</p:sldLayout>
-</file>
-
-<file path=ppt/slideLayouts/slideLayout48.xml><?xml version="1.0" encoding="utf-8"?>
-<p:sldLayout xmlns:a="http://schemas.openxmlformats.org/drawingml/2006/main" xmlns:p="http://schemas.openxmlformats.org/presentationml/2006/main" xmlns:r="http://schemas.openxmlformats.org/officeDocument/2006/relationships" preserve="1" type="blank">
-  <p:cSld name="Title, 6 Content">
-    <p:spTree>
-      <p:nvGrpSpPr>
-        <p:cNvPr id="1" name=""/>
-        <p:cNvGrpSpPr/>
-        <p:nvPr/>
-      </p:nvGrpSpPr>
-      <p:grpSpPr>
-        <a:xfrm>
-          <a:off x="0" y="0"/>
-          <a:ext cx="0" cy="0"/>
-          <a:chOff x="0" y="0"/>
-          <a:chExt cx="0" cy="0"/>
-        </a:xfrm>
-      </p:grpSpPr>
-      <p:sp>
-        <p:nvSpPr>
-          <p:cNvPr id="156" name="PlaceHolder 1"/>
-          <p:cNvSpPr>
-            <a:spLocks noGrp="1"/>
-          </p:cNvSpPr>
-          <p:nvPr>
-            <p:ph type="title"/>
-          </p:nvPr>
-        </p:nvSpPr>
-        <p:spPr>
-          <a:xfrm>
-            <a:off x="432000" y="647640"/>
-            <a:ext cx="7056360" cy="648360"/>
-          </a:xfrm>
-          <a:prstGeom prst="rect">
-            <a:avLst/>
-          </a:prstGeom>
-        </p:spPr>
-        <p:txBody>
-          <a:bodyPr anchor="ctr" bIns="0" lIns="0" rIns="0" tIns="0" wrap="none"/>
-          <a:p>
-            <a:endParaRPr/>
-          </a:p>
-        </p:txBody>
-      </p:sp>
-      <p:sp>
-        <p:nvSpPr>
-          <p:cNvPr id="157" name="PlaceHolder 2"/>
-          <p:cNvSpPr>
-            <a:spLocks noGrp="1"/>
-          </p:cNvSpPr>
-          <p:nvPr>
-            <p:ph type="body"/>
-          </p:nvPr>
-        </p:nvSpPr>
-        <p:spPr>
-          <a:xfrm>
-            <a:off x="504000" y="2094840"/>
-            <a:ext cx="4328640" cy="2090880"/>
-          </a:xfrm>
-          <a:prstGeom prst="rect">
-            <a:avLst/>
-          </a:prstGeom>
-        </p:spPr>
-        <p:txBody>
-          <a:bodyPr bIns="0" lIns="0" rIns="0" tIns="0" wrap="none"/>
-          <a:p>
-            <a:endParaRPr/>
-          </a:p>
-        </p:txBody>
-      </p:sp>
-      <p:sp>
-        <p:nvSpPr>
-          <p:cNvPr id="158" name="PlaceHolder 3"/>
-          <p:cNvSpPr>
-            <a:spLocks noGrp="1"/>
-          </p:cNvSpPr>
-          <p:nvPr>
-            <p:ph type="body"/>
-          </p:nvPr>
-        </p:nvSpPr>
-        <p:spPr>
-          <a:xfrm>
-            <a:off x="5049360" y="2094840"/>
-            <a:ext cx="4328640" cy="2090880"/>
-          </a:xfrm>
-          <a:prstGeom prst="rect">
-            <a:avLst/>
-          </a:prstGeom>
-        </p:spPr>
-        <p:txBody>
-          <a:bodyPr bIns="0" lIns="0" rIns="0" tIns="0" wrap="none"/>
-          <a:p>
-            <a:endParaRPr/>
-          </a:p>
-        </p:txBody>
-      </p:sp>
-      <p:pic>
-        <p:nvPicPr>
-          <p:cNvPr descr="" id="159" name=""/>
-          <p:cNvPicPr/>
-          <p:nvPr/>
-        </p:nvPicPr>
-        <p:blipFill>
-          <a:blip r:embed="rId2"/>
-          <a:stretch>
-            <a:fillRect/>
-          </a:stretch>
-        </p:blipFill>
-        <p:spPr>
-          <a:xfrm>
-            <a:off x="5903280" y="4384440"/>
-            <a:ext cx="2620440" cy="2090880"/>
-          </a:xfrm>
-          <a:prstGeom prst="rect">
-            <a:avLst/>
-          </a:prstGeom>
-        </p:spPr>
-      </p:pic>
-      <p:pic>
-        <p:nvPicPr>
-          <p:cNvPr descr="" id="160" name=""/>
-          <p:cNvPicPr/>
-          <p:nvPr/>
-        </p:nvPicPr>
-        <p:blipFill>
-          <a:blip r:embed="rId3"/>
-          <a:stretch>
-            <a:fillRect/>
-          </a:stretch>
-        </p:blipFill>
-        <p:spPr>
-          <a:xfrm>
-            <a:off x="1357920" y="4384440"/>
-            <a:ext cx="2620440" cy="2090880"/>
-          </a:xfrm>
-          <a:prstGeom prst="rect">
-            <a:avLst/>
-          </a:prstGeom>
-        </p:spPr>
-      </p:pic>
     </p:spTree>
   </p:cSld>
 </p:sldLayout>
@@ -4477,7 +2207,7 @@
       </p:grpSpPr>
       <p:sp>
         <p:nvSpPr>
-          <p:cNvPr id="14" name="PlaceHolder 1"/>
+          <p:cNvPr id="10" name="PlaceHolder 1"/>
           <p:cNvSpPr>
             <a:spLocks noGrp="1"/>
           </p:cNvSpPr>
@@ -4487,8 +2217,8 @@
         </p:nvSpPr>
         <p:spPr>
           <a:xfrm>
-            <a:off x="432000" y="647640"/>
-            <a:ext cx="7056360" cy="648360"/>
+            <a:off x="504000" y="301320"/>
+            <a:ext cx="9072000" cy="1262160"/>
           </a:xfrm>
           <a:prstGeom prst="rect">
             <a:avLst/>
@@ -4497,6 +2227,7 @@
         <p:txBody>
           <a:bodyPr anchor="ctr" bIns="0" lIns="0" rIns="0" tIns="0" wrap="none"/>
           <a:p>
+            <a:pPr algn="ctr"/>
             <a:endParaRPr/>
           </a:p>
         </p:txBody>
@@ -4525,7 +2256,7 @@
       </p:grpSpPr>
       <p:sp>
         <p:nvSpPr>
-          <p:cNvPr id="15" name="PlaceHolder 1"/>
+          <p:cNvPr id="11" name="PlaceHolder 1"/>
           <p:cNvSpPr>
             <a:spLocks noGrp="1"/>
           </p:cNvSpPr>
@@ -4535,8 +2266,8 @@
         </p:nvSpPr>
         <p:spPr>
           <a:xfrm>
-            <a:off x="432000" y="647640"/>
-            <a:ext cx="7056360" cy="5831640"/>
+            <a:off x="504000" y="301320"/>
+            <a:ext cx="9072000" cy="5851440"/>
           </a:xfrm>
           <a:prstGeom prst="rect">
             <a:avLst/>
@@ -4574,7 +2305,7 @@
       </p:grpSpPr>
       <p:sp>
         <p:nvSpPr>
-          <p:cNvPr id="16" name="PlaceHolder 1"/>
+          <p:cNvPr id="12" name="PlaceHolder 1"/>
           <p:cNvSpPr>
             <a:spLocks noGrp="1"/>
           </p:cNvSpPr>
@@ -4584,8 +2315,8 @@
         </p:nvSpPr>
         <p:spPr>
           <a:xfrm>
-            <a:off x="432000" y="647640"/>
-            <a:ext cx="7056360" cy="648360"/>
+            <a:off x="504000" y="301320"/>
+            <a:ext cx="9072000" cy="1262160"/>
           </a:xfrm>
           <a:prstGeom prst="rect">
             <a:avLst/>
@@ -4594,13 +2325,14 @@
         <p:txBody>
           <a:bodyPr anchor="ctr" bIns="0" lIns="0" rIns="0" tIns="0" wrap="none"/>
           <a:p>
-            <a:endParaRPr/>
-          </a:p>
-        </p:txBody>
-      </p:sp>
-      <p:sp>
-        <p:nvSpPr>
-          <p:cNvPr id="17" name="PlaceHolder 2"/>
+            <a:pPr algn="ctr"/>
+            <a:endParaRPr/>
+          </a:p>
+        </p:txBody>
+      </p:sp>
+      <p:sp>
+        <p:nvSpPr>
+          <p:cNvPr id="13" name="PlaceHolder 2"/>
           <p:cNvSpPr>
             <a:spLocks noGrp="1"/>
           </p:cNvSpPr>
@@ -4610,8 +2342,8 @@
         </p:nvSpPr>
         <p:spPr>
           <a:xfrm>
-            <a:off x="504000" y="2094840"/>
-            <a:ext cx="4328640" cy="2090880"/>
+            <a:off x="504000" y="1768680"/>
+            <a:ext cx="4426920" cy="2090880"/>
           </a:xfrm>
           <a:prstGeom prst="rect">
             <a:avLst/>
@@ -4626,7 +2358,7 @@
       </p:sp>
       <p:sp>
         <p:nvSpPr>
-          <p:cNvPr id="18" name="PlaceHolder 3"/>
+          <p:cNvPr id="14" name="PlaceHolder 3"/>
           <p:cNvSpPr>
             <a:spLocks noGrp="1"/>
           </p:cNvSpPr>
@@ -4636,8 +2368,8 @@
         </p:nvSpPr>
         <p:spPr>
           <a:xfrm>
-            <a:off x="504000" y="4384440"/>
-            <a:ext cx="4328640" cy="2090880"/>
+            <a:off x="504000" y="4058280"/>
+            <a:ext cx="4426920" cy="2090880"/>
           </a:xfrm>
           <a:prstGeom prst="rect">
             <a:avLst/>
@@ -4652,7 +2384,7 @@
       </p:sp>
       <p:sp>
         <p:nvSpPr>
-          <p:cNvPr id="19" name="PlaceHolder 4"/>
+          <p:cNvPr id="15" name="PlaceHolder 4"/>
           <p:cNvSpPr>
             <a:spLocks noGrp="1"/>
           </p:cNvSpPr>
@@ -4662,8 +2394,8 @@
         </p:nvSpPr>
         <p:spPr>
           <a:xfrm>
-            <a:off x="5049360" y="2094840"/>
-            <a:ext cx="4328640" cy="4384440"/>
+            <a:off x="5152320" y="1768680"/>
+            <a:ext cx="4426920" cy="4384080"/>
           </a:xfrm>
           <a:prstGeom prst="rect">
             <a:avLst/>
@@ -4700,7 +2432,7 @@
       </p:grpSpPr>
       <p:sp>
         <p:nvSpPr>
-          <p:cNvPr id="20" name="PlaceHolder 1"/>
+          <p:cNvPr id="16" name="PlaceHolder 1"/>
           <p:cNvSpPr>
             <a:spLocks noGrp="1"/>
           </p:cNvSpPr>
@@ -4710,8 +2442,8 @@
         </p:nvSpPr>
         <p:spPr>
           <a:xfrm>
-            <a:off x="432000" y="647640"/>
-            <a:ext cx="7056360" cy="648360"/>
+            <a:off x="504000" y="301320"/>
+            <a:ext cx="9072000" cy="1262160"/>
           </a:xfrm>
           <a:prstGeom prst="rect">
             <a:avLst/>
@@ -4720,13 +2452,14 @@
         <p:txBody>
           <a:bodyPr anchor="ctr" bIns="0" lIns="0" rIns="0" tIns="0" wrap="none"/>
           <a:p>
-            <a:endParaRPr/>
-          </a:p>
-        </p:txBody>
-      </p:sp>
-      <p:sp>
-        <p:nvSpPr>
-          <p:cNvPr id="21" name="PlaceHolder 2"/>
+            <a:pPr algn="ctr"/>
+            <a:endParaRPr/>
+          </a:p>
+        </p:txBody>
+      </p:sp>
+      <p:sp>
+        <p:nvSpPr>
+          <p:cNvPr id="17" name="PlaceHolder 2"/>
           <p:cNvSpPr>
             <a:spLocks noGrp="1"/>
           </p:cNvSpPr>
@@ -4736,8 +2469,8 @@
         </p:nvSpPr>
         <p:spPr>
           <a:xfrm>
-            <a:off x="504000" y="2094840"/>
-            <a:ext cx="4328640" cy="4384440"/>
+            <a:off x="504000" y="1768680"/>
+            <a:ext cx="4426920" cy="4384080"/>
           </a:xfrm>
           <a:prstGeom prst="rect">
             <a:avLst/>
@@ -4752,7 +2485,7 @@
       </p:sp>
       <p:sp>
         <p:nvSpPr>
-          <p:cNvPr id="22" name="PlaceHolder 3"/>
+          <p:cNvPr id="18" name="PlaceHolder 3"/>
           <p:cNvSpPr>
             <a:spLocks noGrp="1"/>
           </p:cNvSpPr>
@@ -4762,8 +2495,8 @@
         </p:nvSpPr>
         <p:spPr>
           <a:xfrm>
-            <a:off x="5049360" y="2094840"/>
-            <a:ext cx="4328640" cy="2090880"/>
+            <a:off x="5152320" y="1768680"/>
+            <a:ext cx="4426920" cy="2090880"/>
           </a:xfrm>
           <a:prstGeom prst="rect">
             <a:avLst/>
@@ -4778,7 +2511,7 @@
       </p:sp>
       <p:sp>
         <p:nvSpPr>
-          <p:cNvPr id="23" name="PlaceHolder 4"/>
+          <p:cNvPr id="19" name="PlaceHolder 4"/>
           <p:cNvSpPr>
             <a:spLocks noGrp="1"/>
           </p:cNvSpPr>
@@ -4788,8 +2521,8 @@
         </p:nvSpPr>
         <p:spPr>
           <a:xfrm>
-            <a:off x="5049360" y="4384440"/>
-            <a:ext cx="4328640" cy="2090880"/>
+            <a:off x="5152320" y="4058280"/>
+            <a:ext cx="4426920" cy="2090880"/>
           </a:xfrm>
           <a:prstGeom prst="rect">
             <a:avLst/>
@@ -4826,7 +2559,7 @@
       </p:grpSpPr>
       <p:sp>
         <p:nvSpPr>
-          <p:cNvPr id="24" name="PlaceHolder 1"/>
+          <p:cNvPr id="20" name="PlaceHolder 1"/>
           <p:cNvSpPr>
             <a:spLocks noGrp="1"/>
           </p:cNvSpPr>
@@ -4836,8 +2569,8 @@
         </p:nvSpPr>
         <p:spPr>
           <a:xfrm>
-            <a:off x="432000" y="647640"/>
-            <a:ext cx="7056360" cy="648360"/>
+            <a:off x="504000" y="301320"/>
+            <a:ext cx="9072000" cy="1262160"/>
           </a:xfrm>
           <a:prstGeom prst="rect">
             <a:avLst/>
@@ -4846,13 +2579,14 @@
         <p:txBody>
           <a:bodyPr anchor="ctr" bIns="0" lIns="0" rIns="0" tIns="0" wrap="none"/>
           <a:p>
-            <a:endParaRPr/>
-          </a:p>
-        </p:txBody>
-      </p:sp>
-      <p:sp>
-        <p:nvSpPr>
-          <p:cNvPr id="25" name="PlaceHolder 2"/>
+            <a:pPr algn="ctr"/>
+            <a:endParaRPr/>
+          </a:p>
+        </p:txBody>
+      </p:sp>
+      <p:sp>
+        <p:nvSpPr>
+          <p:cNvPr id="21" name="PlaceHolder 2"/>
           <p:cNvSpPr>
             <a:spLocks noGrp="1"/>
           </p:cNvSpPr>
@@ -4862,8 +2596,8 @@
         </p:nvSpPr>
         <p:spPr>
           <a:xfrm>
-            <a:off x="504000" y="2094840"/>
-            <a:ext cx="4328640" cy="2090880"/>
+            <a:off x="504000" y="1768680"/>
+            <a:ext cx="4426920" cy="2090880"/>
           </a:xfrm>
           <a:prstGeom prst="rect">
             <a:avLst/>
@@ -4878,7 +2612,7 @@
       </p:sp>
       <p:sp>
         <p:nvSpPr>
-          <p:cNvPr id="26" name="PlaceHolder 3"/>
+          <p:cNvPr id="22" name="PlaceHolder 3"/>
           <p:cNvSpPr>
             <a:spLocks noGrp="1"/>
           </p:cNvSpPr>
@@ -4888,8 +2622,8 @@
         </p:nvSpPr>
         <p:spPr>
           <a:xfrm>
-            <a:off x="5049360" y="2094840"/>
-            <a:ext cx="4328640" cy="2090880"/>
+            <a:off x="5152320" y="1768680"/>
+            <a:ext cx="4426920" cy="2090880"/>
           </a:xfrm>
           <a:prstGeom prst="rect">
             <a:avLst/>
@@ -4904,7 +2638,7 @@
       </p:sp>
       <p:sp>
         <p:nvSpPr>
-          <p:cNvPr id="27" name="PlaceHolder 4"/>
+          <p:cNvPr id="23" name="PlaceHolder 4"/>
           <p:cNvSpPr>
             <a:spLocks noGrp="1"/>
           </p:cNvSpPr>
@@ -4914,8 +2648,8 @@
         </p:nvSpPr>
         <p:spPr>
           <a:xfrm>
-            <a:off x="504000" y="4384440"/>
-            <a:ext cx="8870400" cy="2090880"/>
+            <a:off x="504000" y="4058280"/>
+            <a:ext cx="9071640" cy="2090880"/>
           </a:xfrm>
           <a:prstGeom prst="rect">
             <a:avLst/>
@@ -4950,134 +2684,31 @@
           <a:chExt cx="0" cy="0"/>
         </a:xfrm>
       </p:grpSpPr>
-      <p:sp>
-        <p:nvSpPr>
-          <p:cNvPr id="0" name="CustomShape 1"/>
-          <p:cNvSpPr/>
-          <p:nvPr/>
-        </p:nvSpPr>
-        <p:spPr>
-          <a:xfrm>
-            <a:off x="504000" y="301320"/>
-            <a:ext cx="9071280" cy="426960"/>
-          </a:xfrm>
-          <a:prstGeom prst="rect">
-            <a:avLst/>
-          </a:prstGeom>
-          <a:noFill/>
-        </p:spPr>
-      </p:sp>
-      <p:sp>
-        <p:nvSpPr>
-          <p:cNvPr id="1" name="CustomShape 2"/>
-          <p:cNvSpPr/>
-          <p:nvPr/>
-        </p:nvSpPr>
-        <p:spPr>
-          <a:xfrm>
-            <a:off x="504000" y="1769040"/>
-            <a:ext cx="9071280" cy="426960"/>
-          </a:xfrm>
-          <a:prstGeom prst="rect">
-            <a:avLst/>
-          </a:prstGeom>
-          <a:noFill/>
-        </p:spPr>
-      </p:sp>
-      <p:sp>
-        <p:nvSpPr>
-          <p:cNvPr id="2" name="CustomShape 3"/>
-          <p:cNvSpPr/>
-          <p:nvPr/>
-        </p:nvSpPr>
-        <p:spPr>
-          <a:xfrm>
-            <a:off x="504000" y="6887160"/>
-            <a:ext cx="2347920" cy="520920"/>
-          </a:xfrm>
-          <a:prstGeom prst="rect">
-            <a:avLst/>
-          </a:prstGeom>
-          <a:noFill/>
-        </p:spPr>
-        <p:txBody>
-          <a:bodyPr bIns="45000" lIns="90000" rIns="90000" tIns="45000" wrap="none"/>
-          <a:p>
-            <a:r>
-              <a:rPr lang="en-US" sz="1400"/>
-              <a:t>&lt;date/time&gt;</a:t>
-            </a:r>
-            <a:endParaRPr/>
-          </a:p>
-        </p:txBody>
-      </p:sp>
-      <p:sp>
-        <p:nvSpPr>
-          <p:cNvPr id="3" name="CustomShape 4"/>
-          <p:cNvSpPr/>
-          <p:nvPr/>
-        </p:nvSpPr>
-        <p:spPr>
-          <a:xfrm>
-            <a:off x="3447360" y="6887160"/>
-            <a:ext cx="3194640" cy="520920"/>
-          </a:xfrm>
-          <a:prstGeom prst="rect">
-            <a:avLst/>
-          </a:prstGeom>
-          <a:noFill/>
-        </p:spPr>
-        <p:txBody>
-          <a:bodyPr bIns="45000" lIns="90000" rIns="90000" tIns="45000" wrap="none"/>
-          <a:p>
-            <a:pPr algn="ctr">
-              <a:lnSpc>
-                <a:spcPct val="100000"/>
-              </a:lnSpc>
-            </a:pPr>
-            <a:r>
-              <a:rPr lang="en-US" sz="1400"/>
-              <a:t>&lt;footer&gt;</a:t>
-            </a:r>
-            <a:endParaRPr/>
-          </a:p>
-        </p:txBody>
-      </p:sp>
-      <p:sp>
-        <p:nvSpPr>
-          <p:cNvPr id="4" name="CustomShape 5"/>
-          <p:cNvSpPr/>
-          <p:nvPr/>
-        </p:nvSpPr>
-        <p:spPr>
-          <a:xfrm>
-            <a:off x="7227360" y="6887160"/>
-            <a:ext cx="2347920" cy="520920"/>
-          </a:xfrm>
-          <a:prstGeom prst="rect">
-            <a:avLst/>
-          </a:prstGeom>
-          <a:noFill/>
-        </p:spPr>
-        <p:txBody>
-          <a:bodyPr bIns="45000" lIns="90000" rIns="90000" tIns="45000" wrap="none"/>
-          <a:p>
-            <a:pPr algn="r">
-              <a:lnSpc>
-                <a:spcPct val="100000"/>
-              </a:lnSpc>
-            </a:pPr>
-            <a:fld id="{E88EF24F-CAA1-462F-9E52-4C0B704B4C90}" type="slidenum">
-              <a:rPr lang="en-US" sz="1400"/>
-              <a:t>&lt;number&gt;</a:t>
-            </a:fld>
-            <a:endParaRPr/>
-          </a:p>
-        </p:txBody>
-      </p:sp>
-      <p:sp>
-        <p:nvSpPr>
-          <p:cNvPr id="5" name="PlaceHolder 6"/>
+      <p:pic>
+        <p:nvPicPr>
+          <p:cNvPr descr="" id="0" name=""/>
+          <p:cNvPicPr/>
+          <p:nvPr/>
+        </p:nvPicPr>
+        <p:blipFill>
+          <a:blip r:embed="rId2"/>
+          <a:stretch>
+            <a:fillRect/>
+          </a:stretch>
+        </p:blipFill>
+        <p:spPr>
+          <a:xfrm>
+            <a:off x="360" y="0"/>
+            <a:ext cx="10080000" cy="7558920"/>
+          </a:xfrm>
+          <a:prstGeom prst="rect">
+            <a:avLst/>
+          </a:prstGeom>
+        </p:spPr>
+      </p:pic>
+      <p:sp>
+        <p:nvSpPr>
+          <p:cNvPr id="1" name="PlaceHolder 1"/>
           <p:cNvSpPr>
             <a:spLocks noGrp="1"/>
           </p:cNvSpPr>
@@ -5087,8 +2718,8 @@
         </p:nvSpPr>
         <p:spPr>
           <a:xfrm>
-            <a:off x="504000" y="301320"/>
-            <a:ext cx="9071280" cy="1262160"/>
+            <a:off x="432000" y="647640"/>
+            <a:ext cx="7056000" cy="648000"/>
           </a:xfrm>
           <a:prstGeom prst="rect">
             <a:avLst/>
@@ -5107,7 +2738,7 @@
       </p:sp>
       <p:sp>
         <p:nvSpPr>
-          <p:cNvPr id="6" name="PlaceHolder 7"/>
+          <p:cNvPr id="2" name="PlaceHolder 2"/>
           <p:cNvSpPr>
             <a:spLocks noGrp="1"/>
           </p:cNvSpPr>
@@ -5117,8 +2748,8 @@
         </p:nvSpPr>
         <p:spPr>
           <a:xfrm>
-            <a:off x="504000" y="1768680"/>
-            <a:ext cx="9072000" cy="4384080"/>
+            <a:off x="504000" y="2094840"/>
+            <a:ext cx="8870400" cy="4384080"/>
           </a:xfrm>
           <a:prstGeom prst="rect">
             <a:avLst/>
@@ -5216,18 +2847,18 @@
   </p:cSld>
   <p:clrMap accent1="accent1" accent2="accent2" accent3="accent3" accent4="accent4" accent5="accent5" accent6="accent6" bg1="lt1" bg2="lt2" folHlink="folHlink" hlink="hlink" tx1="dk1" tx2="dk2"/>
   <p:sldLayoutIdLst>
-    <p:sldLayoutId id="2147483649" r:id="rId2"/>
-    <p:sldLayoutId id="2147483650" r:id="rId3"/>
-    <p:sldLayoutId id="2147483651" r:id="rId4"/>
-    <p:sldLayoutId id="2147483652" r:id="rId5"/>
-    <p:sldLayoutId id="2147483653" r:id="rId6"/>
-    <p:sldLayoutId id="2147483654" r:id="rId7"/>
-    <p:sldLayoutId id="2147483655" r:id="rId8"/>
-    <p:sldLayoutId id="2147483656" r:id="rId9"/>
-    <p:sldLayoutId id="2147483657" r:id="rId10"/>
-    <p:sldLayoutId id="2147483658" r:id="rId11"/>
-    <p:sldLayoutId id="2147483659" r:id="rId12"/>
-    <p:sldLayoutId id="2147483660" r:id="rId13"/>
+    <p:sldLayoutId id="2147483649" r:id="rId3"/>
+    <p:sldLayoutId id="2147483650" r:id="rId4"/>
+    <p:sldLayoutId id="2147483651" r:id="rId5"/>
+    <p:sldLayoutId id="2147483652" r:id="rId6"/>
+    <p:sldLayoutId id="2147483653" r:id="rId7"/>
+    <p:sldLayoutId id="2147483654" r:id="rId8"/>
+    <p:sldLayoutId id="2147483655" r:id="rId9"/>
+    <p:sldLayoutId id="2147483656" r:id="rId10"/>
+    <p:sldLayoutId id="2147483657" r:id="rId11"/>
+    <p:sldLayoutId id="2147483658" r:id="rId12"/>
+    <p:sldLayoutId id="2147483659" r:id="rId13"/>
+    <p:sldLayoutId id="2147483660" r:id="rId14"/>
   </p:sldLayoutIdLst>
 </p:sldMaster>
 </file>
@@ -5249,576 +2880,9 @@
           <a:chExt cx="0" cy="0"/>
         </a:xfrm>
       </p:grpSpPr>
-      <p:sp>
-        <p:nvSpPr>
-          <p:cNvPr id="41" name="CustomShape 1"/>
-          <p:cNvSpPr/>
-          <p:nvPr/>
-        </p:nvSpPr>
-        <p:spPr>
-          <a:xfrm>
-            <a:off x="504000" y="301320"/>
-            <a:ext cx="9071280" cy="426960"/>
-          </a:xfrm>
-          <a:prstGeom prst="rect">
-            <a:avLst/>
-          </a:prstGeom>
-          <a:noFill/>
-        </p:spPr>
-      </p:sp>
-      <p:sp>
-        <p:nvSpPr>
-          <p:cNvPr id="42" name="CustomShape 2"/>
-          <p:cNvSpPr/>
-          <p:nvPr/>
-        </p:nvSpPr>
-        <p:spPr>
-          <a:xfrm>
-            <a:off x="504000" y="1769040"/>
-            <a:ext cx="9071280" cy="426960"/>
-          </a:xfrm>
-          <a:prstGeom prst="rect">
-            <a:avLst/>
-          </a:prstGeom>
-          <a:noFill/>
-        </p:spPr>
-      </p:sp>
-      <p:sp>
-        <p:nvSpPr>
-          <p:cNvPr id="43" name="CustomShape 3"/>
-          <p:cNvSpPr/>
-          <p:nvPr/>
-        </p:nvSpPr>
-        <p:spPr>
-          <a:xfrm>
-            <a:off x="504000" y="6887160"/>
-            <a:ext cx="2347920" cy="520920"/>
-          </a:xfrm>
-          <a:prstGeom prst="rect">
-            <a:avLst/>
-          </a:prstGeom>
-          <a:noFill/>
-        </p:spPr>
-        <p:txBody>
-          <a:bodyPr bIns="45000" lIns="90000" rIns="90000" tIns="45000" wrap="none"/>
-          <a:p>
-            <a:r>
-              <a:rPr lang="en-US" sz="1400"/>
-              <a:t>&lt;date/time&gt;</a:t>
-            </a:r>
-            <a:endParaRPr/>
-          </a:p>
-        </p:txBody>
-      </p:sp>
-      <p:sp>
-        <p:nvSpPr>
-          <p:cNvPr id="44" name="CustomShape 4"/>
-          <p:cNvSpPr/>
-          <p:nvPr/>
-        </p:nvSpPr>
-        <p:spPr>
-          <a:xfrm>
-            <a:off x="3447360" y="6887160"/>
-            <a:ext cx="3194640" cy="520920"/>
-          </a:xfrm>
-          <a:prstGeom prst="rect">
-            <a:avLst/>
-          </a:prstGeom>
-          <a:noFill/>
-        </p:spPr>
-        <p:txBody>
-          <a:bodyPr bIns="45000" lIns="90000" rIns="90000" tIns="45000" wrap="none"/>
-          <a:p>
-            <a:pPr algn="ctr">
-              <a:lnSpc>
-                <a:spcPct val="100000"/>
-              </a:lnSpc>
-            </a:pPr>
-            <a:r>
-              <a:rPr lang="en-US" sz="1400"/>
-              <a:t>&lt;footer&gt;</a:t>
-            </a:r>
-            <a:endParaRPr/>
-          </a:p>
-        </p:txBody>
-      </p:sp>
-      <p:sp>
-        <p:nvSpPr>
-          <p:cNvPr id="45" name="CustomShape 5"/>
-          <p:cNvSpPr/>
-          <p:nvPr/>
-        </p:nvSpPr>
-        <p:spPr>
-          <a:xfrm>
-            <a:off x="7227360" y="6887160"/>
-            <a:ext cx="2347920" cy="520920"/>
-          </a:xfrm>
-          <a:prstGeom prst="rect">
-            <a:avLst/>
-          </a:prstGeom>
-          <a:noFill/>
-        </p:spPr>
-        <p:txBody>
-          <a:bodyPr bIns="45000" lIns="90000" rIns="90000" tIns="45000" wrap="none"/>
-          <a:p>
-            <a:pPr algn="r">
-              <a:lnSpc>
-                <a:spcPct val="100000"/>
-              </a:lnSpc>
-            </a:pPr>
-            <a:fld id="{C7359950-FF67-4665-BBD7-C07DBBC04243}" type="slidenum">
-              <a:rPr lang="en-US" sz="1400"/>
-              <a:t>&lt;number&gt;</a:t>
-            </a:fld>
-            <a:endParaRPr/>
-          </a:p>
-        </p:txBody>
-      </p:sp>
-      <p:sp>
-        <p:nvSpPr>
-          <p:cNvPr id="46" name="PlaceHolder 6"/>
-          <p:cNvSpPr>
-            <a:spLocks noGrp="1"/>
-          </p:cNvSpPr>
-          <p:nvPr>
-            <p:ph type="title"/>
-          </p:nvPr>
-        </p:nvSpPr>
-        <p:spPr>
-          <a:xfrm>
-            <a:off x="504000" y="301320"/>
-            <a:ext cx="9072000" cy="1261800"/>
-          </a:xfrm>
-          <a:prstGeom prst="rect">
-            <a:avLst/>
-          </a:prstGeom>
-        </p:spPr>
-        <p:txBody>
-          <a:bodyPr anchor="ctr" bIns="0" lIns="0" rIns="0" tIns="0" wrap="none"/>
-          <a:p>
-            <a:pPr algn="ctr"/>
-            <a:r>
-              <a:rPr lang="en-US"/>
-              <a:t>Click to edit the title text format</a:t>
-            </a:r>
-            <a:endParaRPr/>
-          </a:p>
-        </p:txBody>
-      </p:sp>
-      <p:sp>
-        <p:nvSpPr>
-          <p:cNvPr id="47" name="PlaceHolder 7"/>
-          <p:cNvSpPr>
-            <a:spLocks noGrp="1"/>
-          </p:cNvSpPr>
-          <p:nvPr>
-            <p:ph type="body"/>
-          </p:nvPr>
-        </p:nvSpPr>
-        <p:spPr>
-          <a:xfrm>
-            <a:off x="504000" y="1768680"/>
-            <a:ext cx="9072000" cy="4384080"/>
-          </a:xfrm>
-          <a:prstGeom prst="rect">
-            <a:avLst/>
-          </a:prstGeom>
-        </p:spPr>
-        <p:txBody>
-          <a:bodyPr bIns="0" lIns="0" rIns="0" tIns="0" wrap="none"/>
-          <a:p>
-            <a:pPr>
-              <a:buSzPct val="25000"/>
-              <a:buFont typeface="StarSymbol"/>
-              <a:buChar char=""/>
-            </a:pPr>
-            <a:r>
-              <a:rPr lang="en-US"/>
-              <a:t>Click to edit the outline text format</a:t>
-            </a:r>
-            <a:endParaRPr/>
-          </a:p>
-          <a:p>
-            <a:pPr lvl="1">
-              <a:buSzPct val="25000"/>
-              <a:buFont typeface="StarSymbol"/>
-              <a:buChar char=""/>
-            </a:pPr>
-            <a:r>
-              <a:rPr lang="en-US"/>
-              <a:t>Second Outline Level</a:t>
-            </a:r>
-            <a:endParaRPr/>
-          </a:p>
-          <a:p>
-            <a:pPr lvl="2">
-              <a:buSzPct val="25000"/>
-              <a:buFont typeface="StarSymbol"/>
-              <a:buChar char=""/>
-            </a:pPr>
-            <a:r>
-              <a:rPr lang="en-US"/>
-              <a:t>Third Outline Level</a:t>
-            </a:r>
-            <a:endParaRPr/>
-          </a:p>
-          <a:p>
-            <a:pPr lvl="3">
-              <a:buSzPct val="25000"/>
-              <a:buFont typeface="StarSymbol"/>
-              <a:buChar char=""/>
-            </a:pPr>
-            <a:r>
-              <a:rPr lang="en-US"/>
-              <a:t>Fourth Outline Level</a:t>
-            </a:r>
-            <a:endParaRPr/>
-          </a:p>
-          <a:p>
-            <a:pPr lvl="4">
-              <a:buSzPct val="25000"/>
-              <a:buFont typeface="StarSymbol"/>
-              <a:buChar char=""/>
-            </a:pPr>
-            <a:r>
-              <a:rPr lang="en-US"/>
-              <a:t>Fifth Outline Level</a:t>
-            </a:r>
-            <a:endParaRPr/>
-          </a:p>
-          <a:p>
-            <a:pPr lvl="5">
-              <a:buSzPct val="25000"/>
-              <a:buFont typeface="StarSymbol"/>
-              <a:buChar char=""/>
-            </a:pPr>
-            <a:r>
-              <a:rPr lang="en-US"/>
-              <a:t>Sixth Outline Level</a:t>
-            </a:r>
-            <a:endParaRPr/>
-          </a:p>
-          <a:p>
-            <a:pPr lvl="6">
-              <a:buSzPct val="25000"/>
-              <a:buFont typeface="StarSymbol"/>
-              <a:buChar char=""/>
-            </a:pPr>
-            <a:r>
-              <a:rPr lang="en-US"/>
-              <a:t>Seventh Outline Level</a:t>
-            </a:r>
-            <a:endParaRPr/>
-          </a:p>
-        </p:txBody>
-      </p:sp>
-    </p:spTree>
-  </p:cSld>
-  <p:clrMap accent1="accent1" accent2="accent2" accent3="accent3" accent4="accent4" accent5="accent5" accent6="accent6" bg1="lt1" bg2="lt2" folHlink="folHlink" hlink="hlink" tx1="dk1" tx2="dk2"/>
-  <p:sldLayoutIdLst>
-    <p:sldLayoutId id="2147483662" r:id="rId2"/>
-    <p:sldLayoutId id="2147483663" r:id="rId3"/>
-    <p:sldLayoutId id="2147483664" r:id="rId4"/>
-    <p:sldLayoutId id="2147483665" r:id="rId5"/>
-    <p:sldLayoutId id="2147483666" r:id="rId6"/>
-    <p:sldLayoutId id="2147483667" r:id="rId7"/>
-    <p:sldLayoutId id="2147483668" r:id="rId8"/>
-    <p:sldLayoutId id="2147483669" r:id="rId9"/>
-    <p:sldLayoutId id="2147483670" r:id="rId10"/>
-    <p:sldLayoutId id="2147483671" r:id="rId11"/>
-    <p:sldLayoutId id="2147483672" r:id="rId12"/>
-    <p:sldLayoutId id="2147483673" r:id="rId13"/>
-  </p:sldLayoutIdLst>
-</p:sldMaster>
-</file>
-
-<file path=ppt/slideMasters/slideMaster3.xml><?xml version="1.0" encoding="utf-8"?>
-<p:sldMaster xmlns:a="http://schemas.openxmlformats.org/drawingml/2006/main" xmlns:p="http://schemas.openxmlformats.org/presentationml/2006/main" xmlns:r="http://schemas.openxmlformats.org/officeDocument/2006/relationships">
-  <p:cSld>
-    <p:spTree>
-      <p:nvGrpSpPr>
-        <p:cNvPr id="1" name=""/>
-        <p:cNvGrpSpPr/>
-        <p:nvPr/>
-      </p:nvGrpSpPr>
-      <p:grpSpPr>
-        <a:xfrm>
-          <a:off x="0" y="0"/>
-          <a:ext cx="0" cy="0"/>
-          <a:chOff x="0" y="0"/>
-          <a:chExt cx="0" cy="0"/>
-        </a:xfrm>
-      </p:grpSpPr>
-      <p:sp>
-        <p:nvSpPr>
-          <p:cNvPr id="82" name="PlaceHolder 1"/>
-          <p:cNvSpPr>
-            <a:spLocks noGrp="1"/>
-          </p:cNvSpPr>
-          <p:nvPr>
-            <p:ph type="title"/>
-          </p:nvPr>
-        </p:nvSpPr>
-        <p:spPr>
-          <a:xfrm>
-            <a:off x="504000" y="300960"/>
-            <a:ext cx="9072360" cy="1262160"/>
-          </a:xfrm>
-          <a:prstGeom prst="rect">
-            <a:avLst/>
-          </a:prstGeom>
-        </p:spPr>
-        <p:txBody>
-          <a:bodyPr anchor="ctr" bIns="0" lIns="0" rIns="0" tIns="0" wrap="none"/>
-          <a:p>
-            <a:pPr algn="ctr"/>
-            <a:r>
-              <a:rPr lang="en-US"/>
-              <a:t>Click to edit the title text format</a:t>
-            </a:r>
-            <a:endParaRPr/>
-          </a:p>
-        </p:txBody>
-      </p:sp>
-      <p:sp>
-        <p:nvSpPr>
-          <p:cNvPr id="83" name="PlaceHolder 2"/>
-          <p:cNvSpPr>
-            <a:spLocks noGrp="1"/>
-          </p:cNvSpPr>
-          <p:nvPr>
-            <p:ph type="body"/>
-          </p:nvPr>
-        </p:nvSpPr>
-        <p:spPr>
-          <a:xfrm>
-            <a:off x="504000" y="1768680"/>
-            <a:ext cx="9072360" cy="4384080"/>
-          </a:xfrm>
-          <a:prstGeom prst="rect">
-            <a:avLst/>
-          </a:prstGeom>
-        </p:spPr>
-        <p:txBody>
-          <a:bodyPr bIns="0" lIns="0" rIns="0" tIns="0" wrap="none"/>
-          <a:p>
-            <a:pPr>
-              <a:buSzPct val="25000"/>
-              <a:buFont typeface="StarSymbol"/>
-              <a:buChar char=""/>
-            </a:pPr>
-            <a:r>
-              <a:rPr lang="en-US"/>
-              <a:t>Click to edit the outline text format</a:t>
-            </a:r>
-            <a:endParaRPr/>
-          </a:p>
-          <a:p>
-            <a:pPr lvl="1">
-              <a:buSzPct val="25000"/>
-              <a:buFont typeface="StarSymbol"/>
-              <a:buChar char=""/>
-            </a:pPr>
-            <a:r>
-              <a:rPr lang="en-US"/>
-              <a:t>Second Outline Level</a:t>
-            </a:r>
-            <a:endParaRPr/>
-          </a:p>
-          <a:p>
-            <a:pPr lvl="2">
-              <a:buSzPct val="25000"/>
-              <a:buFont typeface="StarSymbol"/>
-              <a:buChar char=""/>
-            </a:pPr>
-            <a:r>
-              <a:rPr lang="en-US"/>
-              <a:t>Third Outline Level</a:t>
-            </a:r>
-            <a:endParaRPr/>
-          </a:p>
-          <a:p>
-            <a:pPr lvl="3">
-              <a:buSzPct val="25000"/>
-              <a:buFont typeface="StarSymbol"/>
-              <a:buChar char=""/>
-            </a:pPr>
-            <a:r>
-              <a:rPr lang="en-US"/>
-              <a:t>Fourth Outline Level</a:t>
-            </a:r>
-            <a:endParaRPr/>
-          </a:p>
-          <a:p>
-            <a:pPr lvl="4">
-              <a:buSzPct val="25000"/>
-              <a:buFont typeface="StarSymbol"/>
-              <a:buChar char=""/>
-            </a:pPr>
-            <a:r>
-              <a:rPr lang="en-US"/>
-              <a:t>Fifth Outline Level</a:t>
-            </a:r>
-            <a:endParaRPr/>
-          </a:p>
-          <a:p>
-            <a:pPr lvl="5">
-              <a:buSzPct val="25000"/>
-              <a:buFont typeface="StarSymbol"/>
-              <a:buChar char=""/>
-            </a:pPr>
-            <a:r>
-              <a:rPr lang="en-US"/>
-              <a:t>Sixth Outline Level</a:t>
-            </a:r>
-            <a:endParaRPr/>
-          </a:p>
-          <a:p>
-            <a:pPr lvl="6">
-              <a:buSzPct val="25000"/>
-              <a:buFont typeface="StarSymbol"/>
-              <a:buChar char=""/>
-            </a:pPr>
-            <a:r>
-              <a:rPr lang="en-US"/>
-              <a:t>Seventh Outline Level</a:t>
-            </a:r>
-            <a:endParaRPr/>
-          </a:p>
-        </p:txBody>
-      </p:sp>
-      <p:sp>
-        <p:nvSpPr>
-          <p:cNvPr id="84" name="PlaceHolder 3"/>
-          <p:cNvSpPr>
-            <a:spLocks noGrp="1"/>
-          </p:cNvSpPr>
-          <p:nvPr>
-            <p:ph type="dt"/>
-          </p:nvPr>
-        </p:nvSpPr>
-        <p:spPr>
-          <a:xfrm>
-            <a:off x="504000" y="6886800"/>
-            <a:ext cx="2348280" cy="521280"/>
-          </a:xfrm>
-          <a:prstGeom prst="rect">
-            <a:avLst/>
-          </a:prstGeom>
-        </p:spPr>
-        <p:txBody>
-          <a:bodyPr bIns="0" lIns="0" rIns="0" tIns="0" wrap="none"/>
-          <a:p>
-            <a:r>
-              <a:rPr lang="en-US"/>
-              <a:t>&lt;date/time&gt;</a:t>
-            </a:r>
-            <a:endParaRPr/>
-          </a:p>
-        </p:txBody>
-      </p:sp>
-      <p:sp>
-        <p:nvSpPr>
-          <p:cNvPr id="85" name="PlaceHolder 4"/>
-          <p:cNvSpPr>
-            <a:spLocks noGrp="1"/>
-          </p:cNvSpPr>
-          <p:nvPr>
-            <p:ph type="ftr"/>
-          </p:nvPr>
-        </p:nvSpPr>
-        <p:spPr>
-          <a:xfrm>
-            <a:off x="3447360" y="6886800"/>
-            <a:ext cx="3195360" cy="521280"/>
-          </a:xfrm>
-          <a:prstGeom prst="rect">
-            <a:avLst/>
-          </a:prstGeom>
-        </p:spPr>
-        <p:txBody>
-          <a:bodyPr bIns="0" lIns="0" rIns="0" tIns="0" wrap="none"/>
-          <a:p>
-            <a:pPr algn="ctr"/>
-            <a:r>
-              <a:rPr lang="en-US"/>
-              <a:t>&lt;footer&gt;</a:t>
-            </a:r>
-            <a:endParaRPr/>
-          </a:p>
-        </p:txBody>
-      </p:sp>
-      <p:sp>
-        <p:nvSpPr>
-          <p:cNvPr id="86" name="PlaceHolder 5"/>
-          <p:cNvSpPr>
-            <a:spLocks noGrp="1"/>
-          </p:cNvSpPr>
-          <p:nvPr>
-            <p:ph type="sldNum"/>
-          </p:nvPr>
-        </p:nvSpPr>
-        <p:spPr>
-          <a:xfrm>
-            <a:off x="7227720" y="6886800"/>
-            <a:ext cx="2348280" cy="521280"/>
-          </a:xfrm>
-          <a:prstGeom prst="rect">
-            <a:avLst/>
-          </a:prstGeom>
-        </p:spPr>
-        <p:txBody>
-          <a:bodyPr bIns="0" lIns="0" rIns="0" tIns="0" wrap="none"/>
-          <a:p>
-            <a:pPr algn="r"/>
-            <a:fld id="{38B667BC-788D-4F32-B8FC-0D7668E7BD09}" type="slidenum">
-              <a:rPr lang="en-US"/>
-              <a:t>&lt;number&gt;</a:t>
-            </a:fld>
-            <a:endParaRPr/>
-          </a:p>
-        </p:txBody>
-      </p:sp>
-    </p:spTree>
-  </p:cSld>
-  <p:clrMap accent1="accent1" accent2="accent2" accent3="accent3" accent4="accent4" accent5="accent5" accent6="accent6" bg1="lt1" bg2="lt2" folHlink="folHlink" hlink="hlink" tx1="dk1" tx2="dk2"/>
-  <p:sldLayoutIdLst>
-    <p:sldLayoutId id="2147483675" r:id="rId2"/>
-    <p:sldLayoutId id="2147483676" r:id="rId3"/>
-    <p:sldLayoutId id="2147483677" r:id="rId4"/>
-    <p:sldLayoutId id="2147483678" r:id="rId5"/>
-    <p:sldLayoutId id="2147483679" r:id="rId6"/>
-    <p:sldLayoutId id="2147483680" r:id="rId7"/>
-    <p:sldLayoutId id="2147483681" r:id="rId8"/>
-    <p:sldLayoutId id="2147483682" r:id="rId9"/>
-    <p:sldLayoutId id="2147483683" r:id="rId10"/>
-    <p:sldLayoutId id="2147483684" r:id="rId11"/>
-    <p:sldLayoutId id="2147483685" r:id="rId12"/>
-    <p:sldLayoutId id="2147483686" r:id="rId13"/>
-  </p:sldLayoutIdLst>
-</p:sldMaster>
-</file>
-
-<file path=ppt/slideMasters/slideMaster4.xml><?xml version="1.0" encoding="utf-8"?>
-<p:sldMaster xmlns:a="http://schemas.openxmlformats.org/drawingml/2006/main" xmlns:p="http://schemas.openxmlformats.org/presentationml/2006/main" xmlns:r="http://schemas.openxmlformats.org/officeDocument/2006/relationships">
-  <p:cSld>
-    <p:spTree>
-      <p:nvGrpSpPr>
-        <p:cNvPr id="1" name=""/>
-        <p:cNvGrpSpPr/>
-        <p:nvPr/>
-      </p:nvGrpSpPr>
-      <p:grpSpPr>
-        <a:xfrm>
-          <a:off x="0" y="0"/>
-          <a:ext cx="0" cy="0"/>
-          <a:chOff x="0" y="0"/>
-          <a:chExt cx="0" cy="0"/>
-        </a:xfrm>
-      </p:grpSpPr>
       <p:pic>
         <p:nvPicPr>
-          <p:cNvPr descr="" id="121" name=""/>
+          <p:cNvPr descr="" id="37" name=""/>
           <p:cNvPicPr/>
           <p:nvPr/>
         </p:nvPicPr>
@@ -5831,7 +2895,7 @@
         <p:spPr>
           <a:xfrm>
             <a:off x="360" y="0"/>
-            <a:ext cx="10080360" cy="7559280"/>
+            <a:ext cx="10080000" cy="7558920"/>
           </a:xfrm>
           <a:prstGeom prst="rect">
             <a:avLst/>
@@ -5840,7 +2904,7 @@
       </p:pic>
       <p:sp>
         <p:nvSpPr>
-          <p:cNvPr id="122" name="PlaceHolder 1"/>
+          <p:cNvPr id="38" name="PlaceHolder 1"/>
           <p:cNvSpPr>
             <a:spLocks noGrp="1"/>
           </p:cNvSpPr>
@@ -5850,8 +2914,8 @@
         </p:nvSpPr>
         <p:spPr>
           <a:xfrm>
-            <a:off x="432000" y="647640"/>
-            <a:ext cx="7056360" cy="648000"/>
+            <a:off x="504000" y="301320"/>
+            <a:ext cx="9072000" cy="1261800"/>
           </a:xfrm>
           <a:prstGeom prst="rect">
             <a:avLst/>
@@ -5860,17 +2924,18 @@
         <p:txBody>
           <a:bodyPr anchor="ctr" bIns="0" lIns="0" rIns="0" tIns="0" wrap="none"/>
           <a:p>
-            <a:r>
-              <a:rPr lang="en-US"/>
-              <a:t>CLIQUE PARA EDITAR O FORMATO DO TEXTO DO TÍTULO</a:t>
-            </a:r>
-            <a:endParaRPr/>
-          </a:p>
-        </p:txBody>
-      </p:sp>
-      <p:sp>
-        <p:nvSpPr>
-          <p:cNvPr id="123" name="PlaceHolder 2"/>
+            <a:pPr algn="ctr"/>
+            <a:r>
+              <a:rPr lang="en-US"/>
+              <a:t>Click to edit the title text format</a:t>
+            </a:r>
+            <a:endParaRPr/>
+          </a:p>
+        </p:txBody>
+      </p:sp>
+      <p:sp>
+        <p:nvSpPr>
+          <p:cNvPr id="39" name="PlaceHolder 2"/>
           <p:cNvSpPr>
             <a:spLocks noGrp="1"/>
           </p:cNvSpPr>
@@ -5880,8 +2945,8 @@
         </p:nvSpPr>
         <p:spPr>
           <a:xfrm>
-            <a:off x="504000" y="2094840"/>
-            <a:ext cx="8870760" cy="4384440"/>
+            <a:off x="504000" y="1768680"/>
+            <a:ext cx="9072000" cy="4384080"/>
           </a:xfrm>
           <a:prstGeom prst="rect">
             <a:avLst/>
@@ -5897,7 +2962,7 @@
             </a:pPr>
             <a:r>
               <a:rPr lang="en-US"/>
-              <a:t>Clique para editar o formato do texto da estrutura de tópicos</a:t>
+              <a:t>Click to edit the outline text format</a:t>
             </a:r>
             <a:endParaRPr/>
           </a:p>
@@ -5909,7 +2974,7 @@
             </a:pPr>
             <a:r>
               <a:rPr lang="en-US"/>
-              <a:t>2.º Nível da estrutura de tópicos</a:t>
+              <a:t>Second Outline Level</a:t>
             </a:r>
             <a:endParaRPr/>
           </a:p>
@@ -5921,7 +2986,7 @@
             </a:pPr>
             <a:r>
               <a:rPr lang="en-US"/>
-              <a:t>3.º Nível da estrutura de tópicos</a:t>
+              <a:t>Third Outline Level</a:t>
             </a:r>
             <a:endParaRPr/>
           </a:p>
@@ -5933,7 +2998,7 @@
             </a:pPr>
             <a:r>
               <a:rPr lang="en-US"/>
-              <a:t>4.º Nível da estrutura de tópicos</a:t>
+              <a:t>Fourth Outline Level</a:t>
             </a:r>
             <a:endParaRPr/>
           </a:p>
@@ -5945,7 +3010,7 @@
             </a:pPr>
             <a:r>
               <a:rPr lang="en-US"/>
-              <a:t>5.º Nível da estrutura de tópicos</a:t>
+              <a:t>Fifth Outline Level</a:t>
             </a:r>
             <a:endParaRPr/>
           </a:p>
@@ -5957,7 +3022,7 @@
             </a:pPr>
             <a:r>
               <a:rPr lang="en-US"/>
-              <a:t>6.º Nível da estrutura de tópicos</a:t>
+              <a:t>Sixth Outline Level</a:t>
             </a:r>
             <a:endParaRPr/>
           </a:p>
@@ -5969,100 +3034,8 @@
             </a:pPr>
             <a:r>
               <a:rPr lang="en-US"/>
-              <a:t>7.º Nível da estrutura de tópicos</a:t>
-            </a:r>
-            <a:endParaRPr/>
-          </a:p>
-        </p:txBody>
-      </p:sp>
-      <p:sp>
-        <p:nvSpPr>
-          <p:cNvPr id="124" name="PlaceHolder 3"/>
-          <p:cNvSpPr>
-            <a:spLocks noGrp="1"/>
-          </p:cNvSpPr>
-          <p:nvPr>
-            <p:ph type="dt"/>
-          </p:nvPr>
-        </p:nvSpPr>
-        <p:spPr>
-          <a:xfrm>
-            <a:off x="504000" y="6551640"/>
-            <a:ext cx="2348280" cy="521280"/>
-          </a:xfrm>
-          <a:prstGeom prst="rect">
-            <a:avLst/>
-          </a:prstGeom>
-        </p:spPr>
-        <p:txBody>
-          <a:bodyPr bIns="0" lIns="0" rIns="0" tIns="0" wrap="none"/>
-          <a:p>
-            <a:r>
-              <a:rPr lang="en-US" sz="1400"/>
-              <a:t>&lt;date/time&gt;</a:t>
-            </a:r>
-            <a:endParaRPr/>
-          </a:p>
-        </p:txBody>
-      </p:sp>
-      <p:sp>
-        <p:nvSpPr>
-          <p:cNvPr id="125" name="PlaceHolder 4"/>
-          <p:cNvSpPr>
-            <a:spLocks noGrp="1"/>
-          </p:cNvSpPr>
-          <p:nvPr>
-            <p:ph type="ftr"/>
-          </p:nvPr>
-        </p:nvSpPr>
-        <p:spPr>
-          <a:xfrm>
-            <a:off x="3447360" y="6551640"/>
-            <a:ext cx="3195360" cy="521280"/>
-          </a:xfrm>
-          <a:prstGeom prst="rect">
-            <a:avLst/>
-          </a:prstGeom>
-        </p:spPr>
-        <p:txBody>
-          <a:bodyPr bIns="0" lIns="0" rIns="0" tIns="0" wrap="none"/>
-          <a:p>
-            <a:pPr algn="ctr"/>
-            <a:r>
-              <a:rPr lang="en-US" sz="1400"/>
-              <a:t>&lt;footer&gt;</a:t>
-            </a:r>
-            <a:endParaRPr/>
-          </a:p>
-        </p:txBody>
-      </p:sp>
-      <p:sp>
-        <p:nvSpPr>
-          <p:cNvPr id="126" name="PlaceHolder 5"/>
-          <p:cNvSpPr>
-            <a:spLocks noGrp="1"/>
-          </p:cNvSpPr>
-          <p:nvPr>
-            <p:ph type="sldNum"/>
-          </p:nvPr>
-        </p:nvSpPr>
-        <p:spPr>
-          <a:xfrm>
-            <a:off x="7227720" y="6534360"/>
-            <a:ext cx="2348280" cy="521280"/>
-          </a:xfrm>
-          <a:prstGeom prst="rect">
-            <a:avLst/>
-          </a:prstGeom>
-        </p:spPr>
-        <p:txBody>
-          <a:bodyPr bIns="0" lIns="0" rIns="0" tIns="0" wrap="none"/>
-          <a:p>
-            <a:pPr algn="r"/>
-            <a:fld id="{F189363B-B814-4633-9F3B-7923860A3299}" type="slidenum">
-              <a:rPr lang="en-US" sz="1400"/>
-              <a:t>&lt;number&gt;</a:t>
-            </a:fld>
+              <a:t>Seventh Outline Level</a:t>
+            </a:r>
             <a:endParaRPr/>
           </a:p>
         </p:txBody>
@@ -6071,18 +3044,18 @@
   </p:cSld>
   <p:clrMap accent1="accent1" accent2="accent2" accent3="accent3" accent4="accent4" accent5="accent5" accent6="accent6" bg1="lt1" bg2="lt2" folHlink="folHlink" hlink="hlink" tx1="dk1" tx2="dk2"/>
   <p:sldLayoutIdLst>
-    <p:sldLayoutId id="2147483688" r:id="rId3"/>
-    <p:sldLayoutId id="2147483689" r:id="rId4"/>
-    <p:sldLayoutId id="2147483690" r:id="rId5"/>
-    <p:sldLayoutId id="2147483691" r:id="rId6"/>
-    <p:sldLayoutId id="2147483692" r:id="rId7"/>
-    <p:sldLayoutId id="2147483693" r:id="rId8"/>
-    <p:sldLayoutId id="2147483694" r:id="rId9"/>
-    <p:sldLayoutId id="2147483695" r:id="rId10"/>
-    <p:sldLayoutId id="2147483696" r:id="rId11"/>
-    <p:sldLayoutId id="2147483697" r:id="rId12"/>
-    <p:sldLayoutId id="2147483698" r:id="rId13"/>
-    <p:sldLayoutId id="2147483699" r:id="rId14"/>
+    <p:sldLayoutId id="2147483662" r:id="rId3"/>
+    <p:sldLayoutId id="2147483663" r:id="rId4"/>
+    <p:sldLayoutId id="2147483664" r:id="rId5"/>
+    <p:sldLayoutId id="2147483665" r:id="rId6"/>
+    <p:sldLayoutId id="2147483666" r:id="rId7"/>
+    <p:sldLayoutId id="2147483667" r:id="rId8"/>
+    <p:sldLayoutId id="2147483668" r:id="rId9"/>
+    <p:sldLayoutId id="2147483669" r:id="rId10"/>
+    <p:sldLayoutId id="2147483670" r:id="rId11"/>
+    <p:sldLayoutId id="2147483671" r:id="rId12"/>
+    <p:sldLayoutId id="2147483672" r:id="rId13"/>
+    <p:sldLayoutId id="2147483673" r:id="rId14"/>
   </p:sldLayoutIdLst>
 </p:sldMaster>
 </file>
@@ -6106,14 +3079,14 @@
       </p:grpSpPr>
       <p:sp>
         <p:nvSpPr>
-          <p:cNvPr id="161" name="CustomShape 1"/>
+          <p:cNvPr id="74" name="CustomShape 1"/>
           <p:cNvSpPr/>
           <p:nvPr/>
         </p:nvSpPr>
         <p:spPr>
           <a:xfrm>
             <a:off x="529560" y="2262240"/>
-            <a:ext cx="9071280" cy="1351800"/>
+            <a:ext cx="9070920" cy="1351440"/>
           </a:xfrm>
           <a:prstGeom prst="rect">
             <a:avLst/>
@@ -6133,14 +3106,14 @@
       </p:sp>
       <p:sp>
         <p:nvSpPr>
-          <p:cNvPr id="162" name="CustomShape 2"/>
+          <p:cNvPr id="75" name="CustomShape 2"/>
           <p:cNvSpPr/>
           <p:nvPr/>
         </p:nvSpPr>
         <p:spPr>
           <a:xfrm>
             <a:off x="529560" y="3798720"/>
-            <a:ext cx="9071280" cy="4384080"/>
+            <a:ext cx="9070920" cy="4383720"/>
           </a:xfrm>
           <a:prstGeom prst="rect">
             <a:avLst/>
@@ -6217,14 +3190,14 @@
       </p:grpSpPr>
       <p:sp>
         <p:nvSpPr>
-          <p:cNvPr id="180" name="CustomShape 1"/>
+          <p:cNvPr id="93" name="CustomShape 1"/>
           <p:cNvSpPr/>
           <p:nvPr/>
         </p:nvSpPr>
         <p:spPr>
           <a:xfrm>
             <a:off x="504000" y="301320"/>
-            <a:ext cx="9071280" cy="1351800"/>
+            <a:ext cx="9070920" cy="1351440"/>
           </a:xfrm>
           <a:prstGeom prst="rect">
             <a:avLst/>
@@ -6244,14 +3217,14 @@
       </p:sp>
       <p:sp>
         <p:nvSpPr>
-          <p:cNvPr id="181" name="CustomShape 2"/>
+          <p:cNvPr id="94" name="CustomShape 2"/>
           <p:cNvSpPr/>
           <p:nvPr/>
         </p:nvSpPr>
         <p:spPr>
           <a:xfrm>
             <a:off x="504000" y="1769040"/>
-            <a:ext cx="9071280" cy="4384080"/>
+            <a:ext cx="9070920" cy="4383720"/>
           </a:xfrm>
           <a:prstGeom prst="rect">
             <a:avLst/>
@@ -6279,13 +3252,13 @@
       </p:sp>
       <p:graphicFrame>
         <p:nvGraphicFramePr>
-          <p:cNvPr id="182" name=""/>
+          <p:cNvPr id="95" name=""/>
           <p:cNvGraphicFramePr/>
           <p:nvPr/>
         </p:nvGraphicFramePr>
         <p:xfrm>
           <a:off x="4664160" y="3932640"/>
-          <a:ext cx="5311440" cy="3450240"/>
+          <a:ext cx="5311080" cy="3449880"/>
         </p:xfrm>
         <a:graphic>
           <a:graphicData uri="http://schemas.openxmlformats.org/drawingml/2006/chart">
@@ -6317,14 +3290,14 @@
       </p:grpSpPr>
       <p:sp>
         <p:nvSpPr>
-          <p:cNvPr id="183" name="CustomShape 1"/>
+          <p:cNvPr id="96" name="CustomShape 1"/>
           <p:cNvSpPr/>
           <p:nvPr/>
         </p:nvSpPr>
         <p:spPr>
           <a:xfrm>
             <a:off x="504000" y="301320"/>
-            <a:ext cx="9071280" cy="1351800"/>
+            <a:ext cx="9070920" cy="1351440"/>
           </a:xfrm>
           <a:prstGeom prst="rect">
             <a:avLst/>
@@ -6344,7 +3317,7 @@
       </p:sp>
       <p:pic>
         <p:nvPicPr>
-          <p:cNvPr descr="" id="184" name=""/>
+          <p:cNvPr descr="" id="97" name=""/>
           <p:cNvPicPr/>
           <p:nvPr/>
         </p:nvPicPr>
@@ -6357,7 +3330,7 @@
         <p:spPr>
           <a:xfrm>
             <a:off x="313920" y="2011680"/>
-            <a:ext cx="6360840" cy="1265760"/>
+            <a:ext cx="6360480" cy="1265400"/>
           </a:xfrm>
           <a:prstGeom prst="rect">
             <a:avLst/>
@@ -6366,7 +3339,7 @@
       </p:pic>
       <p:pic>
         <p:nvPicPr>
-          <p:cNvPr descr="" id="185" name=""/>
+          <p:cNvPr descr="" id="98" name=""/>
           <p:cNvPicPr/>
           <p:nvPr/>
         </p:nvPicPr>
@@ -6379,7 +3352,7 @@
         <p:spPr>
           <a:xfrm>
             <a:off x="321480" y="3791520"/>
-            <a:ext cx="7084800" cy="1237320"/>
+            <a:ext cx="7084440" cy="1236960"/>
           </a:xfrm>
           <a:prstGeom prst="rect">
             <a:avLst/>
@@ -6388,14 +3361,14 @@
       </p:pic>
       <p:sp>
         <p:nvSpPr>
-          <p:cNvPr id="186" name="CustomShape 2"/>
+          <p:cNvPr id="99" name="CustomShape 2"/>
           <p:cNvSpPr/>
           <p:nvPr/>
         </p:nvSpPr>
         <p:spPr>
           <a:xfrm>
             <a:off x="434160" y="1603440"/>
-            <a:ext cx="9071280" cy="4384080"/>
+            <a:ext cx="9070920" cy="4383720"/>
           </a:xfrm>
           <a:prstGeom prst="rect">
             <a:avLst/>
@@ -6485,14 +3458,14 @@
       </p:sp>
       <p:sp>
         <p:nvSpPr>
-          <p:cNvPr id="187" name="CustomShape 3"/>
+          <p:cNvPr id="100" name="CustomShape 3"/>
           <p:cNvSpPr/>
           <p:nvPr/>
         </p:nvSpPr>
         <p:spPr>
           <a:xfrm>
             <a:off x="4888800" y="6619680"/>
-            <a:ext cx="2426040" cy="822600"/>
+            <a:ext cx="2425680" cy="822240"/>
           </a:xfrm>
           <a:prstGeom prst="rect">
             <a:avLst/>
@@ -6505,21 +3478,21 @@
               <a:srgbClr val="ffffff"/>
             </a:solidFill>
             <a:custDash>
-              <a:ds d="3500000000" sp="1750000000"/>
+              <a:ds d="35000" sp="1120457856000"/>
             </a:custDash>
           </a:ln>
         </p:spPr>
       </p:sp>
       <p:sp>
         <p:nvSpPr>
-          <p:cNvPr id="188" name="CustomShape 4"/>
+          <p:cNvPr id="101" name="CustomShape 4"/>
           <p:cNvSpPr/>
           <p:nvPr/>
         </p:nvSpPr>
         <p:spPr>
           <a:xfrm>
             <a:off x="1828800" y="6619680"/>
-            <a:ext cx="2834280" cy="822600"/>
+            <a:ext cx="2833920" cy="822240"/>
           </a:xfrm>
           <a:prstGeom prst="rect">
             <a:avLst/>
@@ -6532,14 +3505,14 @@
               <a:srgbClr val="ffffff"/>
             </a:solidFill>
             <a:custDash>
-              <a:ds d="3500000000" sp="1750000000"/>
+              <a:ds d="35000" sp="1120457856000"/>
             </a:custDash>
           </a:ln>
         </p:spPr>
       </p:sp>
       <p:pic>
         <p:nvPicPr>
-          <p:cNvPr descr="" id="189" name=""/>
+          <p:cNvPr descr="" id="102" name=""/>
           <p:cNvPicPr/>
           <p:nvPr/>
         </p:nvPicPr>
@@ -6552,7 +3525,7 @@
         <p:spPr>
           <a:xfrm>
             <a:off x="447480" y="5479560"/>
-            <a:ext cx="8970480" cy="1103760"/>
+            <a:ext cx="8970120" cy="1103400"/>
           </a:xfrm>
           <a:prstGeom prst="rect">
             <a:avLst/>
@@ -6561,7 +3534,7 @@
       </p:pic>
       <p:sp>
         <p:nvSpPr>
-          <p:cNvPr id="190" name="Line 5"/>
+          <p:cNvPr id="103" name="Line 5"/>
           <p:cNvSpPr/>
           <p:nvPr/>
         </p:nvSpPr>
@@ -6583,7 +3556,7 @@
       </p:sp>
       <p:sp>
         <p:nvSpPr>
-          <p:cNvPr id="191" name="Line 6"/>
+          <p:cNvPr id="104" name="Line 6"/>
           <p:cNvSpPr/>
           <p:nvPr/>
         </p:nvSpPr>
@@ -6605,7 +3578,7 @@
       </p:sp>
       <p:sp>
         <p:nvSpPr>
-          <p:cNvPr id="192" name="Line 7"/>
+          <p:cNvPr id="105" name="Line 7"/>
           <p:cNvSpPr/>
           <p:nvPr/>
         </p:nvSpPr>
@@ -6627,7 +3600,7 @@
       </p:sp>
       <p:sp>
         <p:nvSpPr>
-          <p:cNvPr id="193" name="Line 8"/>
+          <p:cNvPr id="106" name="Line 8"/>
           <p:cNvSpPr/>
           <p:nvPr/>
         </p:nvSpPr>
@@ -6649,7 +3622,7 @@
       </p:sp>
       <p:sp>
         <p:nvSpPr>
-          <p:cNvPr id="194" name="Line 9"/>
+          <p:cNvPr id="107" name="Line 9"/>
           <p:cNvSpPr/>
           <p:nvPr/>
         </p:nvSpPr>
@@ -6671,7 +3644,7 @@
       </p:sp>
       <p:sp>
         <p:nvSpPr>
-          <p:cNvPr id="195" name="Line 10"/>
+          <p:cNvPr id="108" name="Line 10"/>
           <p:cNvSpPr/>
           <p:nvPr/>
         </p:nvSpPr>
@@ -6693,7 +3666,7 @@
       </p:sp>
       <p:sp>
         <p:nvSpPr>
-          <p:cNvPr id="196" name="Line 11"/>
+          <p:cNvPr id="109" name="Line 11"/>
           <p:cNvSpPr/>
           <p:nvPr/>
         </p:nvSpPr>
@@ -6715,7 +3688,7 @@
       </p:sp>
       <p:sp>
         <p:nvSpPr>
-          <p:cNvPr id="197" name="Line 12"/>
+          <p:cNvPr id="110" name="Line 12"/>
           <p:cNvSpPr/>
           <p:nvPr/>
         </p:nvSpPr>
@@ -6737,7 +3710,7 @@
       </p:sp>
       <p:pic>
         <p:nvPicPr>
-          <p:cNvPr descr="" id="198" name=""/>
+          <p:cNvPr descr="" id="111" name=""/>
           <p:cNvPicPr/>
           <p:nvPr/>
         </p:nvPicPr>
@@ -6750,7 +3723,7 @@
         <p:spPr>
           <a:xfrm>
             <a:off x="1944000" y="6675120"/>
-            <a:ext cx="2627640" cy="684720"/>
+            <a:ext cx="2627280" cy="684360"/>
           </a:xfrm>
           <a:prstGeom prst="rect">
             <a:avLst/>
@@ -6759,7 +3732,7 @@
       </p:pic>
       <p:sp>
         <p:nvSpPr>
-          <p:cNvPr id="199" name="Line 13"/>
+          <p:cNvPr id="112" name="Line 13"/>
           <p:cNvSpPr/>
           <p:nvPr/>
         </p:nvSpPr>
@@ -6781,7 +3754,7 @@
       </p:sp>
       <p:sp>
         <p:nvSpPr>
-          <p:cNvPr id="200" name="Line 14"/>
+          <p:cNvPr id="113" name="Line 14"/>
           <p:cNvSpPr/>
           <p:nvPr/>
         </p:nvSpPr>
@@ -6803,7 +3776,7 @@
       </p:sp>
       <p:sp>
         <p:nvSpPr>
-          <p:cNvPr id="201" name="Line 15"/>
+          <p:cNvPr id="114" name="Line 15"/>
           <p:cNvSpPr/>
           <p:nvPr/>
         </p:nvSpPr>
@@ -6825,7 +3798,7 @@
       </p:sp>
       <p:sp>
         <p:nvSpPr>
-          <p:cNvPr id="202" name="Line 16"/>
+          <p:cNvPr id="115" name="Line 16"/>
           <p:cNvSpPr/>
           <p:nvPr/>
         </p:nvSpPr>
@@ -6847,7 +3820,7 @@
       </p:sp>
       <p:sp>
         <p:nvSpPr>
-          <p:cNvPr id="203" name="Line 17"/>
+          <p:cNvPr id="116" name="Line 17"/>
           <p:cNvSpPr/>
           <p:nvPr/>
         </p:nvSpPr>
@@ -6869,7 +3842,7 @@
       </p:sp>
       <p:sp>
         <p:nvSpPr>
-          <p:cNvPr id="204" name="Line 18"/>
+          <p:cNvPr id="117" name="Line 18"/>
           <p:cNvSpPr/>
           <p:nvPr/>
         </p:nvSpPr>
@@ -6891,7 +3864,7 @@
       </p:sp>
       <p:sp>
         <p:nvSpPr>
-          <p:cNvPr id="205" name="Line 19"/>
+          <p:cNvPr id="118" name="Line 19"/>
           <p:cNvSpPr/>
           <p:nvPr/>
         </p:nvSpPr>
@@ -6913,7 +3886,7 @@
       </p:sp>
       <p:sp>
         <p:nvSpPr>
-          <p:cNvPr id="206" name="Line 20"/>
+          <p:cNvPr id="119" name="Line 20"/>
           <p:cNvSpPr/>
           <p:nvPr/>
         </p:nvSpPr>
@@ -6935,7 +3908,7 @@
       </p:sp>
       <p:pic>
         <p:nvPicPr>
-          <p:cNvPr descr="" id="207" name=""/>
+          <p:cNvPr descr="" id="120" name=""/>
           <p:cNvPicPr/>
           <p:nvPr/>
         </p:nvPicPr>
@@ -6948,7 +3921,7 @@
         <p:spPr>
           <a:xfrm>
             <a:off x="4967280" y="6675120"/>
-            <a:ext cx="2256120" cy="684720"/>
+            <a:ext cx="2255760" cy="684360"/>
           </a:xfrm>
           <a:prstGeom prst="rect">
             <a:avLst/>
@@ -6979,14 +3952,14 @@
       </p:grpSpPr>
       <p:sp>
         <p:nvSpPr>
-          <p:cNvPr id="208" name="CustomShape 1"/>
+          <p:cNvPr id="121" name="CustomShape 1"/>
           <p:cNvSpPr/>
           <p:nvPr/>
         </p:nvSpPr>
         <p:spPr>
           <a:xfrm>
             <a:off x="504000" y="301320"/>
-            <a:ext cx="9071280" cy="1351800"/>
+            <a:ext cx="9070920" cy="1351440"/>
           </a:xfrm>
           <a:prstGeom prst="rect">
             <a:avLst/>
@@ -7006,14 +3979,14 @@
       </p:sp>
       <p:sp>
         <p:nvSpPr>
-          <p:cNvPr id="209" name="CustomShape 2"/>
+          <p:cNvPr id="122" name="CustomShape 2"/>
           <p:cNvSpPr/>
           <p:nvPr/>
         </p:nvSpPr>
         <p:spPr>
           <a:xfrm>
             <a:off x="504000" y="1769040"/>
-            <a:ext cx="9071280" cy="4384080"/>
+            <a:ext cx="9070920" cy="4383720"/>
           </a:xfrm>
           <a:prstGeom prst="rect">
             <a:avLst/>
@@ -7023,7 +3996,7 @@
       </p:sp>
       <p:pic>
         <p:nvPicPr>
-          <p:cNvPr descr="" id="210" name=""/>
+          <p:cNvPr descr="" id="123" name=""/>
           <p:cNvPicPr/>
           <p:nvPr/>
         </p:nvPicPr>
@@ -7036,7 +4009,7 @@
         <p:spPr>
           <a:xfrm>
             <a:off x="0" y="1410480"/>
-            <a:ext cx="10079280" cy="5221080"/>
+            <a:ext cx="10078920" cy="5220720"/>
           </a:xfrm>
           <a:prstGeom prst="rect">
             <a:avLst/>
@@ -7067,14 +4040,14 @@
       </p:grpSpPr>
       <p:sp>
         <p:nvSpPr>
-          <p:cNvPr id="211" name="CustomShape 1"/>
+          <p:cNvPr id="124" name="CustomShape 1"/>
           <p:cNvSpPr/>
           <p:nvPr/>
         </p:nvSpPr>
         <p:spPr>
           <a:xfrm>
             <a:off x="504000" y="-58680"/>
-            <a:ext cx="9071280" cy="1351800"/>
+            <a:ext cx="9070920" cy="1351440"/>
           </a:xfrm>
           <a:prstGeom prst="rect">
             <a:avLst/>
@@ -7094,14 +4067,14 @@
       </p:sp>
       <p:sp>
         <p:nvSpPr>
-          <p:cNvPr id="212" name="CustomShape 2"/>
+          <p:cNvPr id="125" name="CustomShape 2"/>
           <p:cNvSpPr/>
           <p:nvPr/>
         </p:nvSpPr>
         <p:spPr>
           <a:xfrm>
             <a:off x="504000" y="1769040"/>
-            <a:ext cx="9071280" cy="4384080"/>
+            <a:ext cx="9070920" cy="4383720"/>
           </a:xfrm>
           <a:prstGeom prst="rect">
             <a:avLst/>
@@ -7111,7 +4084,7 @@
       </p:sp>
       <p:pic>
         <p:nvPicPr>
-          <p:cNvPr descr="" id="213" name=""/>
+          <p:cNvPr descr="" id="126" name=""/>
           <p:cNvPicPr/>
           <p:nvPr/>
         </p:nvPicPr>
@@ -7124,7 +4097,7 @@
         <p:spPr>
           <a:xfrm>
             <a:off x="0" y="6130800"/>
-            <a:ext cx="10079280" cy="726840"/>
+            <a:ext cx="10078920" cy="726480"/>
           </a:xfrm>
           <a:prstGeom prst="rect">
             <a:avLst/>
@@ -7133,7 +4106,7 @@
       </p:pic>
       <p:sp>
         <p:nvSpPr>
-          <p:cNvPr id="214" name="Line 3"/>
+          <p:cNvPr id="127" name="Line 3"/>
           <p:cNvSpPr/>
           <p:nvPr/>
         </p:nvSpPr>
@@ -7155,7 +4128,7 @@
       </p:sp>
       <p:sp>
         <p:nvSpPr>
-          <p:cNvPr id="215" name="Line 4"/>
+          <p:cNvPr id="128" name="Line 4"/>
           <p:cNvSpPr/>
           <p:nvPr/>
         </p:nvSpPr>
@@ -7177,7 +4150,7 @@
       </p:sp>
       <p:sp>
         <p:nvSpPr>
-          <p:cNvPr id="216" name="Line 5"/>
+          <p:cNvPr id="129" name="Line 5"/>
           <p:cNvSpPr/>
           <p:nvPr/>
         </p:nvSpPr>
@@ -7199,7 +4172,7 @@
       </p:sp>
       <p:sp>
         <p:nvSpPr>
-          <p:cNvPr id="217" name="Line 6"/>
+          <p:cNvPr id="130" name="Line 6"/>
           <p:cNvSpPr/>
           <p:nvPr/>
         </p:nvSpPr>
@@ -7221,7 +4194,7 @@
       </p:sp>
       <p:pic>
         <p:nvPicPr>
-          <p:cNvPr descr="" id="218" name=""/>
+          <p:cNvPr descr="" id="131" name=""/>
           <p:cNvPicPr/>
           <p:nvPr/>
         </p:nvPicPr>
@@ -7234,7 +4207,7 @@
         <p:spPr>
           <a:xfrm>
             <a:off x="360" y="887760"/>
-            <a:ext cx="10079280" cy="5199840"/>
+            <a:ext cx="10078920" cy="5199480"/>
           </a:xfrm>
           <a:prstGeom prst="rect">
             <a:avLst/>
@@ -7265,14 +4238,14 @@
       </p:grpSpPr>
       <p:sp>
         <p:nvSpPr>
-          <p:cNvPr id="219" name="CustomShape 1"/>
+          <p:cNvPr id="132" name="CustomShape 1"/>
           <p:cNvSpPr/>
           <p:nvPr/>
         </p:nvSpPr>
         <p:spPr>
           <a:xfrm>
             <a:off x="504000" y="301320"/>
-            <a:ext cx="9071280" cy="1351800"/>
+            <a:ext cx="9070920" cy="1351440"/>
           </a:xfrm>
           <a:prstGeom prst="rect">
             <a:avLst/>
@@ -7292,14 +4265,14 @@
       </p:sp>
       <p:sp>
         <p:nvSpPr>
-          <p:cNvPr id="220" name="CustomShape 2"/>
+          <p:cNvPr id="133" name="CustomShape 2"/>
           <p:cNvSpPr/>
           <p:nvPr/>
         </p:nvSpPr>
         <p:spPr>
           <a:xfrm>
             <a:off x="504000" y="1769040"/>
-            <a:ext cx="9071280" cy="4384080"/>
+            <a:ext cx="9070920" cy="4383720"/>
           </a:xfrm>
           <a:prstGeom prst="rect">
             <a:avLst/>
@@ -7309,7 +4282,7 @@
       </p:sp>
       <p:pic>
         <p:nvPicPr>
-          <p:cNvPr descr="" id="221" name=""/>
+          <p:cNvPr descr="" id="134" name=""/>
           <p:cNvPicPr/>
           <p:nvPr/>
         </p:nvPicPr>
@@ -7322,7 +4295,7 @@
         <p:spPr>
           <a:xfrm>
             <a:off x="732600" y="2286000"/>
-            <a:ext cx="5484960" cy="1437120"/>
+            <a:ext cx="5484600" cy="1436760"/>
           </a:xfrm>
           <a:prstGeom prst="rect">
             <a:avLst/>
@@ -7331,14 +4304,14 @@
       </p:pic>
       <p:sp>
         <p:nvSpPr>
-          <p:cNvPr id="222" name="CustomShape 3"/>
+          <p:cNvPr id="135" name="CustomShape 3"/>
           <p:cNvSpPr/>
           <p:nvPr/>
         </p:nvSpPr>
         <p:spPr>
           <a:xfrm>
             <a:off x="434520" y="1603800"/>
-            <a:ext cx="9071280" cy="4384080"/>
+            <a:ext cx="9070920" cy="4383720"/>
           </a:xfrm>
           <a:prstGeom prst="rect">
             <a:avLst/>
@@ -7405,7 +4378,7 @@
       </p:sp>
       <p:pic>
         <p:nvPicPr>
-          <p:cNvPr descr="" id="223" name=""/>
+          <p:cNvPr descr="" id="136" name=""/>
           <p:cNvPicPr/>
           <p:nvPr/>
         </p:nvPicPr>
@@ -7418,7 +4391,7 @@
         <p:spPr>
           <a:xfrm>
             <a:off x="824040" y="4663440"/>
-            <a:ext cx="5484960" cy="1056240"/>
+            <a:ext cx="5484600" cy="1055880"/>
           </a:xfrm>
           <a:prstGeom prst="rect">
             <a:avLst/>
@@ -7449,14 +4422,14 @@
       </p:grpSpPr>
       <p:sp>
         <p:nvSpPr>
-          <p:cNvPr id="224" name="CustomShape 1"/>
+          <p:cNvPr id="137" name="CustomShape 1"/>
           <p:cNvSpPr/>
           <p:nvPr/>
         </p:nvSpPr>
         <p:spPr>
           <a:xfrm>
             <a:off x="504000" y="301320"/>
-            <a:ext cx="9071280" cy="1351800"/>
+            <a:ext cx="9070920" cy="1351440"/>
           </a:xfrm>
           <a:prstGeom prst="rect">
             <a:avLst/>
@@ -7476,14 +4449,14 @@
       </p:sp>
       <p:sp>
         <p:nvSpPr>
-          <p:cNvPr id="225" name="CustomShape 2"/>
+          <p:cNvPr id="138" name="CustomShape 2"/>
           <p:cNvSpPr/>
           <p:nvPr/>
         </p:nvSpPr>
         <p:spPr>
           <a:xfrm>
             <a:off x="504000" y="1769040"/>
-            <a:ext cx="9071280" cy="4384080"/>
+            <a:ext cx="9070920" cy="4383720"/>
           </a:xfrm>
           <a:prstGeom prst="rect">
             <a:avLst/>
@@ -7608,14 +4581,14 @@
       </p:grpSpPr>
       <p:sp>
         <p:nvSpPr>
-          <p:cNvPr id="226" name="CustomShape 1"/>
+          <p:cNvPr id="139" name="CustomShape 1"/>
           <p:cNvSpPr/>
           <p:nvPr/>
         </p:nvSpPr>
         <p:spPr>
           <a:xfrm>
             <a:off x="504000" y="301320"/>
-            <a:ext cx="9071280" cy="1351800"/>
+            <a:ext cx="9070920" cy="1351440"/>
           </a:xfrm>
           <a:prstGeom prst="rect">
             <a:avLst/>
@@ -7635,7 +4608,7 @@
       </p:sp>
       <p:pic>
         <p:nvPicPr>
-          <p:cNvPr descr="" id="227" name="Picture 2"/>
+          <p:cNvPr descr="" id="140" name="Picture 2"/>
           <p:cNvPicPr/>
           <p:nvPr/>
         </p:nvPicPr>
@@ -7648,7 +4621,7 @@
         <p:spPr>
           <a:xfrm>
             <a:off x="713520" y="2194560"/>
-            <a:ext cx="8430120" cy="3545640"/>
+            <a:ext cx="8429760" cy="3545280"/>
           </a:xfrm>
           <a:prstGeom prst="rect">
             <a:avLst/>
@@ -7657,14 +4630,14 @@
       </p:pic>
       <p:sp>
         <p:nvSpPr>
-          <p:cNvPr id="228" name="CustomShape 2"/>
+          <p:cNvPr id="141" name="CustomShape 2"/>
           <p:cNvSpPr/>
           <p:nvPr/>
         </p:nvSpPr>
         <p:spPr>
           <a:xfrm>
             <a:off x="504000" y="1769040"/>
-            <a:ext cx="6170760" cy="789480"/>
+            <a:ext cx="6170400" cy="789120"/>
           </a:xfrm>
           <a:prstGeom prst="rect">
             <a:avLst/>
@@ -7706,14 +4679,14 @@
       </p:grpSpPr>
       <p:sp>
         <p:nvSpPr>
-          <p:cNvPr id="229" name="CustomShape 1"/>
+          <p:cNvPr id="142" name="CustomShape 1"/>
           <p:cNvSpPr/>
           <p:nvPr/>
         </p:nvSpPr>
         <p:spPr>
           <a:xfrm>
             <a:off x="504000" y="301320"/>
-            <a:ext cx="9071280" cy="1351800"/>
+            <a:ext cx="9070920" cy="1351440"/>
           </a:xfrm>
           <a:prstGeom prst="rect">
             <a:avLst/>
@@ -7733,14 +4706,14 @@
       </p:sp>
       <p:sp>
         <p:nvSpPr>
-          <p:cNvPr id="230" name="CustomShape 2"/>
+          <p:cNvPr id="143" name="CustomShape 2"/>
           <p:cNvSpPr/>
           <p:nvPr/>
         </p:nvSpPr>
         <p:spPr>
           <a:xfrm>
             <a:off x="504000" y="1769040"/>
-            <a:ext cx="9071280" cy="4384080"/>
+            <a:ext cx="9070920" cy="4383720"/>
           </a:xfrm>
           <a:prstGeom prst="rect">
             <a:avLst/>
@@ -7768,7 +4741,7 @@
       </p:sp>
       <p:pic>
         <p:nvPicPr>
-          <p:cNvPr descr="" id="231" name="Picture 2"/>
+          <p:cNvPr descr="" id="144" name="Picture 2"/>
           <p:cNvPicPr/>
           <p:nvPr/>
         </p:nvPicPr>
@@ -7781,7 +4754,7 @@
         <p:spPr>
           <a:xfrm>
             <a:off x="1005840" y="2411280"/>
-            <a:ext cx="8609760" cy="4263480"/>
+            <a:ext cx="8609400" cy="4263120"/>
           </a:xfrm>
           <a:prstGeom prst="rect">
             <a:avLst/>
@@ -7812,14 +4785,14 @@
       </p:grpSpPr>
       <p:sp>
         <p:nvSpPr>
-          <p:cNvPr id="232" name="CustomShape 1"/>
+          <p:cNvPr id="145" name="CustomShape 1"/>
           <p:cNvSpPr/>
           <p:nvPr/>
         </p:nvSpPr>
         <p:spPr>
           <a:xfrm>
             <a:off x="504000" y="301320"/>
-            <a:ext cx="9071280" cy="1351800"/>
+            <a:ext cx="9070920" cy="1351440"/>
           </a:xfrm>
           <a:prstGeom prst="rect">
             <a:avLst/>
@@ -7839,14 +4812,14 @@
       </p:sp>
       <p:sp>
         <p:nvSpPr>
-          <p:cNvPr id="233" name="CustomShape 2"/>
+          <p:cNvPr id="146" name="CustomShape 2"/>
           <p:cNvSpPr/>
           <p:nvPr/>
         </p:nvSpPr>
         <p:spPr>
           <a:xfrm>
             <a:off x="504000" y="1769040"/>
-            <a:ext cx="9071280" cy="4384080"/>
+            <a:ext cx="9070920" cy="4383720"/>
           </a:xfrm>
           <a:prstGeom prst="rect">
             <a:avLst/>
@@ -7874,7 +4847,7 @@
       </p:sp>
       <p:pic>
         <p:nvPicPr>
-          <p:cNvPr descr="" id="234" name="Picture 2"/>
+          <p:cNvPr descr="" id="147" name="Picture 2"/>
           <p:cNvPicPr/>
           <p:nvPr/>
         </p:nvPicPr>
@@ -7887,7 +4860,7 @@
         <p:spPr>
           <a:xfrm>
             <a:off x="2926080" y="1645920"/>
-            <a:ext cx="6733440" cy="5120280"/>
+            <a:ext cx="6733080" cy="5119920"/>
           </a:xfrm>
           <a:prstGeom prst="rect">
             <a:avLst/>
@@ -7918,14 +4891,14 @@
       </p:grpSpPr>
       <p:sp>
         <p:nvSpPr>
-          <p:cNvPr id="235" name="CustomShape 1"/>
+          <p:cNvPr id="148" name="CustomShape 1"/>
           <p:cNvSpPr/>
           <p:nvPr/>
         </p:nvSpPr>
         <p:spPr>
           <a:xfrm>
             <a:off x="504000" y="301320"/>
-            <a:ext cx="9071280" cy="1351800"/>
+            <a:ext cx="9070920" cy="1351440"/>
           </a:xfrm>
           <a:prstGeom prst="rect">
             <a:avLst/>
@@ -7945,14 +4918,14 @@
       </p:sp>
       <p:sp>
         <p:nvSpPr>
-          <p:cNvPr id="236" name="CustomShape 2"/>
+          <p:cNvPr id="149" name="CustomShape 2"/>
           <p:cNvSpPr/>
           <p:nvPr/>
         </p:nvSpPr>
         <p:spPr>
           <a:xfrm>
             <a:off x="504000" y="1769040"/>
-            <a:ext cx="9071280" cy="4384080"/>
+            <a:ext cx="9070920" cy="4383720"/>
           </a:xfrm>
           <a:prstGeom prst="rect">
             <a:avLst/>
@@ -7980,7 +4953,7 @@
       </p:sp>
       <p:pic>
         <p:nvPicPr>
-          <p:cNvPr descr="" id="237" name="Picture 3"/>
+          <p:cNvPr descr="" id="150" name="Picture 3"/>
           <p:cNvPicPr/>
           <p:nvPr/>
         </p:nvPicPr>
@@ -7993,7 +4966,7 @@
         <p:spPr>
           <a:xfrm>
             <a:off x="1188720" y="2175480"/>
-            <a:ext cx="8060760" cy="4956480"/>
+            <a:ext cx="8060400" cy="4956120"/>
           </a:xfrm>
           <a:prstGeom prst="rect">
             <a:avLst/>
@@ -8024,14 +4997,14 @@
       </p:grpSpPr>
       <p:sp>
         <p:nvSpPr>
-          <p:cNvPr id="163" name="CustomShape 1"/>
+          <p:cNvPr id="76" name="CustomShape 1"/>
           <p:cNvSpPr/>
           <p:nvPr/>
         </p:nvSpPr>
         <p:spPr>
           <a:xfrm>
             <a:off x="504000" y="301320"/>
-            <a:ext cx="9071280" cy="1351800"/>
+            <a:ext cx="9070920" cy="1351440"/>
           </a:xfrm>
           <a:prstGeom prst="rect">
             <a:avLst/>
@@ -8051,14 +5024,14 @@
       </p:sp>
       <p:sp>
         <p:nvSpPr>
-          <p:cNvPr id="164" name="CustomShape 2"/>
+          <p:cNvPr id="77" name="CustomShape 2"/>
           <p:cNvSpPr/>
           <p:nvPr/>
         </p:nvSpPr>
         <p:spPr>
           <a:xfrm>
             <a:off x="504000" y="1769040"/>
-            <a:ext cx="9071280" cy="4384080"/>
+            <a:ext cx="9070920" cy="4383720"/>
           </a:xfrm>
           <a:prstGeom prst="rect">
             <a:avLst/>
@@ -8204,14 +5177,14 @@
       </p:grpSpPr>
       <p:sp>
         <p:nvSpPr>
-          <p:cNvPr id="238" name="CustomShape 1"/>
+          <p:cNvPr id="151" name="CustomShape 1"/>
           <p:cNvSpPr/>
           <p:nvPr/>
         </p:nvSpPr>
         <p:spPr>
           <a:xfrm>
             <a:off x="504000" y="301320"/>
-            <a:ext cx="9071280" cy="1351800"/>
+            <a:ext cx="9070920" cy="1351440"/>
           </a:xfrm>
           <a:prstGeom prst="rect">
             <a:avLst/>
@@ -8231,14 +5204,14 @@
       </p:sp>
       <p:sp>
         <p:nvSpPr>
-          <p:cNvPr id="239" name="CustomShape 2"/>
+          <p:cNvPr id="152" name="CustomShape 2"/>
           <p:cNvSpPr/>
           <p:nvPr/>
         </p:nvSpPr>
         <p:spPr>
           <a:xfrm>
             <a:off x="504000" y="1769040"/>
-            <a:ext cx="9071280" cy="4384080"/>
+            <a:ext cx="9070920" cy="4383720"/>
           </a:xfrm>
           <a:prstGeom prst="rect">
             <a:avLst/>
@@ -8266,7 +5239,7 @@
       </p:sp>
       <p:pic>
         <p:nvPicPr>
-          <p:cNvPr descr="" id="240" name="Picture 2"/>
+          <p:cNvPr descr="" id="153" name="Picture 2"/>
           <p:cNvPicPr/>
           <p:nvPr/>
         </p:nvPicPr>
@@ -8279,7 +5252,7 @@
         <p:spPr>
           <a:xfrm>
             <a:off x="4023360" y="1509120"/>
-            <a:ext cx="4392720" cy="5714280"/>
+            <a:ext cx="4392360" cy="5713920"/>
           </a:xfrm>
           <a:prstGeom prst="rect">
             <a:avLst/>
@@ -8310,14 +5283,14 @@
       </p:grpSpPr>
       <p:sp>
         <p:nvSpPr>
-          <p:cNvPr id="241" name="CustomShape 1"/>
+          <p:cNvPr id="154" name="CustomShape 1"/>
           <p:cNvSpPr/>
           <p:nvPr/>
         </p:nvSpPr>
         <p:spPr>
           <a:xfrm>
             <a:off x="504000" y="301320"/>
-            <a:ext cx="9071280" cy="1351800"/>
+            <a:ext cx="9070920" cy="1351440"/>
           </a:xfrm>
           <a:prstGeom prst="rect">
             <a:avLst/>
@@ -8337,14 +5310,14 @@
       </p:sp>
       <p:sp>
         <p:nvSpPr>
-          <p:cNvPr id="242" name="CustomShape 2"/>
+          <p:cNvPr id="155" name="CustomShape 2"/>
           <p:cNvSpPr/>
           <p:nvPr/>
         </p:nvSpPr>
         <p:spPr>
           <a:xfrm>
             <a:off x="504000" y="1769040"/>
-            <a:ext cx="9071280" cy="4384080"/>
+            <a:ext cx="9070920" cy="4383720"/>
           </a:xfrm>
           <a:prstGeom prst="rect">
             <a:avLst/>
@@ -8372,7 +5345,7 @@
       </p:sp>
       <p:pic>
         <p:nvPicPr>
-          <p:cNvPr descr="" id="243" name="Picture 2"/>
+          <p:cNvPr descr="" id="156" name="Picture 2"/>
           <p:cNvPicPr/>
           <p:nvPr/>
         </p:nvPicPr>
@@ -8385,7 +5358,7 @@
         <p:spPr>
           <a:xfrm>
             <a:off x="4023360" y="1301400"/>
-            <a:ext cx="4457160" cy="5739120"/>
+            <a:ext cx="4456800" cy="5738760"/>
           </a:xfrm>
           <a:prstGeom prst="rect">
             <a:avLst/>
@@ -8416,14 +5389,14 @@
       </p:grpSpPr>
       <p:sp>
         <p:nvSpPr>
-          <p:cNvPr id="244" name="CustomShape 1"/>
+          <p:cNvPr id="157" name="CustomShape 1"/>
           <p:cNvSpPr/>
           <p:nvPr/>
         </p:nvSpPr>
         <p:spPr>
           <a:xfrm>
             <a:off x="504000" y="301320"/>
-            <a:ext cx="9071280" cy="1351800"/>
+            <a:ext cx="9070920" cy="1351440"/>
           </a:xfrm>
           <a:prstGeom prst="rect">
             <a:avLst/>
@@ -8443,14 +5416,14 @@
       </p:sp>
       <p:sp>
         <p:nvSpPr>
-          <p:cNvPr id="245" name="CustomShape 2"/>
+          <p:cNvPr id="158" name="CustomShape 2"/>
           <p:cNvSpPr/>
           <p:nvPr/>
         </p:nvSpPr>
         <p:spPr>
           <a:xfrm>
             <a:off x="504000" y="1769040"/>
-            <a:ext cx="9071280" cy="4384080"/>
+            <a:ext cx="9070920" cy="4383720"/>
           </a:xfrm>
           <a:prstGeom prst="rect">
             <a:avLst/>
@@ -8478,7 +5451,7 @@
       </p:sp>
       <p:pic>
         <p:nvPicPr>
-          <p:cNvPr descr="" id="246" name="Picture 2"/>
+          <p:cNvPr descr="" id="159" name="Picture 2"/>
           <p:cNvPicPr/>
           <p:nvPr/>
         </p:nvPicPr>
@@ -8491,7 +5464,7 @@
         <p:spPr>
           <a:xfrm>
             <a:off x="3215880" y="1389960"/>
-            <a:ext cx="3276000" cy="5742000"/>
+            <a:ext cx="3275640" cy="5741640"/>
           </a:xfrm>
           <a:prstGeom prst="rect">
             <a:avLst/>
@@ -8522,14 +5495,14 @@
       </p:grpSpPr>
       <p:sp>
         <p:nvSpPr>
-          <p:cNvPr id="247" name="CustomShape 1"/>
+          <p:cNvPr id="160" name="CustomShape 1"/>
           <p:cNvSpPr/>
           <p:nvPr/>
         </p:nvSpPr>
         <p:spPr>
           <a:xfrm>
             <a:off x="504000" y="301320"/>
-            <a:ext cx="9071280" cy="1351800"/>
+            <a:ext cx="9070920" cy="1351440"/>
           </a:xfrm>
           <a:prstGeom prst="rect">
             <a:avLst/>
@@ -8549,14 +5522,14 @@
       </p:sp>
       <p:sp>
         <p:nvSpPr>
-          <p:cNvPr id="248" name="CustomShape 2"/>
+          <p:cNvPr id="161" name="CustomShape 2"/>
           <p:cNvSpPr/>
           <p:nvPr/>
         </p:nvSpPr>
         <p:spPr>
           <a:xfrm>
             <a:off x="504000" y="1769040"/>
-            <a:ext cx="9071280" cy="4384080"/>
+            <a:ext cx="9070920" cy="4383720"/>
           </a:xfrm>
           <a:prstGeom prst="rect">
             <a:avLst/>
@@ -8584,7 +5557,7 @@
       </p:sp>
       <p:pic>
         <p:nvPicPr>
-          <p:cNvPr descr="" id="249" name="Picture 2"/>
+          <p:cNvPr descr="" id="162" name="Picture 2"/>
           <p:cNvPicPr/>
           <p:nvPr/>
         </p:nvPicPr>
@@ -8597,7 +5570,7 @@
         <p:spPr>
           <a:xfrm>
             <a:off x="2448360" y="2194560"/>
-            <a:ext cx="5323680" cy="5304600"/>
+            <a:ext cx="5323320" cy="5304240"/>
           </a:xfrm>
           <a:prstGeom prst="rect">
             <a:avLst/>
@@ -8628,14 +5601,14 @@
       </p:grpSpPr>
       <p:sp>
         <p:nvSpPr>
-          <p:cNvPr id="250" name="CustomShape 1"/>
+          <p:cNvPr id="163" name="CustomShape 1"/>
           <p:cNvSpPr/>
           <p:nvPr/>
         </p:nvSpPr>
         <p:spPr>
           <a:xfrm>
             <a:off x="504000" y="301320"/>
-            <a:ext cx="9071280" cy="1351800"/>
+            <a:ext cx="9070920" cy="1351440"/>
           </a:xfrm>
           <a:prstGeom prst="rect">
             <a:avLst/>
@@ -8655,14 +5628,14 @@
       </p:sp>
       <p:sp>
         <p:nvSpPr>
-          <p:cNvPr id="251" name="CustomShape 2"/>
+          <p:cNvPr id="164" name="CustomShape 2"/>
           <p:cNvSpPr/>
           <p:nvPr/>
         </p:nvSpPr>
         <p:spPr>
           <a:xfrm>
             <a:off x="504000" y="1769040"/>
-            <a:ext cx="9071280" cy="4384080"/>
+            <a:ext cx="9070920" cy="4383720"/>
           </a:xfrm>
           <a:prstGeom prst="rect">
             <a:avLst/>
@@ -8690,7 +5663,7 @@
       </p:sp>
       <p:pic>
         <p:nvPicPr>
-          <p:cNvPr descr="" id="252" name="Picture 2"/>
+          <p:cNvPr descr="" id="165" name="Picture 2"/>
           <p:cNvPicPr/>
           <p:nvPr/>
         </p:nvPicPr>
@@ -8703,7 +5676,7 @@
         <p:spPr>
           <a:xfrm>
             <a:off x="2301480" y="2743200"/>
-            <a:ext cx="5562000" cy="3284640"/>
+            <a:ext cx="5561640" cy="3284280"/>
           </a:xfrm>
           <a:prstGeom prst="rect">
             <a:avLst/>
@@ -8734,14 +5707,14 @@
       </p:grpSpPr>
       <p:sp>
         <p:nvSpPr>
-          <p:cNvPr id="253" name="CustomShape 1"/>
+          <p:cNvPr id="166" name="CustomShape 1"/>
           <p:cNvSpPr/>
           <p:nvPr/>
         </p:nvSpPr>
         <p:spPr>
           <a:xfrm>
             <a:off x="504000" y="301320"/>
-            <a:ext cx="9071280" cy="1351800"/>
+            <a:ext cx="9070920" cy="1351440"/>
           </a:xfrm>
           <a:prstGeom prst="rect">
             <a:avLst/>
@@ -8761,14 +5734,14 @@
       </p:sp>
       <p:sp>
         <p:nvSpPr>
-          <p:cNvPr id="254" name="CustomShape 2"/>
+          <p:cNvPr id="167" name="CustomShape 2"/>
           <p:cNvSpPr/>
           <p:nvPr/>
         </p:nvSpPr>
         <p:spPr>
           <a:xfrm>
             <a:off x="504000" y="1769040"/>
-            <a:ext cx="9071280" cy="4384080"/>
+            <a:ext cx="9070920" cy="4383720"/>
           </a:xfrm>
           <a:prstGeom prst="rect">
             <a:avLst/>
@@ -8796,7 +5769,7 @@
       </p:sp>
       <p:pic>
         <p:nvPicPr>
-          <p:cNvPr descr="" id="255" name="Picture 2"/>
+          <p:cNvPr descr="" id="168" name="Picture 2"/>
           <p:cNvPicPr/>
           <p:nvPr/>
         </p:nvPicPr>
@@ -8809,7 +5782,7 @@
         <p:spPr>
           <a:xfrm>
             <a:off x="4237200" y="1563480"/>
-            <a:ext cx="4723560" cy="5623920"/>
+            <a:ext cx="4723200" cy="5623560"/>
           </a:xfrm>
           <a:prstGeom prst="rect">
             <a:avLst/>
@@ -8840,14 +5813,14 @@
       </p:grpSpPr>
       <p:sp>
         <p:nvSpPr>
-          <p:cNvPr id="256" name="CustomShape 1"/>
+          <p:cNvPr id="169" name="CustomShape 1"/>
           <p:cNvSpPr/>
           <p:nvPr/>
         </p:nvSpPr>
         <p:spPr>
           <a:xfrm>
             <a:off x="504000" y="301320"/>
-            <a:ext cx="9071280" cy="1351800"/>
+            <a:ext cx="9070920" cy="1351440"/>
           </a:xfrm>
           <a:prstGeom prst="rect">
             <a:avLst/>
@@ -8867,14 +5840,14 @@
       </p:sp>
       <p:sp>
         <p:nvSpPr>
-          <p:cNvPr id="257" name="CustomShape 2"/>
+          <p:cNvPr id="170" name="CustomShape 2"/>
           <p:cNvSpPr/>
           <p:nvPr/>
         </p:nvSpPr>
         <p:spPr>
           <a:xfrm>
             <a:off x="504000" y="1769040"/>
-            <a:ext cx="9071280" cy="4384080"/>
+            <a:ext cx="9070920" cy="4383720"/>
           </a:xfrm>
           <a:prstGeom prst="rect">
             <a:avLst/>
@@ -8902,7 +5875,7 @@
       </p:sp>
       <p:pic>
         <p:nvPicPr>
-          <p:cNvPr descr="" id="258" name="Picture 3"/>
+          <p:cNvPr descr="" id="171" name="Picture 3"/>
           <p:cNvPicPr/>
           <p:nvPr/>
         </p:nvPicPr>
@@ -8915,7 +5888,7 @@
         <p:spPr>
           <a:xfrm>
             <a:off x="1097280" y="2468880"/>
-            <a:ext cx="7954920" cy="4851360"/>
+            <a:ext cx="7954560" cy="4851000"/>
           </a:xfrm>
           <a:prstGeom prst="rect">
             <a:avLst/>
@@ -8946,14 +5919,14 @@
       </p:grpSpPr>
       <p:sp>
         <p:nvSpPr>
-          <p:cNvPr id="259" name="CustomShape 1"/>
+          <p:cNvPr id="172" name="CustomShape 1"/>
           <p:cNvSpPr/>
           <p:nvPr/>
         </p:nvSpPr>
         <p:spPr>
           <a:xfrm>
             <a:off x="504000" y="301320"/>
-            <a:ext cx="9071280" cy="1351800"/>
+            <a:ext cx="9070920" cy="1351440"/>
           </a:xfrm>
           <a:prstGeom prst="rect">
             <a:avLst/>
@@ -8973,14 +5946,14 @@
       </p:sp>
       <p:sp>
         <p:nvSpPr>
-          <p:cNvPr id="260" name="CustomShape 2"/>
+          <p:cNvPr id="173" name="CustomShape 2"/>
           <p:cNvSpPr/>
           <p:nvPr/>
         </p:nvSpPr>
         <p:spPr>
           <a:xfrm>
             <a:off x="504000" y="1769040"/>
-            <a:ext cx="9071280" cy="4384080"/>
+            <a:ext cx="9070920" cy="4383720"/>
           </a:xfrm>
           <a:prstGeom prst="rect">
             <a:avLst/>
@@ -9008,7 +5981,7 @@
       </p:sp>
       <p:pic>
         <p:nvPicPr>
-          <p:cNvPr descr="" id="261" name="Picture 2"/>
+          <p:cNvPr descr="" id="174" name="Picture 2"/>
           <p:cNvPicPr/>
           <p:nvPr/>
         </p:nvPicPr>
@@ -9021,7 +5994,7 @@
         <p:spPr>
           <a:xfrm>
             <a:off x="2198880" y="1549080"/>
-            <a:ext cx="5847480" cy="5400000"/>
+            <a:ext cx="5847120" cy="5399640"/>
           </a:xfrm>
           <a:prstGeom prst="rect">
             <a:avLst/>
@@ -9052,14 +6025,14 @@
       </p:grpSpPr>
       <p:sp>
         <p:nvSpPr>
-          <p:cNvPr id="262" name="CustomShape 1"/>
+          <p:cNvPr id="175" name="CustomShape 1"/>
           <p:cNvSpPr/>
           <p:nvPr/>
         </p:nvSpPr>
         <p:spPr>
           <a:xfrm>
             <a:off x="504000" y="301320"/>
-            <a:ext cx="9071280" cy="1351800"/>
+            <a:ext cx="9070920" cy="1351440"/>
           </a:xfrm>
           <a:prstGeom prst="rect">
             <a:avLst/>
@@ -9079,14 +6052,14 @@
       </p:sp>
       <p:sp>
         <p:nvSpPr>
-          <p:cNvPr id="263" name="CustomShape 2"/>
+          <p:cNvPr id="176" name="CustomShape 2"/>
           <p:cNvSpPr/>
           <p:nvPr/>
         </p:nvSpPr>
         <p:spPr>
           <a:xfrm>
             <a:off x="504000" y="1769040"/>
-            <a:ext cx="9071280" cy="4384080"/>
+            <a:ext cx="9070920" cy="4383720"/>
           </a:xfrm>
           <a:prstGeom prst="rect">
             <a:avLst/>
@@ -9114,7 +6087,7 @@
       </p:sp>
       <p:pic>
         <p:nvPicPr>
-          <p:cNvPr descr="" id="264" name="Picture 2"/>
+          <p:cNvPr descr="" id="177" name="Picture 2"/>
           <p:cNvPicPr/>
           <p:nvPr/>
         </p:nvPicPr>
@@ -9127,7 +6100,7 @@
         <p:spPr>
           <a:xfrm>
             <a:off x="3597120" y="1371600"/>
-            <a:ext cx="4723560" cy="5666040"/>
+            <a:ext cx="4723200" cy="5665680"/>
           </a:xfrm>
           <a:prstGeom prst="rect">
             <a:avLst/>
@@ -9158,14 +6131,14 @@
       </p:grpSpPr>
       <p:sp>
         <p:nvSpPr>
-          <p:cNvPr id="265" name="CustomShape 1"/>
+          <p:cNvPr id="178" name="CustomShape 1"/>
           <p:cNvSpPr/>
           <p:nvPr/>
         </p:nvSpPr>
         <p:spPr>
           <a:xfrm>
             <a:off x="504000" y="301320"/>
-            <a:ext cx="9071280" cy="1351800"/>
+            <a:ext cx="9070920" cy="1351440"/>
           </a:xfrm>
           <a:prstGeom prst="rect">
             <a:avLst/>
@@ -9185,14 +6158,14 @@
       </p:sp>
       <p:sp>
         <p:nvSpPr>
-          <p:cNvPr id="266" name="CustomShape 2"/>
+          <p:cNvPr id="179" name="CustomShape 2"/>
           <p:cNvSpPr/>
           <p:nvPr/>
         </p:nvSpPr>
         <p:spPr>
           <a:xfrm>
             <a:off x="504000" y="1769040"/>
-            <a:ext cx="9071280" cy="4384080"/>
+            <a:ext cx="9070920" cy="4383720"/>
           </a:xfrm>
           <a:prstGeom prst="rect">
             <a:avLst/>
@@ -9220,7 +6193,7 @@
       </p:sp>
       <p:pic>
         <p:nvPicPr>
-          <p:cNvPr descr="" id="267" name="Picture 2"/>
+          <p:cNvPr descr="" id="180" name="Picture 2"/>
           <p:cNvPicPr/>
           <p:nvPr/>
         </p:nvPicPr>
@@ -9233,7 +6206,7 @@
         <p:spPr>
           <a:xfrm>
             <a:off x="2463480" y="1562400"/>
-            <a:ext cx="6771600" cy="5295240"/>
+            <a:ext cx="6771240" cy="5294880"/>
           </a:xfrm>
           <a:prstGeom prst="rect">
             <a:avLst/>
@@ -9264,14 +6237,14 @@
       </p:grpSpPr>
       <p:sp>
         <p:nvSpPr>
-          <p:cNvPr id="165" name="CustomShape 1"/>
+          <p:cNvPr id="78" name="CustomShape 1"/>
           <p:cNvSpPr/>
           <p:nvPr/>
         </p:nvSpPr>
         <p:spPr>
           <a:xfrm>
             <a:off x="504000" y="301320"/>
-            <a:ext cx="9071280" cy="1351800"/>
+            <a:ext cx="9070920" cy="1351440"/>
           </a:xfrm>
           <a:prstGeom prst="rect">
             <a:avLst/>
@@ -9291,7 +6264,7 @@
       </p:sp>
       <p:pic>
         <p:nvPicPr>
-          <p:cNvPr descr="" id="166" name=""/>
+          <p:cNvPr descr="" id="79" name=""/>
           <p:cNvPicPr/>
           <p:nvPr/>
         </p:nvPicPr>
@@ -9304,7 +6277,7 @@
         <p:spPr>
           <a:xfrm>
             <a:off x="1144080" y="1371600"/>
-            <a:ext cx="7772040" cy="5943240"/>
+            <a:ext cx="7771680" cy="5942880"/>
           </a:xfrm>
           <a:prstGeom prst="rect">
             <a:avLst/>
@@ -9362,14 +6335,14 @@
       </p:grpSpPr>
       <p:sp>
         <p:nvSpPr>
-          <p:cNvPr id="268" name="CustomShape 1"/>
+          <p:cNvPr id="181" name="CustomShape 1"/>
           <p:cNvSpPr/>
           <p:nvPr/>
         </p:nvSpPr>
         <p:spPr>
           <a:xfrm>
             <a:off x="504000" y="301320"/>
-            <a:ext cx="9071280" cy="1351800"/>
+            <a:ext cx="9070920" cy="1351440"/>
           </a:xfrm>
           <a:prstGeom prst="rect">
             <a:avLst/>
@@ -9389,14 +6362,14 @@
       </p:sp>
       <p:sp>
         <p:nvSpPr>
-          <p:cNvPr id="269" name="CustomShape 2"/>
+          <p:cNvPr id="182" name="CustomShape 2"/>
           <p:cNvSpPr/>
           <p:nvPr/>
         </p:nvSpPr>
         <p:spPr>
           <a:xfrm>
             <a:off x="504000" y="1769040"/>
-            <a:ext cx="9071280" cy="4384080"/>
+            <a:ext cx="9070920" cy="4383720"/>
           </a:xfrm>
           <a:prstGeom prst="rect">
             <a:avLst/>
@@ -9424,7 +6397,7 @@
       </p:sp>
       <p:pic>
         <p:nvPicPr>
-          <p:cNvPr descr="" id="270" name="Picture 2"/>
+          <p:cNvPr descr="" id="183" name="Picture 2"/>
           <p:cNvPicPr/>
           <p:nvPr/>
         </p:nvPicPr>
@@ -9437,7 +6410,7 @@
         <p:spPr>
           <a:xfrm>
             <a:off x="1512720" y="2743200"/>
-            <a:ext cx="6807960" cy="4295160"/>
+            <a:ext cx="6807600" cy="4294800"/>
           </a:xfrm>
           <a:prstGeom prst="rect">
             <a:avLst/>
@@ -9468,14 +6441,14 @@
       </p:grpSpPr>
       <p:sp>
         <p:nvSpPr>
-          <p:cNvPr id="271" name="CustomShape 1"/>
+          <p:cNvPr id="184" name="CustomShape 1"/>
           <p:cNvSpPr/>
           <p:nvPr/>
         </p:nvSpPr>
         <p:spPr>
           <a:xfrm>
             <a:off x="504000" y="301320"/>
-            <a:ext cx="9071280" cy="1351800"/>
+            <a:ext cx="9070920" cy="1351440"/>
           </a:xfrm>
           <a:prstGeom prst="rect">
             <a:avLst/>
@@ -9495,14 +6468,14 @@
       </p:sp>
       <p:sp>
         <p:nvSpPr>
-          <p:cNvPr id="272" name="CustomShape 2"/>
+          <p:cNvPr id="185" name="CustomShape 2"/>
           <p:cNvSpPr/>
           <p:nvPr/>
         </p:nvSpPr>
         <p:spPr>
           <a:xfrm>
             <a:off x="504000" y="1769040"/>
-            <a:ext cx="9071280" cy="4384080"/>
+            <a:ext cx="9070920" cy="4383720"/>
           </a:xfrm>
           <a:prstGeom prst="rect">
             <a:avLst/>
@@ -9530,7 +6503,7 @@
       </p:sp>
       <p:pic>
         <p:nvPicPr>
-          <p:cNvPr descr="" id="273" name="Picture 6"/>
+          <p:cNvPr descr="" id="186" name="Picture 6"/>
           <p:cNvPicPr/>
           <p:nvPr/>
         </p:nvPicPr>
@@ -9543,7 +6516,7 @@
         <p:spPr>
           <a:xfrm>
             <a:off x="5026680" y="2468880"/>
-            <a:ext cx="4571280" cy="3520440"/>
+            <a:ext cx="4570920" cy="3520080"/>
           </a:xfrm>
           <a:prstGeom prst="rect">
             <a:avLst/>
@@ -9552,7 +6525,7 @@
       </p:pic>
       <p:pic>
         <p:nvPicPr>
-          <p:cNvPr descr="" id="274" name="Picture 5"/>
+          <p:cNvPr descr="" id="187" name="Picture 5"/>
           <p:cNvPicPr/>
           <p:nvPr/>
         </p:nvPicPr>
@@ -9565,7 +6538,7 @@
         <p:spPr>
           <a:xfrm>
             <a:off x="454680" y="2491200"/>
-            <a:ext cx="4479840" cy="3452040"/>
+            <a:ext cx="4479480" cy="3451680"/>
           </a:xfrm>
           <a:prstGeom prst="rect">
             <a:avLst/>
@@ -9596,14 +6569,14 @@
       </p:grpSpPr>
       <p:sp>
         <p:nvSpPr>
-          <p:cNvPr id="167" name="CustomShape 1"/>
+          <p:cNvPr id="80" name="CustomShape 1"/>
           <p:cNvSpPr/>
           <p:nvPr/>
         </p:nvSpPr>
         <p:spPr>
           <a:xfrm>
             <a:off x="504000" y="301320"/>
-            <a:ext cx="9071280" cy="1351800"/>
+            <a:ext cx="9070920" cy="1351440"/>
           </a:xfrm>
           <a:prstGeom prst="rect">
             <a:avLst/>
@@ -9623,14 +6596,14 @@
       </p:sp>
       <p:sp>
         <p:nvSpPr>
-          <p:cNvPr id="168" name="CustomShape 2"/>
+          <p:cNvPr id="81" name="CustomShape 2"/>
           <p:cNvSpPr/>
           <p:nvPr/>
         </p:nvSpPr>
         <p:spPr>
           <a:xfrm>
             <a:off x="504000" y="1769040"/>
-            <a:ext cx="9071280" cy="4384080"/>
+            <a:ext cx="9070920" cy="4383720"/>
           </a:xfrm>
           <a:prstGeom prst="rect">
             <a:avLst/>
@@ -9710,14 +6683,14 @@
       </p:grpSpPr>
       <p:sp>
         <p:nvSpPr>
-          <p:cNvPr id="169" name="CustomShape 1"/>
+          <p:cNvPr id="82" name="CustomShape 1"/>
           <p:cNvSpPr/>
           <p:nvPr/>
         </p:nvSpPr>
         <p:spPr>
           <a:xfrm>
             <a:off x="504000" y="301320"/>
-            <a:ext cx="9071280" cy="1351800"/>
+            <a:ext cx="9070920" cy="1351440"/>
           </a:xfrm>
           <a:prstGeom prst="rect">
             <a:avLst/>
@@ -9737,7 +6710,7 @@
       </p:sp>
       <p:pic>
         <p:nvPicPr>
-          <p:cNvPr descr="" id="170" name=""/>
+          <p:cNvPr descr="" id="83" name=""/>
           <p:cNvPicPr/>
           <p:nvPr/>
         </p:nvPicPr>
@@ -9750,7 +6723,7 @@
         <p:spPr>
           <a:xfrm>
             <a:off x="0" y="1280160"/>
-            <a:ext cx="10079640" cy="5486040"/>
+            <a:ext cx="10079280" cy="5485680"/>
           </a:xfrm>
           <a:prstGeom prst="rect">
             <a:avLst/>
@@ -9781,14 +6754,14 @@
       </p:grpSpPr>
       <p:sp>
         <p:nvSpPr>
-          <p:cNvPr id="171" name="CustomShape 1"/>
+          <p:cNvPr id="84" name="CustomShape 1"/>
           <p:cNvSpPr/>
           <p:nvPr/>
         </p:nvSpPr>
         <p:spPr>
           <a:xfrm>
             <a:off x="504000" y="301320"/>
-            <a:ext cx="9071280" cy="1351800"/>
+            <a:ext cx="9070920" cy="1351440"/>
           </a:xfrm>
           <a:prstGeom prst="rect">
             <a:avLst/>
@@ -9808,14 +6781,14 @@
       </p:sp>
       <p:sp>
         <p:nvSpPr>
-          <p:cNvPr id="172" name="CustomShape 2"/>
+          <p:cNvPr id="85" name="CustomShape 2"/>
           <p:cNvSpPr/>
           <p:nvPr/>
         </p:nvSpPr>
         <p:spPr>
           <a:xfrm>
             <a:off x="504000" y="1769040"/>
-            <a:ext cx="9071280" cy="4384080"/>
+            <a:ext cx="9070920" cy="4383720"/>
           </a:xfrm>
           <a:prstGeom prst="rect">
             <a:avLst/>
@@ -9910,14 +6883,14 @@
       </p:grpSpPr>
       <p:sp>
         <p:nvSpPr>
-          <p:cNvPr id="173" name="CustomShape 1"/>
+          <p:cNvPr id="86" name="CustomShape 1"/>
           <p:cNvSpPr/>
           <p:nvPr/>
         </p:nvSpPr>
         <p:spPr>
           <a:xfrm>
             <a:off x="504000" y="301320"/>
-            <a:ext cx="9071280" cy="1351800"/>
+            <a:ext cx="9070920" cy="1351440"/>
           </a:xfrm>
           <a:prstGeom prst="rect">
             <a:avLst/>
@@ -9937,14 +6910,14 @@
       </p:sp>
       <p:sp>
         <p:nvSpPr>
-          <p:cNvPr id="174" name="CustomShape 2"/>
+          <p:cNvPr id="87" name="CustomShape 2"/>
           <p:cNvSpPr/>
           <p:nvPr/>
         </p:nvSpPr>
         <p:spPr>
           <a:xfrm>
             <a:off x="504000" y="1769040"/>
-            <a:ext cx="9071280" cy="4384080"/>
+            <a:ext cx="9070920" cy="4383720"/>
           </a:xfrm>
           <a:prstGeom prst="rect">
             <a:avLst/>
@@ -9994,14 +6967,14 @@
       </p:grpSpPr>
       <p:sp>
         <p:nvSpPr>
-          <p:cNvPr id="175" name="CustomShape 1"/>
+          <p:cNvPr id="88" name="CustomShape 1"/>
           <p:cNvSpPr/>
           <p:nvPr/>
         </p:nvSpPr>
         <p:spPr>
           <a:xfrm>
             <a:off x="504000" y="301320"/>
-            <a:ext cx="9071280" cy="1351800"/>
+            <a:ext cx="9070920" cy="1351440"/>
           </a:xfrm>
           <a:prstGeom prst="rect">
             <a:avLst/>
@@ -10021,14 +6994,14 @@
       </p:sp>
       <p:sp>
         <p:nvSpPr>
-          <p:cNvPr id="176" name="CustomShape 2"/>
+          <p:cNvPr id="89" name="CustomShape 2"/>
           <p:cNvSpPr/>
           <p:nvPr/>
         </p:nvSpPr>
         <p:spPr>
           <a:xfrm>
             <a:off x="504000" y="1769040"/>
-            <a:ext cx="9071280" cy="4384080"/>
+            <a:ext cx="9070920" cy="4383720"/>
           </a:xfrm>
           <a:prstGeom prst="rect">
             <a:avLst/>
@@ -10150,14 +7123,14 @@
       </p:grpSpPr>
       <p:sp>
         <p:nvSpPr>
-          <p:cNvPr id="177" name="CustomShape 1"/>
+          <p:cNvPr id="90" name="CustomShape 1"/>
           <p:cNvSpPr/>
           <p:nvPr/>
         </p:nvSpPr>
         <p:spPr>
           <a:xfrm>
             <a:off x="504000" y="301320"/>
-            <a:ext cx="9071280" cy="1351800"/>
+            <a:ext cx="9070920" cy="1351440"/>
           </a:xfrm>
           <a:prstGeom prst="rect">
             <a:avLst/>
@@ -10177,14 +7150,14 @@
       </p:sp>
       <p:sp>
         <p:nvSpPr>
-          <p:cNvPr id="178" name="CustomShape 2"/>
+          <p:cNvPr id="91" name="CustomShape 2"/>
           <p:cNvSpPr/>
           <p:nvPr/>
         </p:nvSpPr>
         <p:spPr>
           <a:xfrm>
             <a:off x="504000" y="1769040"/>
-            <a:ext cx="9071280" cy="4384080"/>
+            <a:ext cx="9070920" cy="4383720"/>
           </a:xfrm>
           <a:prstGeom prst="rect">
             <a:avLst/>
@@ -10212,13 +7185,13 @@
       </p:sp>
       <p:graphicFrame>
         <p:nvGraphicFramePr>
-          <p:cNvPr id="179" name=""/>
+          <p:cNvPr id="92" name=""/>
           <p:cNvGraphicFramePr/>
           <p:nvPr/>
         </p:nvGraphicFramePr>
         <p:xfrm>
           <a:off x="917280" y="3566160"/>
-          <a:ext cx="5025960" cy="3844080"/>
+          <a:ext cx="5025600" cy="3843720"/>
         </p:xfrm>
         <a:graphic>
           <a:graphicData uri="http://schemas.openxmlformats.org/drawingml/2006/chart">
@@ -10675,450 +7648,4 @@
     </a:fmtScheme>
   </a:themeElements>
 </a:theme>
-</file>
-
-<file path=ppt/theme/theme3.xml><?xml version="1.0" encoding="utf-8"?>
-<a:theme xmlns:a="http://schemas.openxmlformats.org/drawingml/2006/main" name="Office Theme">
-  <a:themeElements>
-    <a:clrScheme name="Office">
-      <a:dk1>
-        <a:sysClr val="windowText" lastClr="000000"/>
-      </a:dk1>
-      <a:lt1>
-        <a:sysClr val="window" lastClr="FFFFFF"/>
-      </a:lt1>
-      <a:dk2>
-        <a:srgbClr val="1F497D"/>
-      </a:dk2>
-      <a:lt2>
-        <a:srgbClr val="EEECE1"/>
-      </a:lt2>
-      <a:accent1>
-        <a:srgbClr val="4F81BD"/>
-      </a:accent1>
-      <a:accent2>
-        <a:srgbClr val="C0504D"/>
-      </a:accent2>
-      <a:accent3>
-        <a:srgbClr val="9BBB59"/>
-      </a:accent3>
-      <a:accent4>
-        <a:srgbClr val="8064A2"/>
-      </a:accent4>
-      <a:accent5>
-        <a:srgbClr val="4BACC6"/>
-      </a:accent5>
-      <a:accent6>
-        <a:srgbClr val="F79646"/>
-      </a:accent6>
-      <a:hlink>
-        <a:srgbClr val="0000FF"/>
-      </a:hlink>
-      <a:folHlink>
-        <a:srgbClr val="800080"/>
-      </a:folHlink>
-    </a:clrScheme>
-    <a:fontScheme name="Office">
-      <a:majorFont>
-        <a:latin typeface="Arial"/>
-        <a:ea typeface="DejaVu Sans"/>
-        <a:cs typeface="DejaVu Sans"/>
-      </a:majorFont>
-      <a:minorFont>
-        <a:latin typeface="Arial"/>
-        <a:ea typeface="DejaVu Sans"/>
-        <a:cs typeface="DejaVu Sans"/>
-      </a:minorFont>
-    </a:fontScheme>
-    <a:fmtScheme name="Office">
-      <a:fillStyleLst>
-        <a:solidFill>
-          <a:schemeClr val="phClr"/>
-        </a:solidFill>
-        <a:gradFill rotWithShape="1">
-          <a:gsLst>
-            <a:gs pos="0">
-              <a:schemeClr val="phClr">
-                <a:tint val="50000"/>
-                <a:satMod val="300000"/>
-              </a:schemeClr>
-            </a:gs>
-            <a:gs pos="35000">
-              <a:schemeClr val="phClr">
-                <a:tint val="37000"/>
-                <a:satMod val="300000"/>
-              </a:schemeClr>
-            </a:gs>
-            <a:gs pos="100000">
-              <a:schemeClr val="phClr">
-                <a:tint val="15000"/>
-                <a:satMod val="350000"/>
-              </a:schemeClr>
-            </a:gs>
-          </a:gsLst>
-          <a:lin ang="16200000" scaled="1"/>
-        </a:gradFill>
-        <a:gradFill rotWithShape="1">
-          <a:gsLst>
-            <a:gs pos="0">
-              <a:schemeClr val="phClr">
-                <a:shade val="51000"/>
-                <a:satMod val="130000"/>
-              </a:schemeClr>
-            </a:gs>
-            <a:gs pos="80000">
-              <a:schemeClr val="phClr">
-                <a:shade val="93000"/>
-                <a:satMod val="130000"/>
-              </a:schemeClr>
-            </a:gs>
-            <a:gs pos="100000">
-              <a:schemeClr val="phClr">
-                <a:shade val="94000"/>
-                <a:satMod val="135000"/>
-              </a:schemeClr>
-            </a:gs>
-          </a:gsLst>
-          <a:lin ang="16200000" scaled="0"/>
-        </a:gradFill>
-      </a:fillStyleLst>
-      <a:lnStyleLst>
-        <a:ln w="9525" cap="flat" cmpd="sng" algn="ctr">
-          <a:solidFill>
-            <a:schemeClr val="phClr">
-              <a:shade val="95000"/>
-              <a:satMod val="105000"/>
-            </a:schemeClr>
-          </a:solidFill>
-          <a:prstDash val="solid"/>
-        </a:ln>
-        <a:ln w="25400" cap="flat" cmpd="sng" algn="ctr">
-          <a:solidFill>
-            <a:schemeClr val="phClr"/>
-          </a:solidFill>
-          <a:prstDash val="solid"/>
-        </a:ln>
-        <a:ln w="38100" cap="flat" cmpd="sng" algn="ctr">
-          <a:solidFill>
-            <a:schemeClr val="phClr"/>
-          </a:solidFill>
-          <a:prstDash val="solid"/>
-        </a:ln>
-      </a:lnStyleLst>
-      <a:effectStyleLst>
-        <a:effectStyle>
-          <a:effectLst>
-            <a:outerShdw blurRad="40000" dist="20000" dir="5400000" rotWithShape="0">
-              <a:srgbClr val="000000">
-                <a:alpha val="38000"/>
-              </a:srgbClr>
-            </a:outerShdw>
-          </a:effectLst>
-        </a:effectStyle>
-        <a:effectStyle>
-          <a:effectLst>
-            <a:outerShdw blurRad="40000" dist="23000" dir="5400000" rotWithShape="0">
-              <a:srgbClr val="000000">
-                <a:alpha val="35000"/>
-              </a:srgbClr>
-            </a:outerShdw>
-          </a:effectLst>
-        </a:effectStyle>
-        <a:effectStyle>
-          <a:effectLst>
-            <a:outerShdw blurRad="40000" dist="23000" dir="5400000" rotWithShape="0">
-              <a:srgbClr val="000000">
-                <a:alpha val="35000"/>
-              </a:srgbClr>
-            </a:outerShdw>
-          </a:effectLst>
-          <a:scene3d>
-            <a:camera prst="orthographicFront">
-              <a:rot lat="0" lon="0" rev="0"/>
-            </a:camera>
-            <a:lightRig rig="threePt" dir="t">
-              <a:rot lat="0" lon="0" rev="1200000"/>
-            </a:lightRig>
-          </a:scene3d>
-          <a:sp3d>
-            <a:bevelT w="63500" h="25400"/>
-          </a:sp3d>
-        </a:effectStyle>
-      </a:effectStyleLst>
-      <a:bgFillStyleLst>
-        <a:solidFill>
-          <a:schemeClr val="phClr"/>
-        </a:solidFill>
-        <a:gradFill rotWithShape="1">
-          <a:gsLst>
-            <a:gs pos="0">
-              <a:schemeClr val="phClr">
-                <a:tint val="40000"/>
-                <a:satMod val="350000"/>
-              </a:schemeClr>
-            </a:gs>
-            <a:gs pos="40000">
-              <a:schemeClr val="phClr">
-                <a:tint val="45000"/>
-                <a:shade val="99000"/>
-                <a:satMod val="350000"/>
-              </a:schemeClr>
-            </a:gs>
-            <a:gs pos="100000">
-              <a:schemeClr val="phClr">
-                <a:shade val="20000"/>
-                <a:satMod val="255000"/>
-              </a:schemeClr>
-            </a:gs>
-          </a:gsLst>
-          <a:path path="circle">
-            <a:fillToRect l="50000" t="-80000" r="50000" b="180000"/>
-          </a:path>
-        </a:gradFill>
-        <a:gradFill rotWithShape="1">
-          <a:gsLst>
-            <a:gs pos="0">
-              <a:schemeClr val="phClr">
-                <a:tint val="80000"/>
-                <a:satMod val="300000"/>
-              </a:schemeClr>
-            </a:gs>
-            <a:gs pos="100000">
-              <a:schemeClr val="phClr">
-                <a:shade val="30000"/>
-                <a:satMod val="200000"/>
-              </a:schemeClr>
-            </a:gs>
-          </a:gsLst>
-          <a:path path="circle">
-            <a:fillToRect l="50000" t="50000" r="50000" b="50000"/>
-          </a:path>
-        </a:gradFill>
-      </a:bgFillStyleLst>
-    </a:fmtScheme>
-  </a:themeElements>
-</a:theme>
-</file>
-
-<file path=ppt/theme/theme4.xml><?xml version="1.0" encoding="utf-8"?>
-<a:theme xmlns:a="http://schemas.openxmlformats.org/drawingml/2006/main" name="Office Theme">
-  <a:themeElements>
-    <a:clrScheme name="Office">
-      <a:dk1>
-        <a:sysClr val="windowText" lastClr="000000"/>
-      </a:dk1>
-      <a:lt1>
-        <a:sysClr val="window" lastClr="FFFFFF"/>
-      </a:lt1>
-      <a:dk2>
-        <a:srgbClr val="1F497D"/>
-      </a:dk2>
-      <a:lt2>
-        <a:srgbClr val="EEECE1"/>
-      </a:lt2>
-      <a:accent1>
-        <a:srgbClr val="4F81BD"/>
-      </a:accent1>
-      <a:accent2>
-        <a:srgbClr val="C0504D"/>
-      </a:accent2>
-      <a:accent3>
-        <a:srgbClr val="9BBB59"/>
-      </a:accent3>
-      <a:accent4>
-        <a:srgbClr val="8064A2"/>
-      </a:accent4>
-      <a:accent5>
-        <a:srgbClr val="4BACC6"/>
-      </a:accent5>
-      <a:accent6>
-        <a:srgbClr val="F79646"/>
-      </a:accent6>
-      <a:hlink>
-        <a:srgbClr val="0000FF"/>
-      </a:hlink>
-      <a:folHlink>
-        <a:srgbClr val="800080"/>
-      </a:folHlink>
-    </a:clrScheme>
-    <a:fontScheme name="Office">
-      <a:majorFont>
-        <a:latin typeface="Arial"/>
-        <a:ea typeface="DejaVu Sans"/>
-        <a:cs typeface="DejaVu Sans"/>
-      </a:majorFont>
-      <a:minorFont>
-        <a:latin typeface="Arial"/>
-        <a:ea typeface="DejaVu Sans"/>
-        <a:cs typeface="DejaVu Sans"/>
-      </a:minorFont>
-    </a:fontScheme>
-    <a:fmtScheme name="Office">
-      <a:fillStyleLst>
-        <a:solidFill>
-          <a:schemeClr val="phClr"/>
-        </a:solidFill>
-        <a:gradFill rotWithShape="1">
-          <a:gsLst>
-            <a:gs pos="0">
-              <a:schemeClr val="phClr">
-                <a:tint val="50000"/>
-                <a:satMod val="300000"/>
-              </a:schemeClr>
-            </a:gs>
-            <a:gs pos="35000">
-              <a:schemeClr val="phClr">
-                <a:tint val="37000"/>
-                <a:satMod val="300000"/>
-              </a:schemeClr>
-            </a:gs>
-            <a:gs pos="100000">
-              <a:schemeClr val="phClr">
-                <a:tint val="15000"/>
-                <a:satMod val="350000"/>
-              </a:schemeClr>
-            </a:gs>
-          </a:gsLst>
-          <a:lin ang="16200000" scaled="1"/>
-        </a:gradFill>
-        <a:gradFill rotWithShape="1">
-          <a:gsLst>
-            <a:gs pos="0">
-              <a:schemeClr val="phClr">
-                <a:shade val="51000"/>
-                <a:satMod val="130000"/>
-              </a:schemeClr>
-            </a:gs>
-            <a:gs pos="80000">
-              <a:schemeClr val="phClr">
-                <a:shade val="93000"/>
-                <a:satMod val="130000"/>
-              </a:schemeClr>
-            </a:gs>
-            <a:gs pos="100000">
-              <a:schemeClr val="phClr">
-                <a:shade val="94000"/>
-                <a:satMod val="135000"/>
-              </a:schemeClr>
-            </a:gs>
-          </a:gsLst>
-          <a:lin ang="16200000" scaled="0"/>
-        </a:gradFill>
-      </a:fillStyleLst>
-      <a:lnStyleLst>
-        <a:ln w="9525" cap="flat" cmpd="sng" algn="ctr">
-          <a:solidFill>
-            <a:schemeClr val="phClr">
-              <a:shade val="95000"/>
-              <a:satMod val="105000"/>
-            </a:schemeClr>
-          </a:solidFill>
-          <a:prstDash val="solid"/>
-        </a:ln>
-        <a:ln w="25400" cap="flat" cmpd="sng" algn="ctr">
-          <a:solidFill>
-            <a:schemeClr val="phClr"/>
-          </a:solidFill>
-          <a:prstDash val="solid"/>
-        </a:ln>
-        <a:ln w="38100" cap="flat" cmpd="sng" algn="ctr">
-          <a:solidFill>
-            <a:schemeClr val="phClr"/>
-          </a:solidFill>
-          <a:prstDash val="solid"/>
-        </a:ln>
-      </a:lnStyleLst>
-      <a:effectStyleLst>
-        <a:effectStyle>
-          <a:effectLst>
-            <a:outerShdw blurRad="40000" dist="20000" dir="5400000" rotWithShape="0">
-              <a:srgbClr val="000000">
-                <a:alpha val="38000"/>
-              </a:srgbClr>
-            </a:outerShdw>
-          </a:effectLst>
-        </a:effectStyle>
-        <a:effectStyle>
-          <a:effectLst>
-            <a:outerShdw blurRad="40000" dist="23000" dir="5400000" rotWithShape="0">
-              <a:srgbClr val="000000">
-                <a:alpha val="35000"/>
-              </a:srgbClr>
-            </a:outerShdw>
-          </a:effectLst>
-        </a:effectStyle>
-        <a:effectStyle>
-          <a:effectLst>
-            <a:outerShdw blurRad="40000" dist="23000" dir="5400000" rotWithShape="0">
-              <a:srgbClr val="000000">
-                <a:alpha val="35000"/>
-              </a:srgbClr>
-            </a:outerShdw>
-          </a:effectLst>
-          <a:scene3d>
-            <a:camera prst="orthographicFront">
-              <a:rot lat="0" lon="0" rev="0"/>
-            </a:camera>
-            <a:lightRig rig="threePt" dir="t">
-              <a:rot lat="0" lon="0" rev="1200000"/>
-            </a:lightRig>
-          </a:scene3d>
-          <a:sp3d>
-            <a:bevelT w="63500" h="25400"/>
-          </a:sp3d>
-        </a:effectStyle>
-      </a:effectStyleLst>
-      <a:bgFillStyleLst>
-        <a:solidFill>
-          <a:schemeClr val="phClr"/>
-        </a:solidFill>
-        <a:gradFill rotWithShape="1">
-          <a:gsLst>
-            <a:gs pos="0">
-              <a:schemeClr val="phClr">
-                <a:tint val="40000"/>
-                <a:satMod val="350000"/>
-              </a:schemeClr>
-            </a:gs>
-            <a:gs pos="40000">
-              <a:schemeClr val="phClr">
-                <a:tint val="45000"/>
-                <a:shade val="99000"/>
-                <a:satMod val="350000"/>
-              </a:schemeClr>
-            </a:gs>
-            <a:gs pos="100000">
-              <a:schemeClr val="phClr">
-                <a:shade val="20000"/>
-                <a:satMod val="255000"/>
-              </a:schemeClr>
-            </a:gs>
-          </a:gsLst>
-          <a:path path="circle">
-            <a:fillToRect l="50000" t="-80000" r="50000" b="180000"/>
-          </a:path>
-        </a:gradFill>
-        <a:gradFill rotWithShape="1">
-          <a:gsLst>
-            <a:gs pos="0">
-              <a:schemeClr val="phClr">
-                <a:tint val="80000"/>
-                <a:satMod val="300000"/>
-              </a:schemeClr>
-            </a:gs>
-            <a:gs pos="100000">
-              <a:schemeClr val="phClr">
-                <a:shade val="30000"/>
-                <a:satMod val="200000"/>
-              </a:schemeClr>
-            </a:gs>
-          </a:gsLst>
-          <a:path path="circle">
-            <a:fillToRect l="50000" t="50000" r="50000" b="50000"/>
-          </a:path>
-        </a:gradFill>
-      </a:bgFillStyleLst>
-    </a:fmtScheme>
-  </a:themeElements>
-</a:theme>
 </file>